--- a/DEVSQL_02_Normalization_NamingConv/DEVSQL_02A_Normalization.pptx
+++ b/DEVSQL_02_Normalization_NamingConv/DEVSQL_02A_Normalization.pptx
@@ -5,7 +5,7 @@
     <p:sldMasterId id="2147483903" r:id="rId1"/>
   </p:sldMasterIdLst>
   <p:notesMasterIdLst>
-    <p:notesMasterId r:id="rId13"/>
+    <p:notesMasterId r:id="rId20"/>
   </p:notesMasterIdLst>
   <p:sldIdLst>
     <p:sldId id="256" r:id="rId2"/>
@@ -19,6 +19,13 @@
     <p:sldId id="320" r:id="rId10"/>
     <p:sldId id="321" r:id="rId11"/>
     <p:sldId id="322" r:id="rId12"/>
+    <p:sldId id="328" r:id="rId13"/>
+    <p:sldId id="329" r:id="rId14"/>
+    <p:sldId id="323" r:id="rId15"/>
+    <p:sldId id="324" r:id="rId16"/>
+    <p:sldId id="325" r:id="rId17"/>
+    <p:sldId id="326" r:id="rId18"/>
+    <p:sldId id="327" r:id="rId19"/>
   </p:sldIdLst>
   <p:sldSz cx="12192000" cy="6858000"/>
   <p:notesSz cx="6858000" cy="9144000"/>
@@ -230,7 +237,7 @@
           <a:p>
             <a:fld id="{A72FB546-F199-4B4F-99BF-57E72CB8BE0D}" type="datetimeFigureOut">
               <a:rPr lang="en-GB" smtClean="0"/>
-              <a:t>26/08/2018</a:t>
+              <a:t>05/10/2018</a:t>
             </a:fld>
             <a:endParaRPr lang="en-GB"/>
           </a:p>
@@ -496,6 +503,90 @@
     </a:lvl9pPr>
   </p:notesStyle>
 </p:notesMaster>
+</file>
+
+<file path=ppt/notesSlides/notesSlide1.xml><?xml version="1.0" encoding="utf-8"?>
+<p:notes xmlns:a="http://schemas.openxmlformats.org/drawingml/2006/main" xmlns:r="http://schemas.openxmlformats.org/officeDocument/2006/relationships" xmlns:p="http://schemas.openxmlformats.org/presentationml/2006/main">
+  <p:cSld>
+    <p:spTree>
+      <p:nvGrpSpPr>
+        <p:cNvPr id="1" name=""/>
+        <p:cNvGrpSpPr/>
+        <p:nvPr/>
+      </p:nvGrpSpPr>
+      <p:grpSpPr>
+        <a:xfrm>
+          <a:off x="0" y="0"/>
+          <a:ext cx="0" cy="0"/>
+          <a:chOff x="0" y="0"/>
+          <a:chExt cx="0" cy="0"/>
+        </a:xfrm>
+      </p:grpSpPr>
+      <p:sp>
+        <p:nvSpPr>
+          <p:cNvPr id="2" name="Slide Image Placeholder 1"/>
+          <p:cNvSpPr>
+            <a:spLocks noGrp="1" noRot="1" noChangeAspect="1"/>
+          </p:cNvSpPr>
+          <p:nvPr>
+            <p:ph type="sldImg"/>
+          </p:nvPr>
+        </p:nvSpPr>
+        <p:spPr/>
+      </p:sp>
+      <p:sp>
+        <p:nvSpPr>
+          <p:cNvPr id="3" name="Notes Placeholder 2"/>
+          <p:cNvSpPr>
+            <a:spLocks noGrp="1"/>
+          </p:cNvSpPr>
+          <p:nvPr>
+            <p:ph type="body" idx="1"/>
+          </p:nvPr>
+        </p:nvSpPr>
+        <p:spPr/>
+        <p:txBody>
+          <a:bodyPr/>
+          <a:lstStyle/>
+          <a:p>
+            <a:endParaRPr lang="pl-PL"/>
+          </a:p>
+        </p:txBody>
+      </p:sp>
+      <p:sp>
+        <p:nvSpPr>
+          <p:cNvPr id="4" name="Slide Number Placeholder 3"/>
+          <p:cNvSpPr>
+            <a:spLocks noGrp="1"/>
+          </p:cNvSpPr>
+          <p:nvPr>
+            <p:ph type="sldNum" sz="quarter" idx="10"/>
+          </p:nvPr>
+        </p:nvSpPr>
+        <p:spPr/>
+        <p:txBody>
+          <a:bodyPr/>
+          <a:lstStyle/>
+          <a:p>
+            <a:fld id="{7BB43C7B-64C2-4B21-B7E6-9E6D13FCEBDF}" type="slidenum">
+              <a:rPr lang="en-GB" smtClean="0"/>
+              <a:t>11</a:t>
+            </a:fld>
+            <a:endParaRPr lang="en-GB"/>
+          </a:p>
+        </p:txBody>
+      </p:sp>
+    </p:spTree>
+    <p:extLst>
+      <p:ext uri="{BB962C8B-B14F-4D97-AF65-F5344CB8AC3E}">
+        <p14:creationId xmlns:p14="http://schemas.microsoft.com/office/powerpoint/2010/main" val="4044374648"/>
+      </p:ext>
+    </p:extLst>
+  </p:cSld>
+  <p:clrMapOvr>
+    <a:masterClrMapping/>
+  </p:clrMapOvr>
+</p:notes>
 </file>
 
 <file path=ppt/slideLayouts/slideLayout1.xml><?xml version="1.0" encoding="utf-8"?>
@@ -720,9 +811,9 @@
           <a:bodyPr/>
           <a:lstStyle/>
           <a:p>
-            <a:fld id="{762EC2F3-0632-422C-ADB8-9C061F953E30}" type="datetime1">
+            <a:fld id="{9BA1604A-4A86-4289-BBA4-38BD8B137EE0}" type="datetime1">
               <a:rPr lang="en-US" smtClean="0"/>
-              <a:t>8/26/2018</a:t>
+              <a:t>10/5/2018</a:t>
             </a:fld>
             <a:endParaRPr lang="en-US" dirty="0"/>
           </a:p>
@@ -895,9 +986,9 @@
           <a:bodyPr/>
           <a:lstStyle/>
           <a:p>
-            <a:fld id="{D7026110-76A6-4642-9966-38334C686CB4}" type="datetime1">
+            <a:fld id="{F41A1590-3BCD-4D3D-A7AC-27D4CCD1A577}" type="datetime1">
               <a:rPr lang="en-US" smtClean="0"/>
-              <a:t>8/26/2018</a:t>
+              <a:t>10/5/2018</a:t>
             </a:fld>
             <a:endParaRPr lang="en-US" dirty="0"/>
           </a:p>
@@ -1079,9 +1170,9 @@
           <a:bodyPr/>
           <a:lstStyle/>
           <a:p>
-            <a:fld id="{7ACDB48C-3BA3-4B79-A30D-C07F9380D638}" type="datetime1">
+            <a:fld id="{17D859B7-0640-4245-8CA1-74259021FD8E}" type="datetime1">
               <a:rPr lang="en-US" smtClean="0"/>
-              <a:t>8/26/2018</a:t>
+              <a:t>10/5/2018</a:t>
             </a:fld>
             <a:endParaRPr lang="en-US" dirty="0"/>
           </a:p>
@@ -1253,9 +1344,9 @@
           <a:bodyPr/>
           <a:lstStyle/>
           <a:p>
-            <a:fld id="{A0C66271-D6F5-4AE2-8B6E-0DA61571CD32}" type="datetime1">
+            <a:fld id="{6058DEC6-9EE4-48BF-AD58-2D633AE85739}" type="datetime1">
               <a:rPr lang="en-US" smtClean="0"/>
-              <a:t>8/26/2018</a:t>
+              <a:t>10/5/2018</a:t>
             </a:fld>
             <a:endParaRPr lang="en-US" dirty="0"/>
           </a:p>
@@ -1515,9 +1606,9 @@
           <a:bodyPr/>
           <a:lstStyle/>
           <a:p>
-            <a:fld id="{630CABDC-3CC8-4A06-A464-A2EFF3DAC8D2}" type="datetime1">
+            <a:fld id="{20D927A0-0156-4CB0-A827-138BE8F89324}" type="datetime1">
               <a:rPr lang="en-US" smtClean="0"/>
-              <a:t>8/26/2018</a:t>
+              <a:t>10/5/2018</a:t>
             </a:fld>
             <a:endParaRPr lang="en-US" dirty="0"/>
           </a:p>
@@ -1808,9 +1899,9 @@
           <a:bodyPr/>
           <a:lstStyle/>
           <a:p>
-            <a:fld id="{8CCF8F24-F461-4EDB-9CD4-AF58C798C503}" type="datetime1">
+            <a:fld id="{A1F39BA8-3D77-475B-BF16-74A3CDBA46BC}" type="datetime1">
               <a:rPr lang="en-US" smtClean="0"/>
-              <a:t>8/26/2018</a:t>
+              <a:t>10/5/2018</a:t>
             </a:fld>
             <a:endParaRPr lang="en-US" dirty="0"/>
           </a:p>
@@ -2254,9 +2345,9 @@
           <a:bodyPr/>
           <a:lstStyle/>
           <a:p>
-            <a:fld id="{6432248E-06B6-4B59-B11B-F3224894840E}" type="datetime1">
+            <a:fld id="{137FC7C7-8045-4F32-AD3B-D08A1E6F7632}" type="datetime1">
               <a:rPr lang="en-US" smtClean="0"/>
-              <a:t>8/26/2018</a:t>
+              <a:t>10/5/2018</a:t>
             </a:fld>
             <a:endParaRPr lang="en-US" dirty="0"/>
           </a:p>
@@ -2376,9 +2467,9 @@
           <a:bodyPr/>
           <a:lstStyle/>
           <a:p>
-            <a:fld id="{6735799D-FBBD-4173-A249-E1B905260CE9}" type="datetime1">
+            <a:fld id="{C9754D31-1FF6-40BC-908C-41CD4F46C9F7}" type="datetime1">
               <a:rPr lang="en-US" smtClean="0"/>
-              <a:t>8/26/2018</a:t>
+              <a:t>10/5/2018</a:t>
             </a:fld>
             <a:endParaRPr lang="en-US" dirty="0"/>
           </a:p>
@@ -2475,9 +2566,9 @@
           <a:bodyPr/>
           <a:lstStyle/>
           <a:p>
-            <a:fld id="{B84A97BA-445B-4BB3-B24D-5B01B2987340}" type="datetime1">
+            <a:fld id="{71E6A3E6-1DC5-4E27-8570-52F56B898BD2}" type="datetime1">
               <a:rPr lang="en-US" smtClean="0"/>
-              <a:t>8/26/2018</a:t>
+              <a:t>10/5/2018</a:t>
             </a:fld>
             <a:endParaRPr lang="en-US" dirty="0"/>
           </a:p>
@@ -2767,9 +2858,9 @@
           <a:bodyPr/>
           <a:lstStyle/>
           <a:p>
-            <a:fld id="{4F8E6BAF-FF48-4E33-9723-FB11A066EFEF}" type="datetime1">
+            <a:fld id="{D622E89B-7CB7-4853-BDC2-AC32EC43AB6F}" type="datetime1">
               <a:rPr lang="en-US" smtClean="0"/>
-              <a:t>8/26/2018</a:t>
+              <a:t>10/5/2018</a:t>
             </a:fld>
             <a:endParaRPr lang="en-US" dirty="0"/>
           </a:p>
@@ -3045,9 +3136,9 @@
           <a:bodyPr/>
           <a:lstStyle/>
           <a:p>
-            <a:fld id="{3F25EFCF-97C2-46E9-B9EE-64C7E0C15AF3}" type="datetime1">
+            <a:fld id="{2E32D872-CAF5-4914-8838-641D7A23EA80}" type="datetime1">
               <a:rPr lang="en-US" smtClean="0"/>
-              <a:t>8/26/2018</a:t>
+              <a:t>10/5/2018</a:t>
             </a:fld>
             <a:endParaRPr lang="en-US" dirty="0"/>
           </a:p>
@@ -3347,9 +3438,9 @@
             </a:lvl1pPr>
           </a:lstStyle>
           <a:p>
-            <a:fld id="{2C40EF7A-17F7-4B8F-9202-64AE51A7F75D}" type="datetime1">
+            <a:fld id="{6C9BE753-473D-44DA-AF6B-BA2A6A826317}" type="datetime1">
               <a:rPr lang="en-US" smtClean="0"/>
-              <a:t>8/26/2018</a:t>
+              <a:t>10/5/2018</a:t>
             </a:fld>
             <a:endParaRPr lang="en-US" dirty="0"/>
           </a:p>
@@ -4150,10 +4241,9 @@
           <a:lstStyle/>
           <a:p>
             <a:r>
-              <a:rPr lang="en-US"/>
+              <a:rPr lang="en-US" dirty="0"/>
               <a:t>Developing SQL Databases</a:t>
             </a:r>
-            <a:endParaRPr lang="en-US" dirty="0"/>
           </a:p>
         </p:txBody>
       </p:sp>
@@ -4181,21 +4271,21 @@
                 <a:gridCol w="1168400">
                   <a:extLst>
                     <a:ext uri="{9D8B030D-6E8A-4147-A177-3AD203B41FA5}">
-                      <a16:colId xmlns:a16="http://schemas.microsoft.com/office/drawing/2014/main" val="2519835934"/>
+                      <a16:colId xmlns:a16="http://schemas.microsoft.com/office/drawing/2014/main" xmlns="" val="2519835934"/>
                     </a:ext>
                   </a:extLst>
                 </a:gridCol>
                 <a:gridCol w="1168400">
                   <a:extLst>
                     <a:ext uri="{9D8B030D-6E8A-4147-A177-3AD203B41FA5}">
-                      <a16:colId xmlns:a16="http://schemas.microsoft.com/office/drawing/2014/main" val="1896888549"/>
+                      <a16:colId xmlns:a16="http://schemas.microsoft.com/office/drawing/2014/main" xmlns="" val="1896888549"/>
                     </a:ext>
                   </a:extLst>
                 </a:gridCol>
                 <a:gridCol w="1168400">
                   <a:extLst>
                     <a:ext uri="{9D8B030D-6E8A-4147-A177-3AD203B41FA5}">
-                      <a16:colId xmlns:a16="http://schemas.microsoft.com/office/drawing/2014/main" val="3168982923"/>
+                      <a16:colId xmlns:a16="http://schemas.microsoft.com/office/drawing/2014/main" xmlns="" val="3168982923"/>
                     </a:ext>
                   </a:extLst>
                 </a:gridCol>
@@ -4293,7 +4383,7 @@
                 </a:tc>
                 <a:extLst>
                   <a:ext uri="{0D108BD9-81ED-4DB2-BD59-A6C34878D82A}">
-                    <a16:rowId xmlns:a16="http://schemas.microsoft.com/office/drawing/2014/main" val="4177747275"/>
+                    <a16:rowId xmlns:a16="http://schemas.microsoft.com/office/drawing/2014/main" xmlns="" val="4177747275"/>
                   </a:ext>
                 </a:extLst>
               </a:tr>
@@ -4369,7 +4459,7 @@
                 </a:tc>
                 <a:extLst>
                   <a:ext uri="{0D108BD9-81ED-4DB2-BD59-A6C34878D82A}">
-                    <a16:rowId xmlns:a16="http://schemas.microsoft.com/office/drawing/2014/main" val="2706319588"/>
+                    <a16:rowId xmlns:a16="http://schemas.microsoft.com/office/drawing/2014/main" xmlns="" val="2706319588"/>
                   </a:ext>
                 </a:extLst>
               </a:tr>
@@ -4445,7 +4535,7 @@
                 </a:tc>
                 <a:extLst>
                   <a:ext uri="{0D108BD9-81ED-4DB2-BD59-A6C34878D82A}">
-                    <a16:rowId xmlns:a16="http://schemas.microsoft.com/office/drawing/2014/main" val="29144917"/>
+                    <a16:rowId xmlns:a16="http://schemas.microsoft.com/office/drawing/2014/main" xmlns="" val="29144917"/>
                   </a:ext>
                 </a:extLst>
               </a:tr>
@@ -4521,7 +4611,7 @@
                 </a:tc>
                 <a:extLst>
                   <a:ext uri="{0D108BD9-81ED-4DB2-BD59-A6C34878D82A}">
-                    <a16:rowId xmlns:a16="http://schemas.microsoft.com/office/drawing/2014/main" val="700613148"/>
+                    <a16:rowId xmlns:a16="http://schemas.microsoft.com/office/drawing/2014/main" xmlns="" val="700613148"/>
                   </a:ext>
                 </a:extLst>
               </a:tr>
@@ -4597,7 +4687,7 @@
                 </a:tc>
                 <a:extLst>
                   <a:ext uri="{0D108BD9-81ED-4DB2-BD59-A6C34878D82A}">
-                    <a16:rowId xmlns:a16="http://schemas.microsoft.com/office/drawing/2014/main" val="3034795548"/>
+                    <a16:rowId xmlns:a16="http://schemas.microsoft.com/office/drawing/2014/main" xmlns="" val="3034795548"/>
                   </a:ext>
                 </a:extLst>
               </a:tr>
@@ -4673,7 +4763,7 @@
                 </a:tc>
                 <a:extLst>
                   <a:ext uri="{0D108BD9-81ED-4DB2-BD59-A6C34878D82A}">
-                    <a16:rowId xmlns:a16="http://schemas.microsoft.com/office/drawing/2014/main" val="3195542387"/>
+                    <a16:rowId xmlns:a16="http://schemas.microsoft.com/office/drawing/2014/main" xmlns="" val="3195542387"/>
                   </a:ext>
                 </a:extLst>
               </a:tr>
@@ -4749,7 +4839,7 @@
                 </a:tc>
                 <a:extLst>
                   <a:ext uri="{0D108BD9-81ED-4DB2-BD59-A6C34878D82A}">
-                    <a16:rowId xmlns:a16="http://schemas.microsoft.com/office/drawing/2014/main" val="1890724887"/>
+                    <a16:rowId xmlns:a16="http://schemas.microsoft.com/office/drawing/2014/main" xmlns="" val="1890724887"/>
                   </a:ext>
                 </a:extLst>
               </a:tr>
@@ -4825,7 +4915,7 @@
                 </a:tc>
                 <a:extLst>
                   <a:ext uri="{0D108BD9-81ED-4DB2-BD59-A6C34878D82A}">
-                    <a16:rowId xmlns:a16="http://schemas.microsoft.com/office/drawing/2014/main" val="3095244603"/>
+                    <a16:rowId xmlns:a16="http://schemas.microsoft.com/office/drawing/2014/main" xmlns="" val="3095244603"/>
                   </a:ext>
                 </a:extLst>
               </a:tr>
@@ -4901,7 +4991,7 @@
                 </a:tc>
                 <a:extLst>
                   <a:ext uri="{0D108BD9-81ED-4DB2-BD59-A6C34878D82A}">
-                    <a16:rowId xmlns:a16="http://schemas.microsoft.com/office/drawing/2014/main" val="840023041"/>
+                    <a16:rowId xmlns:a16="http://schemas.microsoft.com/office/drawing/2014/main" xmlns="" val="840023041"/>
                   </a:ext>
                 </a:extLst>
               </a:tr>
@@ -4977,7 +5067,7 @@
                 </a:tc>
                 <a:extLst>
                   <a:ext uri="{0D108BD9-81ED-4DB2-BD59-A6C34878D82A}">
-                    <a16:rowId xmlns:a16="http://schemas.microsoft.com/office/drawing/2014/main" val="1478529225"/>
+                    <a16:rowId xmlns:a16="http://schemas.microsoft.com/office/drawing/2014/main" xmlns="" val="1478529225"/>
                   </a:ext>
                 </a:extLst>
               </a:tr>
@@ -5077,7 +5167,7 @@
                 </a:tc>
                 <a:extLst>
                   <a:ext uri="{0D108BD9-81ED-4DB2-BD59-A6C34878D82A}">
-                    <a16:rowId xmlns:a16="http://schemas.microsoft.com/office/drawing/2014/main" val="1641496300"/>
+                    <a16:rowId xmlns:a16="http://schemas.microsoft.com/office/drawing/2014/main" xmlns="" val="1641496300"/>
                   </a:ext>
                 </a:extLst>
               </a:tr>
@@ -5149,14 +5239,14 @@
                 <a:gridCol w="1168400">
                   <a:extLst>
                     <a:ext uri="{9D8B030D-6E8A-4147-A177-3AD203B41FA5}">
-                      <a16:colId xmlns:a16="http://schemas.microsoft.com/office/drawing/2014/main" val="240059799"/>
+                      <a16:colId xmlns:a16="http://schemas.microsoft.com/office/drawing/2014/main" xmlns="" val="240059799"/>
                     </a:ext>
                   </a:extLst>
                 </a:gridCol>
                 <a:gridCol w="1168400">
                   <a:extLst>
                     <a:ext uri="{9D8B030D-6E8A-4147-A177-3AD203B41FA5}">
-                      <a16:colId xmlns:a16="http://schemas.microsoft.com/office/drawing/2014/main" val="2086207988"/>
+                      <a16:colId xmlns:a16="http://schemas.microsoft.com/office/drawing/2014/main" xmlns="" val="2086207988"/>
                     </a:ext>
                   </a:extLst>
                 </a:gridCol>
@@ -5224,7 +5314,7 @@
                 </a:tc>
                 <a:extLst>
                   <a:ext uri="{0D108BD9-81ED-4DB2-BD59-A6C34878D82A}">
-                    <a16:rowId xmlns:a16="http://schemas.microsoft.com/office/drawing/2014/main" val="2406614447"/>
+                    <a16:rowId xmlns:a16="http://schemas.microsoft.com/office/drawing/2014/main" xmlns="" val="2406614447"/>
                   </a:ext>
                 </a:extLst>
               </a:tr>
@@ -5277,7 +5367,7 @@
                 </a:tc>
                 <a:extLst>
                   <a:ext uri="{0D108BD9-81ED-4DB2-BD59-A6C34878D82A}">
-                    <a16:rowId xmlns:a16="http://schemas.microsoft.com/office/drawing/2014/main" val="2028338314"/>
+                    <a16:rowId xmlns:a16="http://schemas.microsoft.com/office/drawing/2014/main" xmlns="" val="2028338314"/>
                   </a:ext>
                 </a:extLst>
               </a:tr>
@@ -5330,7 +5420,7 @@
                 </a:tc>
                 <a:extLst>
                   <a:ext uri="{0D108BD9-81ED-4DB2-BD59-A6C34878D82A}">
-                    <a16:rowId xmlns:a16="http://schemas.microsoft.com/office/drawing/2014/main" val="3163960193"/>
+                    <a16:rowId xmlns:a16="http://schemas.microsoft.com/office/drawing/2014/main" xmlns="" val="3163960193"/>
                   </a:ext>
                 </a:extLst>
               </a:tr>
@@ -5383,7 +5473,7 @@
                 </a:tc>
                 <a:extLst>
                   <a:ext uri="{0D108BD9-81ED-4DB2-BD59-A6C34878D82A}">
-                    <a16:rowId xmlns:a16="http://schemas.microsoft.com/office/drawing/2014/main" val="1332614439"/>
+                    <a16:rowId xmlns:a16="http://schemas.microsoft.com/office/drawing/2014/main" xmlns="" val="1332614439"/>
                   </a:ext>
                 </a:extLst>
               </a:tr>
@@ -5436,7 +5526,7 @@
                 </a:tc>
                 <a:extLst>
                   <a:ext uri="{0D108BD9-81ED-4DB2-BD59-A6C34878D82A}">
-                    <a16:rowId xmlns:a16="http://schemas.microsoft.com/office/drawing/2014/main" val="220963305"/>
+                    <a16:rowId xmlns:a16="http://schemas.microsoft.com/office/drawing/2014/main" xmlns="" val="220963305"/>
                   </a:ext>
                 </a:extLst>
               </a:tr>
@@ -5489,7 +5579,7 @@
                 </a:tc>
                 <a:extLst>
                   <a:ext uri="{0D108BD9-81ED-4DB2-BD59-A6C34878D82A}">
-                    <a16:rowId xmlns:a16="http://schemas.microsoft.com/office/drawing/2014/main" val="457976800"/>
+                    <a16:rowId xmlns:a16="http://schemas.microsoft.com/office/drawing/2014/main" xmlns="" val="457976800"/>
                   </a:ext>
                 </a:extLst>
               </a:tr>
@@ -5542,7 +5632,7 @@
                 </a:tc>
                 <a:extLst>
                   <a:ext uri="{0D108BD9-81ED-4DB2-BD59-A6C34878D82A}">
-                    <a16:rowId xmlns:a16="http://schemas.microsoft.com/office/drawing/2014/main" val="19031185"/>
+                    <a16:rowId xmlns:a16="http://schemas.microsoft.com/office/drawing/2014/main" xmlns="" val="19031185"/>
                   </a:ext>
                 </a:extLst>
               </a:tr>
@@ -5574,14 +5664,14 @@
                 <a:gridCol w="1168400">
                   <a:extLst>
                     <a:ext uri="{9D8B030D-6E8A-4147-A177-3AD203B41FA5}">
-                      <a16:colId xmlns:a16="http://schemas.microsoft.com/office/drawing/2014/main" val="4270192649"/>
+                      <a16:colId xmlns:a16="http://schemas.microsoft.com/office/drawing/2014/main" xmlns="" val="4270192649"/>
                     </a:ext>
                   </a:extLst>
                 </a:gridCol>
                 <a:gridCol w="1168400">
                   <a:extLst>
                     <a:ext uri="{9D8B030D-6E8A-4147-A177-3AD203B41FA5}">
-                      <a16:colId xmlns:a16="http://schemas.microsoft.com/office/drawing/2014/main" val="13011235"/>
+                      <a16:colId xmlns:a16="http://schemas.microsoft.com/office/drawing/2014/main" xmlns="" val="13011235"/>
                     </a:ext>
                   </a:extLst>
                 </a:gridCol>
@@ -5649,7 +5739,7 @@
                 </a:tc>
                 <a:extLst>
                   <a:ext uri="{0D108BD9-81ED-4DB2-BD59-A6C34878D82A}">
-                    <a16:rowId xmlns:a16="http://schemas.microsoft.com/office/drawing/2014/main" val="3028947573"/>
+                    <a16:rowId xmlns:a16="http://schemas.microsoft.com/office/drawing/2014/main" xmlns="" val="3028947573"/>
                   </a:ext>
                 </a:extLst>
               </a:tr>
@@ -5702,7 +5792,7 @@
                 </a:tc>
                 <a:extLst>
                   <a:ext uri="{0D108BD9-81ED-4DB2-BD59-A6C34878D82A}">
-                    <a16:rowId xmlns:a16="http://schemas.microsoft.com/office/drawing/2014/main" val="2647560602"/>
+                    <a16:rowId xmlns:a16="http://schemas.microsoft.com/office/drawing/2014/main" xmlns="" val="2647560602"/>
                   </a:ext>
                 </a:extLst>
               </a:tr>
@@ -5755,7 +5845,7 @@
                 </a:tc>
                 <a:extLst>
                   <a:ext uri="{0D108BD9-81ED-4DB2-BD59-A6C34878D82A}">
-                    <a16:rowId xmlns:a16="http://schemas.microsoft.com/office/drawing/2014/main" val="2069432344"/>
+                    <a16:rowId xmlns:a16="http://schemas.microsoft.com/office/drawing/2014/main" xmlns="" val="2069432344"/>
                   </a:ext>
                 </a:extLst>
               </a:tr>
@@ -5808,7 +5898,7 @@
                 </a:tc>
                 <a:extLst>
                   <a:ext uri="{0D108BD9-81ED-4DB2-BD59-A6C34878D82A}">
-                    <a16:rowId xmlns:a16="http://schemas.microsoft.com/office/drawing/2014/main" val="934754519"/>
+                    <a16:rowId xmlns:a16="http://schemas.microsoft.com/office/drawing/2014/main" xmlns="" val="934754519"/>
                   </a:ext>
                 </a:extLst>
               </a:tr>
@@ -5861,7 +5951,7 @@
                 </a:tc>
                 <a:extLst>
                   <a:ext uri="{0D108BD9-81ED-4DB2-BD59-A6C34878D82A}">
-                    <a16:rowId xmlns:a16="http://schemas.microsoft.com/office/drawing/2014/main" val="2065602857"/>
+                    <a16:rowId xmlns:a16="http://schemas.microsoft.com/office/drawing/2014/main" xmlns="" val="2065602857"/>
                   </a:ext>
                 </a:extLst>
               </a:tr>
@@ -5914,7 +6004,7 @@
                 </a:tc>
                 <a:extLst>
                   <a:ext uri="{0D108BD9-81ED-4DB2-BD59-A6C34878D82A}">
-                    <a16:rowId xmlns:a16="http://schemas.microsoft.com/office/drawing/2014/main" val="3198519770"/>
+                    <a16:rowId xmlns:a16="http://schemas.microsoft.com/office/drawing/2014/main" xmlns="" val="3198519770"/>
                   </a:ext>
                 </a:extLst>
               </a:tr>
@@ -5979,7 +6069,7 @@
                 </a:tc>
                 <a:extLst>
                   <a:ext uri="{0D108BD9-81ED-4DB2-BD59-A6C34878D82A}">
-                    <a16:rowId xmlns:a16="http://schemas.microsoft.com/office/drawing/2014/main" val="4149150672"/>
+                    <a16:rowId xmlns:a16="http://schemas.microsoft.com/office/drawing/2014/main" xmlns="" val="4149150672"/>
                   </a:ext>
                 </a:extLst>
               </a:tr>
@@ -6011,14 +6101,14 @@
                 <a:gridCol w="1168400">
                   <a:extLst>
                     <a:ext uri="{9D8B030D-6E8A-4147-A177-3AD203B41FA5}">
-                      <a16:colId xmlns:a16="http://schemas.microsoft.com/office/drawing/2014/main" val="2893792183"/>
+                      <a16:colId xmlns:a16="http://schemas.microsoft.com/office/drawing/2014/main" xmlns="" val="2893792183"/>
                     </a:ext>
                   </a:extLst>
                 </a:gridCol>
                 <a:gridCol w="1168400">
                   <a:extLst>
                     <a:ext uri="{9D8B030D-6E8A-4147-A177-3AD203B41FA5}">
-                      <a16:colId xmlns:a16="http://schemas.microsoft.com/office/drawing/2014/main" val="11247914"/>
+                      <a16:colId xmlns:a16="http://schemas.microsoft.com/office/drawing/2014/main" xmlns="" val="11247914"/>
                     </a:ext>
                   </a:extLst>
                 </a:gridCol>
@@ -6086,7 +6176,7 @@
                 </a:tc>
                 <a:extLst>
                   <a:ext uri="{0D108BD9-81ED-4DB2-BD59-A6C34878D82A}">
-                    <a16:rowId xmlns:a16="http://schemas.microsoft.com/office/drawing/2014/main" val="1746921946"/>
+                    <a16:rowId xmlns:a16="http://schemas.microsoft.com/office/drawing/2014/main" xmlns="" val="1746921946"/>
                   </a:ext>
                 </a:extLst>
               </a:tr>
@@ -6139,7 +6229,7 @@
                 </a:tc>
                 <a:extLst>
                   <a:ext uri="{0D108BD9-81ED-4DB2-BD59-A6C34878D82A}">
-                    <a16:rowId xmlns:a16="http://schemas.microsoft.com/office/drawing/2014/main" val="299288966"/>
+                    <a16:rowId xmlns:a16="http://schemas.microsoft.com/office/drawing/2014/main" xmlns="" val="299288966"/>
                   </a:ext>
                 </a:extLst>
               </a:tr>
@@ -6192,7 +6282,7 @@
                 </a:tc>
                 <a:extLst>
                   <a:ext uri="{0D108BD9-81ED-4DB2-BD59-A6C34878D82A}">
-                    <a16:rowId xmlns:a16="http://schemas.microsoft.com/office/drawing/2014/main" val="1818872826"/>
+                    <a16:rowId xmlns:a16="http://schemas.microsoft.com/office/drawing/2014/main" xmlns="" val="1818872826"/>
                   </a:ext>
                 </a:extLst>
               </a:tr>
@@ -6245,7 +6335,7 @@
                 </a:tc>
                 <a:extLst>
                   <a:ext uri="{0D108BD9-81ED-4DB2-BD59-A6C34878D82A}">
-                    <a16:rowId xmlns:a16="http://schemas.microsoft.com/office/drawing/2014/main" val="2540002099"/>
+                    <a16:rowId xmlns:a16="http://schemas.microsoft.com/office/drawing/2014/main" xmlns="" val="2540002099"/>
                   </a:ext>
                 </a:extLst>
               </a:tr>
@@ -6298,7 +6388,7 @@
                 </a:tc>
                 <a:extLst>
                   <a:ext uri="{0D108BD9-81ED-4DB2-BD59-A6C34878D82A}">
-                    <a16:rowId xmlns:a16="http://schemas.microsoft.com/office/drawing/2014/main" val="872585106"/>
+                    <a16:rowId xmlns:a16="http://schemas.microsoft.com/office/drawing/2014/main" xmlns="" val="872585106"/>
                   </a:ext>
                 </a:extLst>
               </a:tr>
@@ -6351,7 +6441,7 @@
                 </a:tc>
                 <a:extLst>
                   <a:ext uri="{0D108BD9-81ED-4DB2-BD59-A6C34878D82A}">
-                    <a16:rowId xmlns:a16="http://schemas.microsoft.com/office/drawing/2014/main" val="1894732941"/>
+                    <a16:rowId xmlns:a16="http://schemas.microsoft.com/office/drawing/2014/main" xmlns="" val="1894732941"/>
                   </a:ext>
                 </a:extLst>
               </a:tr>
@@ -6416,7 +6506,7 @@
                 </a:tc>
                 <a:extLst>
                   <a:ext uri="{0D108BD9-81ED-4DB2-BD59-A6C34878D82A}">
-                    <a16:rowId xmlns:a16="http://schemas.microsoft.com/office/drawing/2014/main" val="2370244029"/>
+                    <a16:rowId xmlns:a16="http://schemas.microsoft.com/office/drawing/2014/main" xmlns="" val="2370244029"/>
                   </a:ext>
                 </a:extLst>
               </a:tr>
@@ -6428,6 +6518,3670 @@
     <p:extLst>
       <p:ext uri="{BB962C8B-B14F-4D97-AF65-F5344CB8AC3E}">
         <p14:creationId xmlns:p14="http://schemas.microsoft.com/office/powerpoint/2010/main" val="3169529709"/>
+      </p:ext>
+    </p:extLst>
+  </p:cSld>
+  <p:clrMapOvr>
+    <a:masterClrMapping/>
+  </p:clrMapOvr>
+</p:sld>
+</file>
+
+<file path=ppt/slides/slide12.xml><?xml version="1.0" encoding="utf-8"?>
+<p:sld xmlns:a="http://schemas.openxmlformats.org/drawingml/2006/main" xmlns:r="http://schemas.openxmlformats.org/officeDocument/2006/relationships" xmlns:p="http://schemas.openxmlformats.org/presentationml/2006/main">
+  <p:cSld>
+    <p:spTree>
+      <p:nvGrpSpPr>
+        <p:cNvPr id="1" name=""/>
+        <p:cNvGrpSpPr/>
+        <p:nvPr/>
+      </p:nvGrpSpPr>
+      <p:grpSpPr>
+        <a:xfrm>
+          <a:off x="0" y="0"/>
+          <a:ext cx="0" cy="0"/>
+          <a:chOff x="0" y="0"/>
+          <a:chExt cx="0" cy="0"/>
+        </a:xfrm>
+      </p:grpSpPr>
+      <p:sp>
+        <p:nvSpPr>
+          <p:cNvPr id="2" name="Tytuł 1"/>
+          <p:cNvSpPr>
+            <a:spLocks noGrp="1"/>
+          </p:cNvSpPr>
+          <p:nvPr>
+            <p:ph type="title"/>
+          </p:nvPr>
+        </p:nvSpPr>
+        <p:spPr/>
+        <p:txBody>
+          <a:bodyPr>
+            <a:normAutofit/>
+          </a:bodyPr>
+          <a:lstStyle/>
+          <a:p>
+            <a:r>
+              <a:rPr lang="pl-PL" sz="3200" dirty="0" smtClean="0"/>
+              <a:t>Denormalization</a:t>
+            </a:r>
+            <a:endParaRPr lang="pl-PL" sz="3200" dirty="0"/>
+          </a:p>
+        </p:txBody>
+      </p:sp>
+      <p:sp>
+        <p:nvSpPr>
+          <p:cNvPr id="3" name="Symbol zastępczy zawartości 2"/>
+          <p:cNvSpPr>
+            <a:spLocks noGrp="1"/>
+          </p:cNvSpPr>
+          <p:nvPr>
+            <p:ph idx="1"/>
+          </p:nvPr>
+        </p:nvSpPr>
+        <p:spPr/>
+        <p:txBody>
+          <a:bodyPr/>
+          <a:lstStyle/>
+          <a:p>
+            <a:r>
+              <a:rPr lang="pl-PL" dirty="0" smtClean="0"/>
+              <a:t>Star</a:t>
+            </a:r>
+          </a:p>
+          <a:p>
+            <a:r>
+              <a:rPr lang="pl-PL" dirty="0" smtClean="0"/>
+              <a:t>Snowflake</a:t>
+            </a:r>
+            <a:endParaRPr lang="pl-PL" dirty="0"/>
+          </a:p>
+        </p:txBody>
+      </p:sp>
+      <p:sp>
+        <p:nvSpPr>
+          <p:cNvPr id="4" name="Symbol zastępczy numeru slajdu 3"/>
+          <p:cNvSpPr>
+            <a:spLocks noGrp="1"/>
+          </p:cNvSpPr>
+          <p:nvPr>
+            <p:ph type="sldNum" sz="quarter" idx="12"/>
+          </p:nvPr>
+        </p:nvSpPr>
+        <p:spPr/>
+        <p:txBody>
+          <a:bodyPr/>
+          <a:lstStyle/>
+          <a:p>
+            <a:fld id="{4FAB73BC-B049-4115-A692-8D63A059BFB8}" type="slidenum">
+              <a:rPr lang="en-US" smtClean="0"/>
+              <a:t>12</a:t>
+            </a:fld>
+            <a:endParaRPr lang="en-US" dirty="0"/>
+          </a:p>
+        </p:txBody>
+      </p:sp>
+      <p:sp>
+        <p:nvSpPr>
+          <p:cNvPr id="5" name="Symbol zastępczy stopki 4"/>
+          <p:cNvSpPr>
+            <a:spLocks noGrp="1"/>
+          </p:cNvSpPr>
+          <p:nvPr>
+            <p:ph type="ftr" sz="quarter" idx="11"/>
+          </p:nvPr>
+        </p:nvSpPr>
+        <p:spPr/>
+        <p:txBody>
+          <a:bodyPr/>
+          <a:lstStyle/>
+          <a:p>
+            <a:r>
+              <a:rPr lang="en-US"/>
+              <a:t>Developing SQL Databases</a:t>
+            </a:r>
+            <a:endParaRPr lang="en-US" dirty="0"/>
+          </a:p>
+        </p:txBody>
+      </p:sp>
+    </p:spTree>
+    <p:extLst>
+      <p:ext uri="{BB962C8B-B14F-4D97-AF65-F5344CB8AC3E}">
+        <p14:creationId xmlns:p14="http://schemas.microsoft.com/office/powerpoint/2010/main" val="526517735"/>
+      </p:ext>
+    </p:extLst>
+  </p:cSld>
+  <p:clrMapOvr>
+    <a:masterClrMapping/>
+  </p:clrMapOvr>
+  <p:timing>
+    <p:tnLst>
+      <p:par>
+        <p:cTn id="1" dur="indefinite" restart="never" nodeType="tmRoot"/>
+      </p:par>
+    </p:tnLst>
+  </p:timing>
+</p:sld>
+</file>
+
+<file path=ppt/slides/slide13.xml><?xml version="1.0" encoding="utf-8"?>
+<p:sld xmlns:a="http://schemas.openxmlformats.org/drawingml/2006/main" xmlns:r="http://schemas.openxmlformats.org/officeDocument/2006/relationships" xmlns:p="http://schemas.openxmlformats.org/presentationml/2006/main">
+  <p:cSld>
+    <p:spTree>
+      <p:nvGrpSpPr>
+        <p:cNvPr id="1" name=""/>
+        <p:cNvGrpSpPr/>
+        <p:nvPr/>
+      </p:nvGrpSpPr>
+      <p:grpSpPr>
+        <a:xfrm>
+          <a:off x="0" y="0"/>
+          <a:ext cx="0" cy="0"/>
+          <a:chOff x="0" y="0"/>
+          <a:chExt cx="0" cy="0"/>
+        </a:xfrm>
+      </p:grpSpPr>
+      <p:sp>
+        <p:nvSpPr>
+          <p:cNvPr id="9" name="pole tekstowe 8"/>
+          <p:cNvSpPr txBox="1"/>
+          <p:nvPr/>
+        </p:nvSpPr>
+        <p:spPr>
+          <a:xfrm>
+            <a:off x="604007" y="662730"/>
+            <a:ext cx="9991288" cy="461665"/>
+          </a:xfrm>
+          <a:prstGeom prst="rect">
+            <a:avLst/>
+          </a:prstGeom>
+          <a:noFill/>
+        </p:spPr>
+        <p:txBody>
+          <a:bodyPr wrap="square" rtlCol="0">
+            <a:spAutoFit/>
+          </a:bodyPr>
+          <a:lstStyle/>
+          <a:p>
+            <a:pPr lvl="1" algn="just"/>
+            <a:r>
+              <a:rPr lang="pl-PL" sz="2400" b="1" dirty="0"/>
+              <a:t>OLTP vs. OLAP</a:t>
+            </a:r>
+          </a:p>
+        </p:txBody>
+      </p:sp>
+      <p:sp>
+        <p:nvSpPr>
+          <p:cNvPr id="3" name="Symbol zastępczy stopki 2"/>
+          <p:cNvSpPr>
+            <a:spLocks noGrp="1"/>
+          </p:cNvSpPr>
+          <p:nvPr>
+            <p:ph type="ftr" sz="quarter" idx="11"/>
+          </p:nvPr>
+        </p:nvSpPr>
+        <p:spPr/>
+        <p:txBody>
+          <a:bodyPr/>
+          <a:lstStyle/>
+          <a:p>
+            <a:r>
+              <a:rPr lang="en-US" smtClean="0"/>
+              <a:t>Developing SQL Databases</a:t>
+            </a:r>
+            <a:endParaRPr lang="en-US" dirty="0"/>
+          </a:p>
+        </p:txBody>
+      </p:sp>
+      <p:graphicFrame>
+        <p:nvGraphicFramePr>
+          <p:cNvPr id="6" name="Tabela 5">
+            <a:extLst>
+              <a:ext uri="{FF2B5EF4-FFF2-40B4-BE49-F238E27FC236}">
+                <a16:creationId xmlns:a16="http://schemas.microsoft.com/office/drawing/2014/main" xmlns="" id="{EE77EA6C-A533-435C-A2A0-EC9BB2A64527}"/>
+              </a:ext>
+            </a:extLst>
+          </p:cNvPr>
+          <p:cNvGraphicFramePr>
+            <a:graphicFrameLocks noGrp="1"/>
+          </p:cNvGraphicFramePr>
+          <p:nvPr>
+            <p:extLst>
+              <p:ext uri="{D42A27DB-BD31-4B8C-83A1-F6EECF244321}">
+                <p14:modId xmlns:p14="http://schemas.microsoft.com/office/powerpoint/2010/main" val="482226565"/>
+              </p:ext>
+            </p:extLst>
+          </p:nvPr>
+        </p:nvGraphicFramePr>
+        <p:xfrm>
+          <a:off x="1186250" y="1243132"/>
+          <a:ext cx="9100516" cy="4959960"/>
+        </p:xfrm>
+        <a:graphic>
+          <a:graphicData uri="http://schemas.openxmlformats.org/drawingml/2006/table">
+            <a:tbl>
+              <a:tblPr/>
+              <a:tblGrid>
+                <a:gridCol w="1873550">
+                  <a:extLst>
+                    <a:ext uri="{9D8B030D-6E8A-4147-A177-3AD203B41FA5}">
+                      <a16:colId xmlns:a16="http://schemas.microsoft.com/office/drawing/2014/main" xmlns="" val="3815441602"/>
+                    </a:ext>
+                  </a:extLst>
+                </a:gridCol>
+                <a:gridCol w="3613483">
+                  <a:extLst>
+                    <a:ext uri="{9D8B030D-6E8A-4147-A177-3AD203B41FA5}">
+                      <a16:colId xmlns:a16="http://schemas.microsoft.com/office/drawing/2014/main" xmlns="" val="706012535"/>
+                    </a:ext>
+                  </a:extLst>
+                </a:gridCol>
+                <a:gridCol w="3613483">
+                  <a:extLst>
+                    <a:ext uri="{9D8B030D-6E8A-4147-A177-3AD203B41FA5}">
+                      <a16:colId xmlns:a16="http://schemas.microsoft.com/office/drawing/2014/main" xmlns="" val="2773590978"/>
+                    </a:ext>
+                  </a:extLst>
+                </a:gridCol>
+              </a:tblGrid>
+              <a:tr h="183057">
+                <a:tc>
+                  <a:txBody>
+                    <a:bodyPr/>
+                    <a:lstStyle/>
+                    <a:p>
+                      <a:pPr algn="ctr" fontAlgn="b"/>
+                      <a:r>
+                        <a:rPr lang="pl-PL" sz="1100" b="1" i="0" u="none" strike="noStrike" dirty="0">
+                          <a:solidFill>
+                            <a:srgbClr val="000000"/>
+                          </a:solidFill>
+                          <a:effectLst/>
+                          <a:latin typeface="Arial" panose="020B0604020202020204" pitchFamily="34" charset="0"/>
+                        </a:rPr>
+                        <a:t> </a:t>
+                      </a:r>
+                    </a:p>
+                  </a:txBody>
+                  <a:tcPr marL="8717" marR="8717" marT="8717" marB="0" anchor="b">
+                    <a:lnL>
+                      <a:noFill/>
+                    </a:lnL>
+                    <a:lnR>
+                      <a:noFill/>
+                    </a:lnR>
+                    <a:lnT>
+                      <a:noFill/>
+                    </a:lnT>
+                    <a:lnB>
+                      <a:noFill/>
+                    </a:lnB>
+                    <a:solidFill>
+                      <a:srgbClr val="DBDBDB"/>
+                    </a:solidFill>
+                  </a:tcPr>
+                </a:tc>
+                <a:tc>
+                  <a:txBody>
+                    <a:bodyPr/>
+                    <a:lstStyle/>
+                    <a:p>
+                      <a:pPr algn="ctr" fontAlgn="b"/>
+                      <a:r>
+                        <a:rPr lang="pl-PL" sz="1100" b="1" i="0" u="none" strike="noStrike">
+                          <a:solidFill>
+                            <a:srgbClr val="000000"/>
+                          </a:solidFill>
+                          <a:effectLst/>
+                          <a:latin typeface="Arial" panose="020B0604020202020204" pitchFamily="34" charset="0"/>
+                        </a:rPr>
+                        <a:t>OLTP System </a:t>
+                      </a:r>
+                    </a:p>
+                  </a:txBody>
+                  <a:tcPr marL="8717" marR="8717" marT="8717" marB="0" anchor="b">
+                    <a:lnL>
+                      <a:noFill/>
+                    </a:lnL>
+                    <a:lnR>
+                      <a:noFill/>
+                    </a:lnR>
+                    <a:lnT>
+                      <a:noFill/>
+                    </a:lnT>
+                    <a:lnB>
+                      <a:noFill/>
+                    </a:lnB>
+                    <a:solidFill>
+                      <a:srgbClr val="DBDBDB"/>
+                    </a:solidFill>
+                  </a:tcPr>
+                </a:tc>
+                <a:tc>
+                  <a:txBody>
+                    <a:bodyPr/>
+                    <a:lstStyle/>
+                    <a:p>
+                      <a:pPr algn="ctr" fontAlgn="b"/>
+                      <a:r>
+                        <a:rPr lang="pl-PL" sz="1100" b="1" i="0" u="none" strike="noStrike">
+                          <a:solidFill>
+                            <a:srgbClr val="000000"/>
+                          </a:solidFill>
+                          <a:effectLst/>
+                          <a:latin typeface="Arial" panose="020B0604020202020204" pitchFamily="34" charset="0"/>
+                        </a:rPr>
+                        <a:t>OLAP System </a:t>
+                      </a:r>
+                    </a:p>
+                  </a:txBody>
+                  <a:tcPr marL="8717" marR="8717" marT="8717" marB="0" anchor="b">
+                    <a:lnL>
+                      <a:noFill/>
+                    </a:lnL>
+                    <a:lnR>
+                      <a:noFill/>
+                    </a:lnR>
+                    <a:lnT>
+                      <a:noFill/>
+                    </a:lnT>
+                    <a:lnB>
+                      <a:noFill/>
+                    </a:lnB>
+                    <a:solidFill>
+                      <a:srgbClr val="DBDBDB"/>
+                    </a:solidFill>
+                  </a:tcPr>
+                </a:tc>
+                <a:extLst>
+                  <a:ext uri="{0D108BD9-81ED-4DB2-BD59-A6C34878D82A}">
+                    <a16:rowId xmlns:a16="http://schemas.microsoft.com/office/drawing/2014/main" xmlns="" val="3333196602"/>
+                  </a:ext>
+                </a:extLst>
+              </a:tr>
+              <a:tr h="183057">
+                <a:tc>
+                  <a:txBody>
+                    <a:bodyPr/>
+                    <a:lstStyle/>
+                    <a:p>
+                      <a:pPr algn="ctr" fontAlgn="b"/>
+                      <a:r>
+                        <a:rPr lang="pl-PL" sz="1100" b="1" i="0" u="none" strike="noStrike">
+                          <a:solidFill>
+                            <a:srgbClr val="000000"/>
+                          </a:solidFill>
+                          <a:effectLst/>
+                          <a:latin typeface="Arial" panose="020B0604020202020204" pitchFamily="34" charset="0"/>
+                        </a:rPr>
+                        <a:t> </a:t>
+                      </a:r>
+                    </a:p>
+                  </a:txBody>
+                  <a:tcPr marL="8717" marR="8717" marT="8717" marB="0" anchor="b">
+                    <a:lnL>
+                      <a:noFill/>
+                    </a:lnL>
+                    <a:lnR>
+                      <a:noFill/>
+                    </a:lnR>
+                    <a:lnT>
+                      <a:noFill/>
+                    </a:lnT>
+                    <a:lnB>
+                      <a:noFill/>
+                    </a:lnB>
+                    <a:solidFill>
+                      <a:srgbClr val="DBDBDB"/>
+                    </a:solidFill>
+                  </a:tcPr>
+                </a:tc>
+                <a:tc>
+                  <a:txBody>
+                    <a:bodyPr/>
+                    <a:lstStyle/>
+                    <a:p>
+                      <a:pPr algn="ctr" fontAlgn="b"/>
+                      <a:r>
+                        <a:rPr lang="pl-PL" sz="1100" b="1" i="0" u="none" strike="noStrike">
+                          <a:solidFill>
+                            <a:srgbClr val="000000"/>
+                          </a:solidFill>
+                          <a:effectLst/>
+                          <a:latin typeface="Arial" panose="020B0604020202020204" pitchFamily="34" charset="0"/>
+                        </a:rPr>
+                        <a:t>Online Transaction Processing </a:t>
+                      </a:r>
+                    </a:p>
+                  </a:txBody>
+                  <a:tcPr marL="8717" marR="8717" marT="8717" marB="0" anchor="b">
+                    <a:lnL>
+                      <a:noFill/>
+                    </a:lnL>
+                    <a:lnR>
+                      <a:noFill/>
+                    </a:lnR>
+                    <a:lnT>
+                      <a:noFill/>
+                    </a:lnT>
+                    <a:lnB>
+                      <a:noFill/>
+                    </a:lnB>
+                    <a:solidFill>
+                      <a:srgbClr val="DBDBDB"/>
+                    </a:solidFill>
+                  </a:tcPr>
+                </a:tc>
+                <a:tc>
+                  <a:txBody>
+                    <a:bodyPr/>
+                    <a:lstStyle/>
+                    <a:p>
+                      <a:pPr algn="ctr" fontAlgn="b"/>
+                      <a:r>
+                        <a:rPr lang="pl-PL" sz="1100" b="1" i="0" u="none" strike="noStrike">
+                          <a:solidFill>
+                            <a:srgbClr val="000000"/>
+                          </a:solidFill>
+                          <a:effectLst/>
+                          <a:latin typeface="Arial" panose="020B0604020202020204" pitchFamily="34" charset="0"/>
+                        </a:rPr>
+                        <a:t>Online Analytical Processing </a:t>
+                      </a:r>
+                    </a:p>
+                  </a:txBody>
+                  <a:tcPr marL="8717" marR="8717" marT="8717" marB="0" anchor="b">
+                    <a:lnL>
+                      <a:noFill/>
+                    </a:lnL>
+                    <a:lnR>
+                      <a:noFill/>
+                    </a:lnR>
+                    <a:lnT>
+                      <a:noFill/>
+                    </a:lnT>
+                    <a:lnB>
+                      <a:noFill/>
+                    </a:lnB>
+                    <a:solidFill>
+                      <a:srgbClr val="DBDBDB"/>
+                    </a:solidFill>
+                  </a:tcPr>
+                </a:tc>
+                <a:extLst>
+                  <a:ext uri="{0D108BD9-81ED-4DB2-BD59-A6C34878D82A}">
+                    <a16:rowId xmlns:a16="http://schemas.microsoft.com/office/drawing/2014/main" xmlns="" val="4095513750"/>
+                  </a:ext>
+                </a:extLst>
+              </a:tr>
+              <a:tr h="183057">
+                <a:tc>
+                  <a:txBody>
+                    <a:bodyPr/>
+                    <a:lstStyle/>
+                    <a:p>
+                      <a:pPr algn="ctr" fontAlgn="b"/>
+                      <a:r>
+                        <a:rPr lang="pl-PL" sz="1100" b="1" i="0" u="none" strike="noStrike">
+                          <a:solidFill>
+                            <a:srgbClr val="000000"/>
+                          </a:solidFill>
+                          <a:effectLst/>
+                          <a:latin typeface="Arial" panose="020B0604020202020204" pitchFamily="34" charset="0"/>
+                        </a:rPr>
+                        <a:t> </a:t>
+                      </a:r>
+                    </a:p>
+                  </a:txBody>
+                  <a:tcPr marL="8717" marR="8717" marT="8717" marB="0" anchor="b">
+                    <a:lnL>
+                      <a:noFill/>
+                    </a:lnL>
+                    <a:lnR>
+                      <a:noFill/>
+                    </a:lnR>
+                    <a:lnT>
+                      <a:noFill/>
+                    </a:lnT>
+                    <a:lnB>
+                      <a:noFill/>
+                    </a:lnB>
+                    <a:solidFill>
+                      <a:srgbClr val="DBDBDB"/>
+                    </a:solidFill>
+                  </a:tcPr>
+                </a:tc>
+                <a:tc>
+                  <a:txBody>
+                    <a:bodyPr/>
+                    <a:lstStyle/>
+                    <a:p>
+                      <a:pPr algn="ctr" fontAlgn="b"/>
+                      <a:r>
+                        <a:rPr lang="pl-PL" sz="1100" b="1" i="0" u="none" strike="noStrike">
+                          <a:solidFill>
+                            <a:srgbClr val="000000"/>
+                          </a:solidFill>
+                          <a:effectLst/>
+                          <a:latin typeface="Arial" panose="020B0604020202020204" pitchFamily="34" charset="0"/>
+                        </a:rPr>
+                        <a:t>(Operational System)</a:t>
+                      </a:r>
+                    </a:p>
+                  </a:txBody>
+                  <a:tcPr marL="8717" marR="8717" marT="8717" marB="0" anchor="b">
+                    <a:lnL>
+                      <a:noFill/>
+                    </a:lnL>
+                    <a:lnR>
+                      <a:noFill/>
+                    </a:lnR>
+                    <a:lnT>
+                      <a:noFill/>
+                    </a:lnT>
+                    <a:lnB>
+                      <a:noFill/>
+                    </a:lnB>
+                    <a:solidFill>
+                      <a:srgbClr val="DBDBDB"/>
+                    </a:solidFill>
+                  </a:tcPr>
+                </a:tc>
+                <a:tc>
+                  <a:txBody>
+                    <a:bodyPr/>
+                    <a:lstStyle/>
+                    <a:p>
+                      <a:pPr algn="ctr" fontAlgn="b"/>
+                      <a:r>
+                        <a:rPr lang="pl-PL" sz="1100" b="1" i="0" u="none" strike="noStrike">
+                          <a:solidFill>
+                            <a:srgbClr val="000000"/>
+                          </a:solidFill>
+                          <a:effectLst/>
+                          <a:latin typeface="Arial" panose="020B0604020202020204" pitchFamily="34" charset="0"/>
+                        </a:rPr>
+                        <a:t>(Data Warehouse)</a:t>
+                      </a:r>
+                    </a:p>
+                  </a:txBody>
+                  <a:tcPr marL="8717" marR="8717" marT="8717" marB="0" anchor="b">
+                    <a:lnL>
+                      <a:noFill/>
+                    </a:lnL>
+                    <a:lnR>
+                      <a:noFill/>
+                    </a:lnR>
+                    <a:lnT>
+                      <a:noFill/>
+                    </a:lnT>
+                    <a:lnB>
+                      <a:noFill/>
+                    </a:lnB>
+                    <a:solidFill>
+                      <a:srgbClr val="DBDBDB"/>
+                    </a:solidFill>
+                  </a:tcPr>
+                </a:tc>
+                <a:extLst>
+                  <a:ext uri="{0D108BD9-81ED-4DB2-BD59-A6C34878D82A}">
+                    <a16:rowId xmlns:a16="http://schemas.microsoft.com/office/drawing/2014/main" xmlns="" val="2468111674"/>
+                  </a:ext>
+                </a:extLst>
+              </a:tr>
+              <a:tr h="645055">
+                <a:tc>
+                  <a:txBody>
+                    <a:bodyPr/>
+                    <a:lstStyle/>
+                    <a:p>
+                      <a:pPr algn="ctr" fontAlgn="ctr"/>
+                      <a:r>
+                        <a:rPr lang="pl-PL" sz="1100" b="1" i="0" u="none" strike="noStrike">
+                          <a:solidFill>
+                            <a:srgbClr val="000000"/>
+                          </a:solidFill>
+                          <a:effectLst/>
+                          <a:latin typeface="Arial" panose="020B0604020202020204" pitchFamily="34" charset="0"/>
+                        </a:rPr>
+                        <a:t>źródło danych</a:t>
+                      </a:r>
+                    </a:p>
+                  </a:txBody>
+                  <a:tcPr marL="8717" marR="8717" marT="8717" marB="0" anchor="ctr">
+                    <a:lnL>
+                      <a:noFill/>
+                    </a:lnL>
+                    <a:lnR>
+                      <a:noFill/>
+                    </a:lnR>
+                    <a:lnT>
+                      <a:noFill/>
+                    </a:lnT>
+                    <a:lnB>
+                      <a:noFill/>
+                    </a:lnB>
+                    <a:solidFill>
+                      <a:srgbClr val="DBDBDB"/>
+                    </a:solidFill>
+                  </a:tcPr>
+                </a:tc>
+                <a:tc>
+                  <a:txBody>
+                    <a:bodyPr/>
+                    <a:lstStyle/>
+                    <a:p>
+                      <a:pPr algn="ctr" fontAlgn="ctr"/>
+                      <a:r>
+                        <a:rPr lang="pl-PL" sz="1000" b="0" i="0" u="none" strike="noStrike">
+                          <a:solidFill>
+                            <a:srgbClr val="000000"/>
+                          </a:solidFill>
+                          <a:effectLst/>
+                          <a:latin typeface="Arial" panose="020B0604020202020204" pitchFamily="34" charset="0"/>
+                        </a:rPr>
+                        <a:t>dane operacyjne</a:t>
+                      </a:r>
+                    </a:p>
+                  </a:txBody>
+                  <a:tcPr marL="8717" marR="8717" marT="8717" marB="0" anchor="ctr">
+                    <a:lnL>
+                      <a:noFill/>
+                    </a:lnL>
+                    <a:lnR>
+                      <a:noFill/>
+                    </a:lnR>
+                    <a:lnT>
+                      <a:noFill/>
+                    </a:lnT>
+                    <a:lnB>
+                      <a:noFill/>
+                    </a:lnB>
+                  </a:tcPr>
+                </a:tc>
+                <a:tc>
+                  <a:txBody>
+                    <a:bodyPr/>
+                    <a:lstStyle/>
+                    <a:p>
+                      <a:pPr algn="ctr" fontAlgn="ctr"/>
+                      <a:r>
+                        <a:rPr lang="pl-PL" sz="1000" b="0" i="0" u="none" strike="noStrike">
+                          <a:solidFill>
+                            <a:srgbClr val="000000"/>
+                          </a:solidFill>
+                          <a:effectLst/>
+                          <a:latin typeface="Arial" panose="020B0604020202020204" pitchFamily="34" charset="0"/>
+                        </a:rPr>
+                        <a:t>dane skonsolidowane, pobierane z systemów OLTP, dane zewnętrzne (np. GUS), pliki xlsx/csv (korekty, analizy, wyliczenia)</a:t>
+                      </a:r>
+                    </a:p>
+                  </a:txBody>
+                  <a:tcPr marL="8717" marR="8717" marT="8717" marB="0" anchor="ctr">
+                    <a:lnL>
+                      <a:noFill/>
+                    </a:lnL>
+                    <a:lnR>
+                      <a:noFill/>
+                    </a:lnR>
+                    <a:lnT>
+                      <a:noFill/>
+                    </a:lnT>
+                    <a:lnB>
+                      <a:noFill/>
+                    </a:lnB>
+                  </a:tcPr>
+                </a:tc>
+                <a:extLst>
+                  <a:ext uri="{0D108BD9-81ED-4DB2-BD59-A6C34878D82A}">
+                    <a16:rowId xmlns:a16="http://schemas.microsoft.com/office/drawing/2014/main" xmlns="" val="1044959527"/>
+                  </a:ext>
+                </a:extLst>
+              </a:tr>
+              <a:tr h="418415">
+                <a:tc>
+                  <a:txBody>
+                    <a:bodyPr/>
+                    <a:lstStyle/>
+                    <a:p>
+                      <a:pPr algn="ctr" fontAlgn="ctr"/>
+                      <a:r>
+                        <a:rPr lang="pl-PL" sz="1100" b="1" i="0" u="none" strike="noStrike">
+                          <a:solidFill>
+                            <a:srgbClr val="000000"/>
+                          </a:solidFill>
+                          <a:effectLst/>
+                          <a:latin typeface="Arial" panose="020B0604020202020204" pitchFamily="34" charset="0"/>
+                        </a:rPr>
+                        <a:t>cel</a:t>
+                      </a:r>
+                    </a:p>
+                  </a:txBody>
+                  <a:tcPr marL="8717" marR="8717" marT="8717" marB="0" anchor="ctr">
+                    <a:lnL>
+                      <a:noFill/>
+                    </a:lnL>
+                    <a:lnR>
+                      <a:noFill/>
+                    </a:lnR>
+                    <a:lnT>
+                      <a:noFill/>
+                    </a:lnT>
+                    <a:lnB>
+                      <a:noFill/>
+                    </a:lnB>
+                    <a:solidFill>
+                      <a:srgbClr val="DBDBDB"/>
+                    </a:solidFill>
+                  </a:tcPr>
+                </a:tc>
+                <a:tc>
+                  <a:txBody>
+                    <a:bodyPr/>
+                    <a:lstStyle/>
+                    <a:p>
+                      <a:pPr algn="ctr" fontAlgn="ctr"/>
+                      <a:r>
+                        <a:rPr lang="pl-PL" sz="1000" b="0" i="0" u="none" strike="noStrike">
+                          <a:solidFill>
+                            <a:srgbClr val="000000"/>
+                          </a:solidFill>
+                          <a:effectLst/>
+                          <a:latin typeface="Arial" panose="020B0604020202020204" pitchFamily="34" charset="0"/>
+                        </a:rPr>
+                        <a:t>obsługa procesów biznesowych</a:t>
+                      </a:r>
+                    </a:p>
+                  </a:txBody>
+                  <a:tcPr marL="8717" marR="8717" marT="8717" marB="0" anchor="ctr">
+                    <a:lnL>
+                      <a:noFill/>
+                    </a:lnL>
+                    <a:lnR>
+                      <a:noFill/>
+                    </a:lnR>
+                    <a:lnT>
+                      <a:noFill/>
+                    </a:lnT>
+                    <a:lnB>
+                      <a:noFill/>
+                    </a:lnB>
+                  </a:tcPr>
+                </a:tc>
+                <a:tc>
+                  <a:txBody>
+                    <a:bodyPr/>
+                    <a:lstStyle/>
+                    <a:p>
+                      <a:pPr algn="ctr" fontAlgn="ctr"/>
+                      <a:r>
+                        <a:rPr lang="pl-PL" sz="1000" b="0" i="0" u="none" strike="noStrike">
+                          <a:solidFill>
+                            <a:srgbClr val="000000"/>
+                          </a:solidFill>
+                          <a:effectLst/>
+                          <a:latin typeface="Arial" panose="020B0604020202020204" pitchFamily="34" charset="0"/>
+                        </a:rPr>
+                        <a:t>analiza, planowanie, wspomaganie podejmowania decyzji</a:t>
+                      </a:r>
+                    </a:p>
+                  </a:txBody>
+                  <a:tcPr marL="8717" marR="8717" marT="8717" marB="0" anchor="ctr">
+                    <a:lnL>
+                      <a:noFill/>
+                    </a:lnL>
+                    <a:lnR>
+                      <a:noFill/>
+                    </a:lnR>
+                    <a:lnT>
+                      <a:noFill/>
+                    </a:lnT>
+                    <a:lnB>
+                      <a:noFill/>
+                    </a:lnB>
+                  </a:tcPr>
+                </a:tc>
+                <a:extLst>
+                  <a:ext uri="{0D108BD9-81ED-4DB2-BD59-A6C34878D82A}">
+                    <a16:rowId xmlns:a16="http://schemas.microsoft.com/office/drawing/2014/main" xmlns="" val="1429004828"/>
+                  </a:ext>
+                </a:extLst>
+              </a:tr>
+              <a:tr h="418415">
+                <a:tc>
+                  <a:txBody>
+                    <a:bodyPr/>
+                    <a:lstStyle/>
+                    <a:p>
+                      <a:pPr algn="ctr" fontAlgn="ctr"/>
+                      <a:r>
+                        <a:rPr lang="pl-PL" sz="1100" b="1" i="0" u="none" strike="noStrike">
+                          <a:solidFill>
+                            <a:srgbClr val="000000"/>
+                          </a:solidFill>
+                          <a:effectLst/>
+                          <a:latin typeface="Arial" panose="020B0604020202020204" pitchFamily="34" charset="0"/>
+                        </a:rPr>
+                        <a:t>Co jest w danych</a:t>
+                      </a:r>
+                    </a:p>
+                  </a:txBody>
+                  <a:tcPr marL="8717" marR="8717" marT="8717" marB="0" anchor="ctr">
+                    <a:lnL>
+                      <a:noFill/>
+                    </a:lnL>
+                    <a:lnR>
+                      <a:noFill/>
+                    </a:lnR>
+                    <a:lnT>
+                      <a:noFill/>
+                    </a:lnT>
+                    <a:lnB>
+                      <a:noFill/>
+                    </a:lnB>
+                    <a:solidFill>
+                      <a:srgbClr val="DBDBDB"/>
+                    </a:solidFill>
+                  </a:tcPr>
+                </a:tc>
+                <a:tc>
+                  <a:txBody>
+                    <a:bodyPr/>
+                    <a:lstStyle/>
+                    <a:p>
+                      <a:pPr algn="ctr" fontAlgn="ctr"/>
+                      <a:r>
+                        <a:rPr lang="pl-PL" sz="1000" b="0" i="0" u="none" strike="noStrike" dirty="0">
+                          <a:solidFill>
+                            <a:srgbClr val="000000"/>
+                          </a:solidFill>
+                          <a:effectLst/>
+                          <a:latin typeface="Arial" panose="020B0604020202020204" pitchFamily="34" charset="0"/>
+                        </a:rPr>
+                        <a:t>stan bieżący</a:t>
+                      </a:r>
+                    </a:p>
+                  </a:txBody>
+                  <a:tcPr marL="8717" marR="8717" marT="8717" marB="0" anchor="ctr">
+                    <a:lnL>
+                      <a:noFill/>
+                    </a:lnL>
+                    <a:lnR>
+                      <a:noFill/>
+                    </a:lnR>
+                    <a:lnT>
+                      <a:noFill/>
+                    </a:lnT>
+                    <a:lnB>
+                      <a:noFill/>
+                    </a:lnB>
+                  </a:tcPr>
+                </a:tc>
+                <a:tc>
+                  <a:txBody>
+                    <a:bodyPr/>
+                    <a:lstStyle/>
+                    <a:p>
+                      <a:pPr algn="ctr" fontAlgn="ctr"/>
+                      <a:r>
+                        <a:rPr lang="pl-PL" sz="1000" b="0" i="0" u="none" strike="noStrike">
+                          <a:solidFill>
+                            <a:srgbClr val="000000"/>
+                          </a:solidFill>
+                          <a:effectLst/>
+                          <a:latin typeface="Arial" panose="020B0604020202020204" pitchFamily="34" charset="0"/>
+                        </a:rPr>
+                        <a:t>stan bieżący oraz historia</a:t>
+                      </a:r>
+                    </a:p>
+                  </a:txBody>
+                  <a:tcPr marL="8717" marR="8717" marT="8717" marB="0" anchor="ctr">
+                    <a:lnL>
+                      <a:noFill/>
+                    </a:lnL>
+                    <a:lnR>
+                      <a:noFill/>
+                    </a:lnR>
+                    <a:lnT>
+                      <a:noFill/>
+                    </a:lnT>
+                    <a:lnB>
+                      <a:noFill/>
+                    </a:lnB>
+                  </a:tcPr>
+                </a:tc>
+                <a:extLst>
+                  <a:ext uri="{0D108BD9-81ED-4DB2-BD59-A6C34878D82A}">
+                    <a16:rowId xmlns:a16="http://schemas.microsoft.com/office/drawing/2014/main" xmlns="" val="2582737320"/>
+                  </a:ext>
+                </a:extLst>
+              </a:tr>
+              <a:tr h="418415">
+                <a:tc>
+                  <a:txBody>
+                    <a:bodyPr/>
+                    <a:lstStyle/>
+                    <a:p>
+                      <a:pPr algn="ctr" fontAlgn="ctr"/>
+                      <a:r>
+                        <a:rPr lang="pl-PL" sz="1100" b="1" i="0" u="none" strike="noStrike">
+                          <a:solidFill>
+                            <a:srgbClr val="000000"/>
+                          </a:solidFill>
+                          <a:effectLst/>
+                          <a:latin typeface="Arial" panose="020B0604020202020204" pitchFamily="34" charset="0"/>
+                        </a:rPr>
+                        <a:t>Operacje Insert i Update</a:t>
+                      </a:r>
+                    </a:p>
+                  </a:txBody>
+                  <a:tcPr marL="8717" marR="8717" marT="8717" marB="0" anchor="ctr">
+                    <a:lnL>
+                      <a:noFill/>
+                    </a:lnL>
+                    <a:lnR>
+                      <a:noFill/>
+                    </a:lnR>
+                    <a:lnT>
+                      <a:noFill/>
+                    </a:lnT>
+                    <a:lnB>
+                      <a:noFill/>
+                    </a:lnB>
+                    <a:solidFill>
+                      <a:srgbClr val="DBDBDB"/>
+                    </a:solidFill>
+                  </a:tcPr>
+                </a:tc>
+                <a:tc>
+                  <a:txBody>
+                    <a:bodyPr/>
+                    <a:lstStyle/>
+                    <a:p>
+                      <a:pPr algn="ctr" fontAlgn="ctr"/>
+                      <a:r>
+                        <a:rPr lang="pl-PL" sz="1000" b="0" i="0" u="none" strike="noStrike">
+                          <a:solidFill>
+                            <a:srgbClr val="000000"/>
+                          </a:solidFill>
+                          <a:effectLst/>
+                          <a:latin typeface="Arial" panose="020B0604020202020204" pitchFamily="34" charset="0"/>
+                        </a:rPr>
+                        <a:t>krótkie, szybkie, inicjowane przez użytkowników (dużo małych)</a:t>
+                      </a:r>
+                    </a:p>
+                  </a:txBody>
+                  <a:tcPr marL="8717" marR="8717" marT="8717" marB="0" anchor="ctr">
+                    <a:lnL>
+                      <a:noFill/>
+                    </a:lnL>
+                    <a:lnR>
+                      <a:noFill/>
+                    </a:lnR>
+                    <a:lnT>
+                      <a:noFill/>
+                    </a:lnT>
+                    <a:lnB>
+                      <a:noFill/>
+                    </a:lnB>
+                  </a:tcPr>
+                </a:tc>
+                <a:tc>
+                  <a:txBody>
+                    <a:bodyPr/>
+                    <a:lstStyle/>
+                    <a:p>
+                      <a:pPr algn="ctr" fontAlgn="ctr"/>
+                      <a:r>
+                        <a:rPr lang="pl-PL" sz="1000" b="0" i="0" u="none" strike="noStrike">
+                          <a:solidFill>
+                            <a:srgbClr val="000000"/>
+                          </a:solidFill>
+                          <a:effectLst/>
+                          <a:latin typeface="Arial" panose="020B0604020202020204" pitchFamily="34" charset="0"/>
+                        </a:rPr>
+                        <a:t>cykliczne ładowania o dużej obiętości, UPDATE sporadycznie</a:t>
+                      </a:r>
+                    </a:p>
+                  </a:txBody>
+                  <a:tcPr marL="8717" marR="8717" marT="8717" marB="0" anchor="ctr">
+                    <a:lnL>
+                      <a:noFill/>
+                    </a:lnL>
+                    <a:lnR>
+                      <a:noFill/>
+                    </a:lnR>
+                    <a:lnT>
+                      <a:noFill/>
+                    </a:lnT>
+                    <a:lnB>
+                      <a:noFill/>
+                    </a:lnB>
+                  </a:tcPr>
+                </a:tc>
+                <a:extLst>
+                  <a:ext uri="{0D108BD9-81ED-4DB2-BD59-A6C34878D82A}">
+                    <a16:rowId xmlns:a16="http://schemas.microsoft.com/office/drawing/2014/main" xmlns="" val="1278926705"/>
+                  </a:ext>
+                </a:extLst>
+              </a:tr>
+              <a:tr h="418415">
+                <a:tc>
+                  <a:txBody>
+                    <a:bodyPr/>
+                    <a:lstStyle/>
+                    <a:p>
+                      <a:pPr algn="ctr" fontAlgn="ctr"/>
+                      <a:r>
+                        <a:rPr lang="pl-PL" sz="1100" b="1" i="0" u="none" strike="noStrike">
+                          <a:solidFill>
+                            <a:srgbClr val="000000"/>
+                          </a:solidFill>
+                          <a:effectLst/>
+                          <a:latin typeface="Arial" panose="020B0604020202020204" pitchFamily="34" charset="0"/>
+                        </a:rPr>
+                        <a:t>Zapytania</a:t>
+                      </a:r>
+                    </a:p>
+                  </a:txBody>
+                  <a:tcPr marL="8717" marR="8717" marT="8717" marB="0" anchor="ctr">
+                    <a:lnL>
+                      <a:noFill/>
+                    </a:lnL>
+                    <a:lnR>
+                      <a:noFill/>
+                    </a:lnR>
+                    <a:lnT>
+                      <a:noFill/>
+                    </a:lnT>
+                    <a:lnB>
+                      <a:noFill/>
+                    </a:lnB>
+                    <a:solidFill>
+                      <a:srgbClr val="DBDBDB"/>
+                    </a:solidFill>
+                  </a:tcPr>
+                </a:tc>
+                <a:tc>
+                  <a:txBody>
+                    <a:bodyPr/>
+                    <a:lstStyle/>
+                    <a:p>
+                      <a:pPr algn="ctr" fontAlgn="ctr"/>
+                      <a:r>
+                        <a:rPr lang="pl-PL" sz="1000" b="0" i="0" u="none" strike="noStrike" dirty="0">
+                          <a:solidFill>
+                            <a:srgbClr val="000000"/>
+                          </a:solidFill>
+                          <a:effectLst/>
+                          <a:latin typeface="Arial" panose="020B0604020202020204" pitchFamily="34" charset="0"/>
+                        </a:rPr>
+                        <a:t>relatywnie proste, punktowe</a:t>
+                      </a:r>
+                    </a:p>
+                  </a:txBody>
+                  <a:tcPr marL="8717" marR="8717" marT="8717" marB="0" anchor="ctr">
+                    <a:lnL>
+                      <a:noFill/>
+                    </a:lnL>
+                    <a:lnR>
+                      <a:noFill/>
+                    </a:lnR>
+                    <a:lnT>
+                      <a:noFill/>
+                    </a:lnT>
+                    <a:lnB>
+                      <a:noFill/>
+                    </a:lnB>
+                  </a:tcPr>
+                </a:tc>
+                <a:tc>
+                  <a:txBody>
+                    <a:bodyPr/>
+                    <a:lstStyle/>
+                    <a:p>
+                      <a:pPr algn="ctr" fontAlgn="ctr"/>
+                      <a:r>
+                        <a:rPr lang="pl-PL" sz="1000" b="0" i="0" u="none" strike="noStrike">
+                          <a:solidFill>
+                            <a:srgbClr val="000000"/>
+                          </a:solidFill>
+                          <a:effectLst/>
+                          <a:latin typeface="Arial" panose="020B0604020202020204" pitchFamily="34" charset="0"/>
+                        </a:rPr>
+                        <a:t>złożone, na dużym wolumenie danych</a:t>
+                      </a:r>
+                    </a:p>
+                  </a:txBody>
+                  <a:tcPr marL="8717" marR="8717" marT="8717" marB="0" anchor="ctr">
+                    <a:lnL>
+                      <a:noFill/>
+                    </a:lnL>
+                    <a:lnR>
+                      <a:noFill/>
+                    </a:lnR>
+                    <a:lnT>
+                      <a:noFill/>
+                    </a:lnT>
+                    <a:lnB>
+                      <a:noFill/>
+                    </a:lnB>
+                  </a:tcPr>
+                </a:tc>
+                <a:extLst>
+                  <a:ext uri="{0D108BD9-81ED-4DB2-BD59-A6C34878D82A}">
+                    <a16:rowId xmlns:a16="http://schemas.microsoft.com/office/drawing/2014/main" xmlns="" val="1016533382"/>
+                  </a:ext>
+                </a:extLst>
+              </a:tr>
+              <a:tr h="418415">
+                <a:tc>
+                  <a:txBody>
+                    <a:bodyPr/>
+                    <a:lstStyle/>
+                    <a:p>
+                      <a:pPr algn="ctr" fontAlgn="ctr"/>
+                      <a:r>
+                        <a:rPr lang="pl-PL" sz="1100" b="1" i="0" u="none" strike="noStrike">
+                          <a:solidFill>
+                            <a:srgbClr val="000000"/>
+                          </a:solidFill>
+                          <a:effectLst/>
+                          <a:latin typeface="Arial" panose="020B0604020202020204" pitchFamily="34" charset="0"/>
+                        </a:rPr>
+                        <a:t>Czas procesowania</a:t>
+                      </a:r>
+                    </a:p>
+                  </a:txBody>
+                  <a:tcPr marL="8717" marR="8717" marT="8717" marB="0" anchor="ctr">
+                    <a:lnL>
+                      <a:noFill/>
+                    </a:lnL>
+                    <a:lnR>
+                      <a:noFill/>
+                    </a:lnR>
+                    <a:lnT>
+                      <a:noFill/>
+                    </a:lnT>
+                    <a:lnB>
+                      <a:noFill/>
+                    </a:lnB>
+                    <a:solidFill>
+                      <a:srgbClr val="DBDBDB"/>
+                    </a:solidFill>
+                  </a:tcPr>
+                </a:tc>
+                <a:tc>
+                  <a:txBody>
+                    <a:bodyPr/>
+                    <a:lstStyle/>
+                    <a:p>
+                      <a:pPr algn="ctr" fontAlgn="ctr"/>
+                      <a:r>
+                        <a:rPr lang="pl-PL" sz="1000" b="0" i="0" u="none" strike="noStrike">
+                          <a:solidFill>
+                            <a:srgbClr val="000000"/>
+                          </a:solidFill>
+                          <a:effectLst/>
+                          <a:latin typeface="Arial" panose="020B0604020202020204" pitchFamily="34" charset="0"/>
+                        </a:rPr>
+                        <a:t>bardzo szybki</a:t>
+                      </a:r>
+                    </a:p>
+                  </a:txBody>
+                  <a:tcPr marL="8717" marR="8717" marT="8717" marB="0" anchor="ctr">
+                    <a:lnL>
+                      <a:noFill/>
+                    </a:lnL>
+                    <a:lnR>
+                      <a:noFill/>
+                    </a:lnR>
+                    <a:lnT>
+                      <a:noFill/>
+                    </a:lnT>
+                    <a:lnB>
+                      <a:noFill/>
+                    </a:lnB>
+                  </a:tcPr>
+                </a:tc>
+                <a:tc>
+                  <a:txBody>
+                    <a:bodyPr/>
+                    <a:lstStyle/>
+                    <a:p>
+                      <a:pPr algn="ctr" fontAlgn="ctr"/>
+                      <a:r>
+                        <a:rPr lang="pl-PL" sz="1000" b="0" i="0" u="none" strike="noStrike">
+                          <a:solidFill>
+                            <a:srgbClr val="000000"/>
+                          </a:solidFill>
+                          <a:effectLst/>
+                          <a:latin typeface="Arial" panose="020B0604020202020204" pitchFamily="34" charset="0"/>
+                        </a:rPr>
+                        <a:t>w zależności od zapytania, może być bardzo długi</a:t>
+                      </a:r>
+                    </a:p>
+                  </a:txBody>
+                  <a:tcPr marL="8717" marR="8717" marT="8717" marB="0" anchor="ctr">
+                    <a:lnL>
+                      <a:noFill/>
+                    </a:lnL>
+                    <a:lnR>
+                      <a:noFill/>
+                    </a:lnR>
+                    <a:lnT>
+                      <a:noFill/>
+                    </a:lnT>
+                    <a:lnB>
+                      <a:noFill/>
+                    </a:lnB>
+                  </a:tcPr>
+                </a:tc>
+                <a:extLst>
+                  <a:ext uri="{0D108BD9-81ED-4DB2-BD59-A6C34878D82A}">
+                    <a16:rowId xmlns:a16="http://schemas.microsoft.com/office/drawing/2014/main" xmlns="" val="1368127790"/>
+                  </a:ext>
+                </a:extLst>
+              </a:tr>
+              <a:tr h="418415">
+                <a:tc>
+                  <a:txBody>
+                    <a:bodyPr/>
+                    <a:lstStyle/>
+                    <a:p>
+                      <a:pPr algn="ctr" fontAlgn="ctr"/>
+                      <a:r>
+                        <a:rPr lang="pl-PL" sz="1100" b="1" i="0" u="none" strike="noStrike">
+                          <a:solidFill>
+                            <a:srgbClr val="000000"/>
+                          </a:solidFill>
+                          <a:effectLst/>
+                          <a:latin typeface="Arial" panose="020B0604020202020204" pitchFamily="34" charset="0"/>
+                        </a:rPr>
+                        <a:t>Potrzebne miejsce</a:t>
+                      </a:r>
+                    </a:p>
+                  </a:txBody>
+                  <a:tcPr marL="8717" marR="8717" marT="8717" marB="0" anchor="ctr">
+                    <a:lnL>
+                      <a:noFill/>
+                    </a:lnL>
+                    <a:lnR>
+                      <a:noFill/>
+                    </a:lnR>
+                    <a:lnT>
+                      <a:noFill/>
+                    </a:lnT>
+                    <a:lnB>
+                      <a:noFill/>
+                    </a:lnB>
+                    <a:solidFill>
+                      <a:srgbClr val="DBDBDB"/>
+                    </a:solidFill>
+                  </a:tcPr>
+                </a:tc>
+                <a:tc>
+                  <a:txBody>
+                    <a:bodyPr/>
+                    <a:lstStyle/>
+                    <a:p>
+                      <a:pPr algn="ctr" fontAlgn="ctr"/>
+                      <a:r>
+                        <a:rPr lang="pl-PL" sz="1000" b="0" i="0" u="none" strike="noStrike">
+                          <a:solidFill>
+                            <a:srgbClr val="000000"/>
+                          </a:solidFill>
+                          <a:effectLst/>
+                          <a:latin typeface="Arial" panose="020B0604020202020204" pitchFamily="34" charset="0"/>
+                        </a:rPr>
+                        <a:t>relatywnie mało</a:t>
+                      </a:r>
+                    </a:p>
+                  </a:txBody>
+                  <a:tcPr marL="8717" marR="8717" marT="8717" marB="0" anchor="ctr">
+                    <a:lnL>
+                      <a:noFill/>
+                    </a:lnL>
+                    <a:lnR>
+                      <a:noFill/>
+                    </a:lnR>
+                    <a:lnT>
+                      <a:noFill/>
+                    </a:lnT>
+                    <a:lnB>
+                      <a:noFill/>
+                    </a:lnB>
+                  </a:tcPr>
+                </a:tc>
+                <a:tc>
+                  <a:txBody>
+                    <a:bodyPr/>
+                    <a:lstStyle/>
+                    <a:p>
+                      <a:pPr algn="ctr" fontAlgn="ctr"/>
+                      <a:r>
+                        <a:rPr lang="pl-PL" sz="1000" b="0" i="0" u="none" strike="noStrike">
+                          <a:solidFill>
+                            <a:srgbClr val="000000"/>
+                          </a:solidFill>
+                          <a:effectLst/>
+                          <a:latin typeface="Arial" panose="020B0604020202020204" pitchFamily="34" charset="0"/>
+                        </a:rPr>
+                        <a:t>dużo</a:t>
+                      </a:r>
+                    </a:p>
+                  </a:txBody>
+                  <a:tcPr marL="8717" marR="8717" marT="8717" marB="0" anchor="ctr">
+                    <a:lnL>
+                      <a:noFill/>
+                    </a:lnL>
+                    <a:lnR>
+                      <a:noFill/>
+                    </a:lnR>
+                    <a:lnT>
+                      <a:noFill/>
+                    </a:lnT>
+                    <a:lnB>
+                      <a:noFill/>
+                    </a:lnB>
+                  </a:tcPr>
+                </a:tc>
+                <a:extLst>
+                  <a:ext uri="{0D108BD9-81ED-4DB2-BD59-A6C34878D82A}">
+                    <a16:rowId xmlns:a16="http://schemas.microsoft.com/office/drawing/2014/main" xmlns="" val="3506431271"/>
+                  </a:ext>
+                </a:extLst>
+              </a:tr>
+              <a:tr h="418415">
+                <a:tc>
+                  <a:txBody>
+                    <a:bodyPr/>
+                    <a:lstStyle/>
+                    <a:p>
+                      <a:pPr algn="ctr" fontAlgn="ctr"/>
+                      <a:r>
+                        <a:rPr lang="pl-PL" sz="1100" b="1" i="0" u="none" strike="noStrike">
+                          <a:solidFill>
+                            <a:srgbClr val="000000"/>
+                          </a:solidFill>
+                          <a:effectLst/>
+                          <a:latin typeface="Arial" panose="020B0604020202020204" pitchFamily="34" charset="0"/>
+                        </a:rPr>
+                        <a:t>Struktura bazy danych</a:t>
+                      </a:r>
+                    </a:p>
+                  </a:txBody>
+                  <a:tcPr marL="8717" marR="8717" marT="8717" marB="0" anchor="ctr">
+                    <a:lnL>
+                      <a:noFill/>
+                    </a:lnL>
+                    <a:lnR>
+                      <a:noFill/>
+                    </a:lnR>
+                    <a:lnT>
+                      <a:noFill/>
+                    </a:lnT>
+                    <a:lnB>
+                      <a:noFill/>
+                    </a:lnB>
+                    <a:solidFill>
+                      <a:srgbClr val="DBDBDB"/>
+                    </a:solidFill>
+                  </a:tcPr>
+                </a:tc>
+                <a:tc>
+                  <a:txBody>
+                    <a:bodyPr/>
+                    <a:lstStyle/>
+                    <a:p>
+                      <a:pPr algn="ctr" fontAlgn="ctr"/>
+                      <a:r>
+                        <a:rPr lang="pl-PL" sz="1000" b="0" i="0" u="none" strike="noStrike">
+                          <a:solidFill>
+                            <a:srgbClr val="000000"/>
+                          </a:solidFill>
+                          <a:effectLst/>
+                          <a:latin typeface="Arial" panose="020B0604020202020204" pitchFamily="34" charset="0"/>
+                        </a:rPr>
+                        <a:t>mocna normalizacja</a:t>
+                      </a:r>
+                    </a:p>
+                  </a:txBody>
+                  <a:tcPr marL="8717" marR="8717" marT="8717" marB="0" anchor="ctr">
+                    <a:lnL>
+                      <a:noFill/>
+                    </a:lnL>
+                    <a:lnR>
+                      <a:noFill/>
+                    </a:lnR>
+                    <a:lnT>
+                      <a:noFill/>
+                    </a:lnT>
+                    <a:lnB>
+                      <a:noFill/>
+                    </a:lnB>
+                  </a:tcPr>
+                </a:tc>
+                <a:tc>
+                  <a:txBody>
+                    <a:bodyPr/>
+                    <a:lstStyle/>
+                    <a:p>
+                      <a:pPr algn="ctr" fontAlgn="ctr"/>
+                      <a:r>
+                        <a:rPr lang="pl-PL" sz="1000" b="0" i="0" u="none" strike="noStrike">
+                          <a:solidFill>
+                            <a:srgbClr val="000000"/>
+                          </a:solidFill>
+                          <a:effectLst/>
+                          <a:latin typeface="Arial" panose="020B0604020202020204" pitchFamily="34" charset="0"/>
+                        </a:rPr>
+                        <a:t>denormalizacja - schemat gwiazdy/płatka śniegu</a:t>
+                      </a:r>
+                    </a:p>
+                  </a:txBody>
+                  <a:tcPr marL="8717" marR="8717" marT="8717" marB="0" anchor="ctr">
+                    <a:lnL>
+                      <a:noFill/>
+                    </a:lnL>
+                    <a:lnR>
+                      <a:noFill/>
+                    </a:lnR>
+                    <a:lnT>
+                      <a:noFill/>
+                    </a:lnT>
+                    <a:lnB>
+                      <a:noFill/>
+                    </a:lnB>
+                  </a:tcPr>
+                </a:tc>
+                <a:extLst>
+                  <a:ext uri="{0D108BD9-81ED-4DB2-BD59-A6C34878D82A}">
+                    <a16:rowId xmlns:a16="http://schemas.microsoft.com/office/drawing/2014/main" xmlns="" val="3179642411"/>
+                  </a:ext>
+                </a:extLst>
+              </a:tr>
+              <a:tr h="836829">
+                <a:tc>
+                  <a:txBody>
+                    <a:bodyPr/>
+                    <a:lstStyle/>
+                    <a:p>
+                      <a:pPr algn="ctr" fontAlgn="ctr"/>
+                      <a:r>
+                        <a:rPr lang="pl-PL" sz="1100" b="1" i="0" u="none" strike="noStrike">
+                          <a:solidFill>
+                            <a:srgbClr val="000000"/>
+                          </a:solidFill>
+                          <a:effectLst/>
+                          <a:latin typeface="Arial" panose="020B0604020202020204" pitchFamily="34" charset="0"/>
+                        </a:rPr>
+                        <a:t>Kopia i odzyskiwanie danych</a:t>
+                      </a:r>
+                    </a:p>
+                  </a:txBody>
+                  <a:tcPr marL="8717" marR="8717" marT="8717" marB="0" anchor="ctr">
+                    <a:lnL>
+                      <a:noFill/>
+                    </a:lnL>
+                    <a:lnR>
+                      <a:noFill/>
+                    </a:lnR>
+                    <a:lnT>
+                      <a:noFill/>
+                    </a:lnT>
+                    <a:lnB>
+                      <a:noFill/>
+                    </a:lnB>
+                    <a:solidFill>
+                      <a:srgbClr val="DBDBDB"/>
+                    </a:solidFill>
+                  </a:tcPr>
+                </a:tc>
+                <a:tc>
+                  <a:txBody>
+                    <a:bodyPr/>
+                    <a:lstStyle/>
+                    <a:p>
+                      <a:pPr algn="ctr" fontAlgn="ctr"/>
+                      <a:r>
+                        <a:rPr lang="pl-PL" sz="1000" b="0" i="0" u="none" strike="noStrike">
+                          <a:solidFill>
+                            <a:srgbClr val="000000"/>
+                          </a:solidFill>
+                          <a:effectLst/>
+                          <a:latin typeface="Arial" panose="020B0604020202020204" pitchFamily="34" charset="0"/>
+                        </a:rPr>
+                        <a:t>obowiązkowy backup, utrada danych bardzo kosztowna (często niedopuszczalna), mirroring (np. Backup Full + Diff, Recovery Full, backup logów)</a:t>
+                      </a:r>
+                    </a:p>
+                  </a:txBody>
+                  <a:tcPr marL="8717" marR="8717" marT="8717" marB="0" anchor="ctr">
+                    <a:lnL>
+                      <a:noFill/>
+                    </a:lnL>
+                    <a:lnR>
+                      <a:noFill/>
+                    </a:lnR>
+                    <a:lnT>
+                      <a:noFill/>
+                    </a:lnT>
+                    <a:lnB>
+                      <a:noFill/>
+                    </a:lnB>
+                  </a:tcPr>
+                </a:tc>
+                <a:tc>
+                  <a:txBody>
+                    <a:bodyPr/>
+                    <a:lstStyle/>
+                    <a:p>
+                      <a:pPr algn="ctr" fontAlgn="ctr"/>
+                      <a:r>
+                        <a:rPr lang="pl-PL" sz="1000" b="0" i="0" u="none" strike="noStrike" dirty="0">
+                          <a:solidFill>
+                            <a:srgbClr val="000000"/>
+                          </a:solidFill>
+                          <a:effectLst/>
+                          <a:latin typeface="Arial" panose="020B0604020202020204" pitchFamily="34" charset="0"/>
+                        </a:rPr>
+                        <a:t>relatywnie rzadko, bardziej w celu </a:t>
+                      </a:r>
+                      <a:r>
+                        <a:rPr lang="pl-PL" sz="1000" b="0" i="0" u="none" strike="noStrike" dirty="0" err="1">
+                          <a:solidFill>
+                            <a:srgbClr val="000000"/>
+                          </a:solidFill>
+                          <a:effectLst/>
+                          <a:latin typeface="Arial" panose="020B0604020202020204" pitchFamily="34" charset="0"/>
+                        </a:rPr>
+                        <a:t>przyśpiszenia</a:t>
+                      </a:r>
+                      <a:r>
+                        <a:rPr lang="pl-PL" sz="1000" b="0" i="0" u="none" strike="noStrike" dirty="0">
+                          <a:solidFill>
+                            <a:srgbClr val="000000"/>
+                          </a:solidFill>
+                          <a:effectLst/>
+                          <a:latin typeface="Arial" panose="020B0604020202020204" pitchFamily="34" charset="0"/>
+                        </a:rPr>
+                        <a:t> odtwarzania niż z obawy przed utratą danych. Odzyskać można poprzez ponowne przeliczenie prosto z systemów źródłowych.</a:t>
+                      </a:r>
+                    </a:p>
+                  </a:txBody>
+                  <a:tcPr marL="8717" marR="8717" marT="8717" marB="0" anchor="ctr">
+                    <a:lnL>
+                      <a:noFill/>
+                    </a:lnL>
+                    <a:lnR>
+                      <a:noFill/>
+                    </a:lnR>
+                    <a:lnT>
+                      <a:noFill/>
+                    </a:lnT>
+                    <a:lnB>
+                      <a:noFill/>
+                    </a:lnB>
+                  </a:tcPr>
+                </a:tc>
+                <a:extLst>
+                  <a:ext uri="{0D108BD9-81ED-4DB2-BD59-A6C34878D82A}">
+                    <a16:rowId xmlns:a16="http://schemas.microsoft.com/office/drawing/2014/main" xmlns="" val="944600359"/>
+                  </a:ext>
+                </a:extLst>
+              </a:tr>
+            </a:tbl>
+          </a:graphicData>
+        </a:graphic>
+      </p:graphicFrame>
+      <p:sp>
+        <p:nvSpPr>
+          <p:cNvPr id="2" name="Slide Number Placeholder 1"/>
+          <p:cNvSpPr>
+            <a:spLocks noGrp="1"/>
+          </p:cNvSpPr>
+          <p:nvPr>
+            <p:ph type="sldNum" sz="quarter" idx="12"/>
+          </p:nvPr>
+        </p:nvSpPr>
+        <p:spPr/>
+        <p:txBody>
+          <a:bodyPr/>
+          <a:lstStyle/>
+          <a:p>
+            <a:fld id="{4FAB73BC-B049-4115-A692-8D63A059BFB8}" type="slidenum">
+              <a:rPr lang="en-US" smtClean="0"/>
+              <a:t>13</a:t>
+            </a:fld>
+            <a:endParaRPr lang="en-US" dirty="0"/>
+          </a:p>
+        </p:txBody>
+      </p:sp>
+    </p:spTree>
+    <p:extLst>
+      <p:ext uri="{BB962C8B-B14F-4D97-AF65-F5344CB8AC3E}">
+        <p14:creationId xmlns:p14="http://schemas.microsoft.com/office/powerpoint/2010/main" val="4032922935"/>
+      </p:ext>
+    </p:extLst>
+  </p:cSld>
+  <p:clrMapOvr>
+    <a:masterClrMapping/>
+  </p:clrMapOvr>
+  <p:timing>
+    <p:tnLst>
+      <p:par>
+        <p:cTn id="1" dur="indefinite" restart="never" nodeType="tmRoot"/>
+      </p:par>
+    </p:tnLst>
+  </p:timing>
+</p:sld>
+</file>
+
+<file path=ppt/slides/slide14.xml><?xml version="1.0" encoding="utf-8"?>
+<p:sld xmlns:a="http://schemas.openxmlformats.org/drawingml/2006/main" xmlns:r="http://schemas.openxmlformats.org/officeDocument/2006/relationships" xmlns:p="http://schemas.openxmlformats.org/presentationml/2006/main">
+  <p:cSld>
+    <p:spTree>
+      <p:nvGrpSpPr>
+        <p:cNvPr id="1" name=""/>
+        <p:cNvGrpSpPr/>
+        <p:nvPr/>
+      </p:nvGrpSpPr>
+      <p:grpSpPr>
+        <a:xfrm>
+          <a:off x="0" y="0"/>
+          <a:ext cx="0" cy="0"/>
+          <a:chOff x="0" y="0"/>
+          <a:chExt cx="0" cy="0"/>
+        </a:xfrm>
+      </p:grpSpPr>
+      <p:sp>
+        <p:nvSpPr>
+          <p:cNvPr id="9" name="pole tekstowe 8"/>
+          <p:cNvSpPr txBox="1"/>
+          <p:nvPr/>
+        </p:nvSpPr>
+        <p:spPr>
+          <a:xfrm>
+            <a:off x="604006" y="662730"/>
+            <a:ext cx="10204892" cy="4616648"/>
+          </a:xfrm>
+          <a:prstGeom prst="rect">
+            <a:avLst/>
+          </a:prstGeom>
+          <a:noFill/>
+        </p:spPr>
+        <p:txBody>
+          <a:bodyPr wrap="square" rtlCol="0">
+            <a:spAutoFit/>
+          </a:bodyPr>
+          <a:lstStyle/>
+          <a:p>
+            <a:pPr lvl="1" algn="just"/>
+            <a:r>
+              <a:rPr lang="pl-PL" sz="2400" b="1" dirty="0" smtClean="0"/>
+              <a:t>DENORMALIZACJA (Hurtownie Danych)</a:t>
+            </a:r>
+            <a:endParaRPr lang="pl-PL" sz="2400" dirty="0"/>
+          </a:p>
+          <a:p>
+            <a:pPr lvl="1" algn="just"/>
+            <a:endParaRPr lang="pl-PL" b="1" dirty="0"/>
+          </a:p>
+          <a:p>
+            <a:pPr lvl="1" algn="just"/>
+            <a:r>
+              <a:rPr lang="pl-PL" dirty="0" smtClean="0"/>
+              <a:t>Korzyści </a:t>
+            </a:r>
+            <a:r>
+              <a:rPr lang="pl-PL" dirty="0"/>
+              <a:t>płynące z normalizacji:</a:t>
+            </a:r>
+          </a:p>
+          <a:p>
+            <a:pPr lvl="1" algn="just"/>
+            <a:endParaRPr lang="pl-PL" dirty="0"/>
+          </a:p>
+          <a:p>
+            <a:pPr marL="1257300" lvl="2" indent="-342900" algn="just">
+              <a:buFont typeface="+mj-lt"/>
+              <a:buAutoNum type="arabicPeriod"/>
+            </a:pPr>
+            <a:r>
+              <a:rPr lang="pl-PL" b="1" dirty="0"/>
+              <a:t>Storage Space </a:t>
+            </a:r>
+            <a:r>
+              <a:rPr lang="pl-PL" dirty="0"/>
+              <a:t>– w przypadku wymiarów </a:t>
+            </a:r>
+            <a:r>
+              <a:rPr lang="pl-PL" dirty="0">
+                <a:highlight>
+                  <a:srgbClr val="FFFF00"/>
+                </a:highlight>
+              </a:rPr>
+              <a:t>nieistotne</a:t>
+            </a:r>
+          </a:p>
+          <a:p>
+            <a:pPr marL="1257300" lvl="2" indent="-342900" algn="just">
+              <a:buFont typeface="+mj-lt"/>
+              <a:buAutoNum type="arabicPeriod"/>
+            </a:pPr>
+            <a:r>
+              <a:rPr lang="pl-PL" b="1" dirty="0"/>
+              <a:t>Spójność danych po operacjach DML </a:t>
+            </a:r>
+            <a:r>
+              <a:rPr lang="pl-PL" dirty="0"/>
+              <a:t>– </a:t>
+            </a:r>
+            <a:r>
+              <a:rPr lang="pl-PL" dirty="0">
+                <a:highlight>
+                  <a:srgbClr val="FFFF00"/>
+                </a:highlight>
+              </a:rPr>
+              <a:t>nieistotne</a:t>
+            </a:r>
+            <a:r>
+              <a:rPr lang="pl-PL" dirty="0"/>
+              <a:t>, DWH się ładuje i nie modyfikuje, porządek z OLTP zostaje przeniesiony</a:t>
+            </a:r>
+          </a:p>
+          <a:p>
+            <a:pPr marL="1257300" lvl="2" indent="-342900" algn="just">
+              <a:buFont typeface="+mj-lt"/>
+              <a:buAutoNum type="arabicPeriod"/>
+            </a:pPr>
+            <a:r>
+              <a:rPr lang="pl-PL" b="1" dirty="0"/>
+              <a:t>Łatwość modyfikacji struktur </a:t>
+            </a:r>
+            <a:r>
+              <a:rPr lang="pl-PL" dirty="0"/>
+              <a:t>– </a:t>
+            </a:r>
+            <a:r>
+              <a:rPr lang="pl-PL" dirty="0">
+                <a:highlight>
+                  <a:srgbClr val="FFFF00"/>
+                </a:highlight>
+              </a:rPr>
+              <a:t>nieistotne</a:t>
+            </a:r>
+          </a:p>
+          <a:p>
+            <a:pPr lvl="2" algn="just"/>
+            <a:r>
+              <a:rPr lang="pl-PL" dirty="0"/>
+              <a:t>	</a:t>
+            </a:r>
+          </a:p>
+          <a:p>
+            <a:pPr lvl="1" algn="just"/>
+            <a:r>
+              <a:rPr lang="pl-PL" dirty="0"/>
+              <a:t>Koszty normalizacji:</a:t>
+            </a:r>
+          </a:p>
+          <a:p>
+            <a:pPr lvl="1" algn="just"/>
+            <a:endParaRPr lang="pl-PL" b="1" dirty="0"/>
+          </a:p>
+          <a:p>
+            <a:pPr marL="1257300" lvl="2" indent="-342900" algn="just">
+              <a:buFont typeface="+mj-lt"/>
+              <a:buAutoNum type="arabicPeriod"/>
+            </a:pPr>
+            <a:r>
+              <a:rPr lang="pl-PL" b="1" dirty="0"/>
+              <a:t>Wolniejsze zapytania wykorzystujące łączenie tabel (JOIN) </a:t>
+            </a:r>
+            <a:r>
+              <a:rPr lang="pl-PL" dirty="0"/>
+              <a:t>– </a:t>
+            </a:r>
+            <a:r>
+              <a:rPr lang="pl-PL" dirty="0">
+                <a:highlight>
+                  <a:srgbClr val="00FF00"/>
+                </a:highlight>
+              </a:rPr>
+              <a:t>bardzo ważne!</a:t>
+            </a:r>
+          </a:p>
+          <a:p>
+            <a:pPr lvl="1" algn="just"/>
+            <a:endParaRPr lang="pl-PL" dirty="0"/>
+          </a:p>
+          <a:p>
+            <a:pPr lvl="1" algn="just"/>
+            <a:endParaRPr lang="pl-PL" dirty="0"/>
+          </a:p>
+          <a:p>
+            <a:pPr lvl="2" algn="just"/>
+            <a:endParaRPr lang="pl-PL" dirty="0"/>
+          </a:p>
+          <a:p>
+            <a:pPr lvl="1" algn="just"/>
+            <a:endParaRPr lang="pl-PL" dirty="0"/>
+          </a:p>
+        </p:txBody>
+      </p:sp>
+      <p:sp>
+        <p:nvSpPr>
+          <p:cNvPr id="3" name="Symbol zastępczy stopki 2"/>
+          <p:cNvSpPr>
+            <a:spLocks noGrp="1"/>
+          </p:cNvSpPr>
+          <p:nvPr>
+            <p:ph type="ftr" sz="quarter" idx="11"/>
+          </p:nvPr>
+        </p:nvSpPr>
+        <p:spPr/>
+        <p:txBody>
+          <a:bodyPr/>
+          <a:lstStyle/>
+          <a:p>
+            <a:r>
+              <a:rPr lang="en-US" smtClean="0"/>
+              <a:t>Developing SQL Databases</a:t>
+            </a:r>
+            <a:endParaRPr lang="en-US" dirty="0"/>
+          </a:p>
+        </p:txBody>
+      </p:sp>
+      <p:sp>
+        <p:nvSpPr>
+          <p:cNvPr id="2" name="Slide Number Placeholder 1"/>
+          <p:cNvSpPr>
+            <a:spLocks noGrp="1"/>
+          </p:cNvSpPr>
+          <p:nvPr>
+            <p:ph type="sldNum" sz="quarter" idx="12"/>
+          </p:nvPr>
+        </p:nvSpPr>
+        <p:spPr/>
+        <p:txBody>
+          <a:bodyPr/>
+          <a:lstStyle/>
+          <a:p>
+            <a:fld id="{4FAB73BC-B049-4115-A692-8D63A059BFB8}" type="slidenum">
+              <a:rPr lang="en-US" smtClean="0"/>
+              <a:t>14</a:t>
+            </a:fld>
+            <a:endParaRPr lang="en-US" dirty="0"/>
+          </a:p>
+        </p:txBody>
+      </p:sp>
+    </p:spTree>
+    <p:extLst>
+      <p:ext uri="{BB962C8B-B14F-4D97-AF65-F5344CB8AC3E}">
+        <p14:creationId xmlns:p14="http://schemas.microsoft.com/office/powerpoint/2010/main" val="564045866"/>
+      </p:ext>
+    </p:extLst>
+  </p:cSld>
+  <p:clrMapOvr>
+    <a:masterClrMapping/>
+  </p:clrMapOvr>
+  <p:timing>
+    <p:tnLst>
+      <p:par>
+        <p:cTn id="1" dur="indefinite" restart="never" nodeType="tmRoot"/>
+      </p:par>
+    </p:tnLst>
+  </p:timing>
+</p:sld>
+</file>
+
+<file path=ppt/slides/slide15.xml><?xml version="1.0" encoding="utf-8"?>
+<p:sld xmlns:a="http://schemas.openxmlformats.org/drawingml/2006/main" xmlns:r="http://schemas.openxmlformats.org/officeDocument/2006/relationships" xmlns:p="http://schemas.openxmlformats.org/presentationml/2006/main">
+  <p:cSld>
+    <p:spTree>
+      <p:nvGrpSpPr>
+        <p:cNvPr id="1" name=""/>
+        <p:cNvGrpSpPr/>
+        <p:nvPr/>
+      </p:nvGrpSpPr>
+      <p:grpSpPr>
+        <a:xfrm>
+          <a:off x="0" y="0"/>
+          <a:ext cx="0" cy="0"/>
+          <a:chOff x="0" y="0"/>
+          <a:chExt cx="0" cy="0"/>
+        </a:xfrm>
+      </p:grpSpPr>
+      <p:sp>
+        <p:nvSpPr>
+          <p:cNvPr id="9" name="pole tekstowe 8"/>
+          <p:cNvSpPr txBox="1"/>
+          <p:nvPr/>
+        </p:nvSpPr>
+        <p:spPr>
+          <a:xfrm>
+            <a:off x="604007" y="662730"/>
+            <a:ext cx="7108008" cy="461665"/>
+          </a:xfrm>
+          <a:prstGeom prst="rect">
+            <a:avLst/>
+          </a:prstGeom>
+          <a:noFill/>
+        </p:spPr>
+        <p:txBody>
+          <a:bodyPr wrap="square" rtlCol="0">
+            <a:spAutoFit/>
+          </a:bodyPr>
+          <a:lstStyle/>
+          <a:p>
+            <a:pPr lvl="1" algn="just"/>
+            <a:r>
+              <a:rPr lang="pl-PL" sz="2400" b="1" dirty="0"/>
+              <a:t>Star </a:t>
+            </a:r>
+            <a:r>
+              <a:rPr lang="pl-PL" sz="2400" b="1" dirty="0" err="1"/>
+              <a:t>Schema</a:t>
+            </a:r>
+            <a:r>
+              <a:rPr lang="pl-PL" sz="2400" b="1" dirty="0"/>
+              <a:t> (GWIAZDA)</a:t>
+            </a:r>
+          </a:p>
+        </p:txBody>
+      </p:sp>
+      <p:sp>
+        <p:nvSpPr>
+          <p:cNvPr id="3" name="Symbol zastępczy stopki 2"/>
+          <p:cNvSpPr>
+            <a:spLocks noGrp="1"/>
+          </p:cNvSpPr>
+          <p:nvPr>
+            <p:ph type="ftr" sz="quarter" idx="11"/>
+          </p:nvPr>
+        </p:nvSpPr>
+        <p:spPr/>
+        <p:txBody>
+          <a:bodyPr/>
+          <a:lstStyle/>
+          <a:p>
+            <a:r>
+              <a:rPr lang="en-US" smtClean="0"/>
+              <a:t>Developing SQL Databases</a:t>
+            </a:r>
+            <a:endParaRPr lang="en-US" dirty="0"/>
+          </a:p>
+        </p:txBody>
+      </p:sp>
+      <p:sp>
+        <p:nvSpPr>
+          <p:cNvPr id="2" name="Prostokąt 1">
+            <a:extLst>
+              <a:ext uri="{FF2B5EF4-FFF2-40B4-BE49-F238E27FC236}">
+                <a16:creationId xmlns:a16="http://schemas.microsoft.com/office/drawing/2014/main" xmlns="" id="{B9415C2C-66BC-4292-A3AE-CAE81E226E78}"/>
+              </a:ext>
+            </a:extLst>
+          </p:cNvPr>
+          <p:cNvSpPr/>
+          <p:nvPr/>
+        </p:nvSpPr>
+        <p:spPr>
+          <a:xfrm>
+            <a:off x="5201728" y="1759787"/>
+            <a:ext cx="1276709" cy="3424687"/>
+          </a:xfrm>
+          <a:prstGeom prst="rect">
+            <a:avLst/>
+          </a:prstGeom>
+        </p:spPr>
+        <p:style>
+          <a:lnRef idx="3">
+            <a:schemeClr val="lt1"/>
+          </a:lnRef>
+          <a:fillRef idx="1">
+            <a:schemeClr val="accent2"/>
+          </a:fillRef>
+          <a:effectRef idx="1">
+            <a:schemeClr val="accent2"/>
+          </a:effectRef>
+          <a:fontRef idx="minor">
+            <a:schemeClr val="lt1"/>
+          </a:fontRef>
+        </p:style>
+        <p:txBody>
+          <a:bodyPr rtlCol="0" anchor="ctr"/>
+          <a:lstStyle/>
+          <a:p>
+            <a:pPr algn="ctr"/>
+            <a:r>
+              <a:rPr lang="pl-PL" b="1" dirty="0">
+                <a:solidFill>
+                  <a:schemeClr val="tx1"/>
+                </a:solidFill>
+              </a:rPr>
+              <a:t>FACT</a:t>
+            </a:r>
+          </a:p>
+          <a:p>
+            <a:pPr algn="ctr"/>
+            <a:r>
+              <a:rPr lang="pl-PL" b="1" dirty="0">
+                <a:solidFill>
+                  <a:schemeClr val="tx1"/>
+                </a:solidFill>
+              </a:rPr>
+              <a:t>SALES</a:t>
+            </a:r>
+          </a:p>
+        </p:txBody>
+      </p:sp>
+      <p:sp>
+        <p:nvSpPr>
+          <p:cNvPr id="7" name="Schemat blokowy: proces 6">
+            <a:extLst>
+              <a:ext uri="{FF2B5EF4-FFF2-40B4-BE49-F238E27FC236}">
+                <a16:creationId xmlns:a16="http://schemas.microsoft.com/office/drawing/2014/main" xmlns="" id="{D71F0B4D-FFA5-4AB5-9D27-9E9D8151BEEB}"/>
+              </a:ext>
+            </a:extLst>
+          </p:cNvPr>
+          <p:cNvSpPr/>
+          <p:nvPr/>
+        </p:nvSpPr>
+        <p:spPr>
+          <a:xfrm>
+            <a:off x="7643004" y="1759787"/>
+            <a:ext cx="1371600" cy="1017917"/>
+          </a:xfrm>
+          <a:prstGeom prst="flowChartProcess">
+            <a:avLst/>
+          </a:prstGeom>
+        </p:spPr>
+        <p:style>
+          <a:lnRef idx="1">
+            <a:schemeClr val="accent1"/>
+          </a:lnRef>
+          <a:fillRef idx="3">
+            <a:schemeClr val="accent1"/>
+          </a:fillRef>
+          <a:effectRef idx="2">
+            <a:schemeClr val="accent1"/>
+          </a:effectRef>
+          <a:fontRef idx="minor">
+            <a:schemeClr val="lt1"/>
+          </a:fontRef>
+        </p:style>
+        <p:txBody>
+          <a:bodyPr rtlCol="0" anchor="ctr"/>
+          <a:lstStyle/>
+          <a:p>
+            <a:pPr algn="ctr"/>
+            <a:r>
+              <a:rPr lang="pl-PL" b="1" dirty="0" err="1"/>
+              <a:t>Dim</a:t>
+            </a:r>
+            <a:r>
+              <a:rPr lang="pl-PL" b="1" dirty="0"/>
+              <a:t> </a:t>
+            </a:r>
+            <a:r>
+              <a:rPr lang="pl-PL" b="1" dirty="0" err="1"/>
+              <a:t>Customer</a:t>
+            </a:r>
+            <a:endParaRPr lang="pl-PL" b="1" dirty="0"/>
+          </a:p>
+        </p:txBody>
+      </p:sp>
+      <p:sp>
+        <p:nvSpPr>
+          <p:cNvPr id="10" name="Schemat blokowy: proces 9">
+            <a:extLst>
+              <a:ext uri="{FF2B5EF4-FFF2-40B4-BE49-F238E27FC236}">
+                <a16:creationId xmlns:a16="http://schemas.microsoft.com/office/drawing/2014/main" xmlns="" id="{2895CB6C-0987-4E49-98EC-C23582A0E97A}"/>
+              </a:ext>
+            </a:extLst>
+          </p:cNvPr>
+          <p:cNvSpPr/>
+          <p:nvPr/>
+        </p:nvSpPr>
+        <p:spPr>
+          <a:xfrm>
+            <a:off x="7643004" y="4166556"/>
+            <a:ext cx="1371600" cy="1017917"/>
+          </a:xfrm>
+          <a:prstGeom prst="flowChartProcess">
+            <a:avLst/>
+          </a:prstGeom>
+        </p:spPr>
+        <p:style>
+          <a:lnRef idx="1">
+            <a:schemeClr val="accent1"/>
+          </a:lnRef>
+          <a:fillRef idx="3">
+            <a:schemeClr val="accent1"/>
+          </a:fillRef>
+          <a:effectRef idx="2">
+            <a:schemeClr val="accent1"/>
+          </a:effectRef>
+          <a:fontRef idx="minor">
+            <a:schemeClr val="lt1"/>
+          </a:fontRef>
+        </p:style>
+        <p:txBody>
+          <a:bodyPr rtlCol="0" anchor="ctr"/>
+          <a:lstStyle/>
+          <a:p>
+            <a:pPr algn="ctr"/>
+            <a:r>
+              <a:rPr lang="pl-PL" b="1" dirty="0" err="1"/>
+              <a:t>Dim</a:t>
+            </a:r>
+            <a:r>
+              <a:rPr lang="pl-PL" b="1" dirty="0"/>
+              <a:t> </a:t>
+            </a:r>
+            <a:r>
+              <a:rPr lang="pl-PL" b="1" dirty="0" err="1"/>
+              <a:t>Store</a:t>
+            </a:r>
+            <a:endParaRPr lang="pl-PL" b="1" dirty="0"/>
+          </a:p>
+        </p:txBody>
+      </p:sp>
+      <p:sp>
+        <p:nvSpPr>
+          <p:cNvPr id="11" name="Schemat blokowy: proces 10">
+            <a:extLst>
+              <a:ext uri="{FF2B5EF4-FFF2-40B4-BE49-F238E27FC236}">
+                <a16:creationId xmlns:a16="http://schemas.microsoft.com/office/drawing/2014/main" xmlns="" id="{560441EF-65A0-4C94-8A23-565F4FB1AEFE}"/>
+              </a:ext>
+            </a:extLst>
+          </p:cNvPr>
+          <p:cNvSpPr/>
+          <p:nvPr/>
+        </p:nvSpPr>
+        <p:spPr>
+          <a:xfrm>
+            <a:off x="2665561" y="1759787"/>
+            <a:ext cx="1371600" cy="1017917"/>
+          </a:xfrm>
+          <a:prstGeom prst="flowChartProcess">
+            <a:avLst/>
+          </a:prstGeom>
+        </p:spPr>
+        <p:style>
+          <a:lnRef idx="1">
+            <a:schemeClr val="accent1"/>
+          </a:lnRef>
+          <a:fillRef idx="3">
+            <a:schemeClr val="accent1"/>
+          </a:fillRef>
+          <a:effectRef idx="2">
+            <a:schemeClr val="accent1"/>
+          </a:effectRef>
+          <a:fontRef idx="minor">
+            <a:schemeClr val="lt1"/>
+          </a:fontRef>
+        </p:style>
+        <p:txBody>
+          <a:bodyPr rtlCol="0" anchor="ctr"/>
+          <a:lstStyle/>
+          <a:p>
+            <a:pPr algn="ctr"/>
+            <a:r>
+              <a:rPr lang="pl-PL" b="1" dirty="0" err="1"/>
+              <a:t>Dim</a:t>
+            </a:r>
+            <a:r>
+              <a:rPr lang="pl-PL" b="1" dirty="0"/>
+              <a:t> </a:t>
+            </a:r>
+            <a:r>
+              <a:rPr lang="pl-PL" b="1" dirty="0" err="1"/>
+              <a:t>Territory</a:t>
+            </a:r>
+            <a:endParaRPr lang="pl-PL" b="1" dirty="0"/>
+          </a:p>
+        </p:txBody>
+      </p:sp>
+      <p:sp>
+        <p:nvSpPr>
+          <p:cNvPr id="12" name="Schemat blokowy: proces 11">
+            <a:extLst>
+              <a:ext uri="{FF2B5EF4-FFF2-40B4-BE49-F238E27FC236}">
+                <a16:creationId xmlns:a16="http://schemas.microsoft.com/office/drawing/2014/main" xmlns="" id="{ABBA45D7-A102-4B66-B59A-2A392DF475AB}"/>
+              </a:ext>
+            </a:extLst>
+          </p:cNvPr>
+          <p:cNvSpPr/>
+          <p:nvPr/>
+        </p:nvSpPr>
+        <p:spPr>
+          <a:xfrm>
+            <a:off x="2665561" y="4166557"/>
+            <a:ext cx="1371600" cy="1017917"/>
+          </a:xfrm>
+          <a:prstGeom prst="flowChartProcess">
+            <a:avLst/>
+          </a:prstGeom>
+        </p:spPr>
+        <p:style>
+          <a:lnRef idx="1">
+            <a:schemeClr val="accent1"/>
+          </a:lnRef>
+          <a:fillRef idx="3">
+            <a:schemeClr val="accent1"/>
+          </a:fillRef>
+          <a:effectRef idx="2">
+            <a:schemeClr val="accent1"/>
+          </a:effectRef>
+          <a:fontRef idx="minor">
+            <a:schemeClr val="lt1"/>
+          </a:fontRef>
+        </p:style>
+        <p:txBody>
+          <a:bodyPr rtlCol="0" anchor="ctr"/>
+          <a:lstStyle/>
+          <a:p>
+            <a:pPr algn="ctr"/>
+            <a:r>
+              <a:rPr lang="pl-PL" b="1" dirty="0" err="1"/>
+              <a:t>Dim</a:t>
+            </a:r>
+            <a:r>
+              <a:rPr lang="pl-PL" b="1" dirty="0"/>
+              <a:t> Product</a:t>
+            </a:r>
+          </a:p>
+        </p:txBody>
+      </p:sp>
+      <p:cxnSp>
+        <p:nvCxnSpPr>
+          <p:cNvPr id="46" name="Łącznik prosty ze strzałką 45">
+            <a:extLst>
+              <a:ext uri="{FF2B5EF4-FFF2-40B4-BE49-F238E27FC236}">
+                <a16:creationId xmlns:a16="http://schemas.microsoft.com/office/drawing/2014/main" xmlns="" id="{EAFC3B48-6A40-4576-9AB5-CD53A0D253D1}"/>
+              </a:ext>
+            </a:extLst>
+          </p:cNvPr>
+          <p:cNvCxnSpPr>
+            <a:stCxn id="2" idx="3"/>
+            <a:endCxn id="7" idx="1"/>
+          </p:cNvCxnSpPr>
+          <p:nvPr/>
+        </p:nvCxnSpPr>
+        <p:spPr>
+          <a:xfrm flipV="1">
+            <a:off x="6478437" y="2268746"/>
+            <a:ext cx="1164567" cy="1203385"/>
+          </a:xfrm>
+          <a:prstGeom prst="straightConnector1">
+            <a:avLst/>
+          </a:prstGeom>
+          <a:ln>
+            <a:solidFill>
+              <a:schemeClr val="tx1"/>
+            </a:solidFill>
+            <a:tailEnd type="triangle"/>
+          </a:ln>
+        </p:spPr>
+        <p:style>
+          <a:lnRef idx="1">
+            <a:schemeClr val="accent1"/>
+          </a:lnRef>
+          <a:fillRef idx="0">
+            <a:schemeClr val="accent1"/>
+          </a:fillRef>
+          <a:effectRef idx="0">
+            <a:schemeClr val="accent1"/>
+          </a:effectRef>
+          <a:fontRef idx="minor">
+            <a:schemeClr val="tx1"/>
+          </a:fontRef>
+        </p:style>
+      </p:cxnSp>
+      <p:cxnSp>
+        <p:nvCxnSpPr>
+          <p:cNvPr id="48" name="Łącznik prosty ze strzałką 47">
+            <a:extLst>
+              <a:ext uri="{FF2B5EF4-FFF2-40B4-BE49-F238E27FC236}">
+                <a16:creationId xmlns:a16="http://schemas.microsoft.com/office/drawing/2014/main" xmlns="" id="{F3CFF45D-4F12-40D1-90E4-FB3569324561}"/>
+              </a:ext>
+            </a:extLst>
+          </p:cNvPr>
+          <p:cNvCxnSpPr>
+            <a:stCxn id="2" idx="3"/>
+            <a:endCxn id="10" idx="1"/>
+          </p:cNvCxnSpPr>
+          <p:nvPr/>
+        </p:nvCxnSpPr>
+        <p:spPr>
+          <a:xfrm>
+            <a:off x="6478437" y="3472131"/>
+            <a:ext cx="1164567" cy="1203384"/>
+          </a:xfrm>
+          <a:prstGeom prst="straightConnector1">
+            <a:avLst/>
+          </a:prstGeom>
+          <a:ln>
+            <a:solidFill>
+              <a:schemeClr val="tx1"/>
+            </a:solidFill>
+            <a:tailEnd type="triangle"/>
+          </a:ln>
+        </p:spPr>
+        <p:style>
+          <a:lnRef idx="1">
+            <a:schemeClr val="accent1"/>
+          </a:lnRef>
+          <a:fillRef idx="0">
+            <a:schemeClr val="accent1"/>
+          </a:fillRef>
+          <a:effectRef idx="0">
+            <a:schemeClr val="accent1"/>
+          </a:effectRef>
+          <a:fontRef idx="minor">
+            <a:schemeClr val="tx1"/>
+          </a:fontRef>
+        </p:style>
+      </p:cxnSp>
+      <p:cxnSp>
+        <p:nvCxnSpPr>
+          <p:cNvPr id="53" name="Łącznik prosty ze strzałką 52">
+            <a:extLst>
+              <a:ext uri="{FF2B5EF4-FFF2-40B4-BE49-F238E27FC236}">
+                <a16:creationId xmlns:a16="http://schemas.microsoft.com/office/drawing/2014/main" xmlns="" id="{67C0F67F-7493-4CF9-BE8E-B3791287F2D2}"/>
+              </a:ext>
+            </a:extLst>
+          </p:cNvPr>
+          <p:cNvCxnSpPr>
+            <a:stCxn id="2" idx="1"/>
+            <a:endCxn id="11" idx="3"/>
+          </p:cNvCxnSpPr>
+          <p:nvPr/>
+        </p:nvCxnSpPr>
+        <p:spPr>
+          <a:xfrm flipH="1" flipV="1">
+            <a:off x="4037161" y="2268746"/>
+            <a:ext cx="1164567" cy="1203385"/>
+          </a:xfrm>
+          <a:prstGeom prst="straightConnector1">
+            <a:avLst/>
+          </a:prstGeom>
+          <a:ln>
+            <a:solidFill>
+              <a:schemeClr val="tx1"/>
+            </a:solidFill>
+            <a:tailEnd type="triangle"/>
+          </a:ln>
+        </p:spPr>
+        <p:style>
+          <a:lnRef idx="1">
+            <a:schemeClr val="accent1"/>
+          </a:lnRef>
+          <a:fillRef idx="0">
+            <a:schemeClr val="accent1"/>
+          </a:fillRef>
+          <a:effectRef idx="0">
+            <a:schemeClr val="accent1"/>
+          </a:effectRef>
+          <a:fontRef idx="minor">
+            <a:schemeClr val="tx1"/>
+          </a:fontRef>
+        </p:style>
+      </p:cxnSp>
+      <p:cxnSp>
+        <p:nvCxnSpPr>
+          <p:cNvPr id="55" name="Łącznik prosty ze strzałką 54">
+            <a:extLst>
+              <a:ext uri="{FF2B5EF4-FFF2-40B4-BE49-F238E27FC236}">
+                <a16:creationId xmlns:a16="http://schemas.microsoft.com/office/drawing/2014/main" xmlns="" id="{B66CD44B-D233-4F97-B431-656E3B4E97F8}"/>
+              </a:ext>
+            </a:extLst>
+          </p:cNvPr>
+          <p:cNvCxnSpPr>
+            <a:stCxn id="2" idx="1"/>
+            <a:endCxn id="12" idx="3"/>
+          </p:cNvCxnSpPr>
+          <p:nvPr/>
+        </p:nvCxnSpPr>
+        <p:spPr>
+          <a:xfrm flipH="1">
+            <a:off x="4037161" y="3472131"/>
+            <a:ext cx="1164567" cy="1203385"/>
+          </a:xfrm>
+          <a:prstGeom prst="straightConnector1">
+            <a:avLst/>
+          </a:prstGeom>
+          <a:ln>
+            <a:solidFill>
+              <a:schemeClr val="tx1"/>
+            </a:solidFill>
+            <a:tailEnd type="triangle"/>
+          </a:ln>
+        </p:spPr>
+        <p:style>
+          <a:lnRef idx="1">
+            <a:schemeClr val="accent1"/>
+          </a:lnRef>
+          <a:fillRef idx="0">
+            <a:schemeClr val="accent1"/>
+          </a:fillRef>
+          <a:effectRef idx="0">
+            <a:schemeClr val="accent1"/>
+          </a:effectRef>
+          <a:fontRef idx="minor">
+            <a:schemeClr val="tx1"/>
+          </a:fontRef>
+        </p:style>
+      </p:cxnSp>
+      <p:sp>
+        <p:nvSpPr>
+          <p:cNvPr id="4" name="Slide Number Placeholder 3"/>
+          <p:cNvSpPr>
+            <a:spLocks noGrp="1"/>
+          </p:cNvSpPr>
+          <p:nvPr>
+            <p:ph type="sldNum" sz="quarter" idx="12"/>
+          </p:nvPr>
+        </p:nvSpPr>
+        <p:spPr/>
+        <p:txBody>
+          <a:bodyPr/>
+          <a:lstStyle/>
+          <a:p>
+            <a:fld id="{4FAB73BC-B049-4115-A692-8D63A059BFB8}" type="slidenum">
+              <a:rPr lang="en-US" smtClean="0"/>
+              <a:t>15</a:t>
+            </a:fld>
+            <a:endParaRPr lang="en-US" dirty="0"/>
+          </a:p>
+        </p:txBody>
+      </p:sp>
+    </p:spTree>
+    <p:extLst>
+      <p:ext uri="{BB962C8B-B14F-4D97-AF65-F5344CB8AC3E}">
+        <p14:creationId xmlns:p14="http://schemas.microsoft.com/office/powerpoint/2010/main" val="2820812958"/>
+      </p:ext>
+    </p:extLst>
+  </p:cSld>
+  <p:clrMapOvr>
+    <a:masterClrMapping/>
+  </p:clrMapOvr>
+</p:sld>
+</file>
+
+<file path=ppt/slides/slide16.xml><?xml version="1.0" encoding="utf-8"?>
+<p:sld xmlns:a="http://schemas.openxmlformats.org/drawingml/2006/main" xmlns:r="http://schemas.openxmlformats.org/officeDocument/2006/relationships" xmlns:p="http://schemas.openxmlformats.org/presentationml/2006/main">
+  <p:cSld>
+    <p:spTree>
+      <p:nvGrpSpPr>
+        <p:cNvPr id="1" name=""/>
+        <p:cNvGrpSpPr/>
+        <p:nvPr/>
+      </p:nvGrpSpPr>
+      <p:grpSpPr>
+        <a:xfrm>
+          <a:off x="0" y="0"/>
+          <a:ext cx="0" cy="0"/>
+          <a:chOff x="0" y="0"/>
+          <a:chExt cx="0" cy="0"/>
+        </a:xfrm>
+      </p:grpSpPr>
+      <p:sp>
+        <p:nvSpPr>
+          <p:cNvPr id="2" name="Symbol zastępczy stopki 1">
+            <a:extLst>
+              <a:ext uri="{FF2B5EF4-FFF2-40B4-BE49-F238E27FC236}">
+                <a16:creationId xmlns:a16="http://schemas.microsoft.com/office/drawing/2014/main" xmlns="" id="{F490EC16-B096-48C5-B63D-38CCA4808EE3}"/>
+              </a:ext>
+            </a:extLst>
+          </p:cNvPr>
+          <p:cNvSpPr>
+            <a:spLocks noGrp="1"/>
+          </p:cNvSpPr>
+          <p:nvPr>
+            <p:ph type="ftr" sz="quarter" idx="11"/>
+          </p:nvPr>
+        </p:nvSpPr>
+        <p:spPr/>
+        <p:txBody>
+          <a:bodyPr/>
+          <a:lstStyle/>
+          <a:p>
+            <a:r>
+              <a:rPr lang="en-US" smtClean="0"/>
+              <a:t>Developing SQL Databases</a:t>
+            </a:r>
+            <a:endParaRPr lang="en-US" dirty="0"/>
+          </a:p>
+        </p:txBody>
+      </p:sp>
+      <p:pic>
+        <p:nvPicPr>
+          <p:cNvPr id="3" name="Obraz 2">
+            <a:extLst>
+              <a:ext uri="{FF2B5EF4-FFF2-40B4-BE49-F238E27FC236}">
+                <a16:creationId xmlns:a16="http://schemas.microsoft.com/office/drawing/2014/main" xmlns="" id="{DFC07695-020B-425E-8DF6-B199CEBBC8C4}"/>
+              </a:ext>
+            </a:extLst>
+          </p:cNvPr>
+          <p:cNvPicPr>
+            <a:picLocks noChangeAspect="1"/>
+          </p:cNvPicPr>
+          <p:nvPr/>
+        </p:nvPicPr>
+        <p:blipFill>
+          <a:blip r:embed="rId2"/>
+          <a:stretch>
+            <a:fillRect/>
+          </a:stretch>
+        </p:blipFill>
+        <p:spPr>
+          <a:xfrm>
+            <a:off x="2127037" y="608674"/>
+            <a:ext cx="6585643" cy="5640651"/>
+          </a:xfrm>
+          <a:prstGeom prst="rect">
+            <a:avLst/>
+          </a:prstGeom>
+        </p:spPr>
+      </p:pic>
+      <p:sp>
+        <p:nvSpPr>
+          <p:cNvPr id="4" name="pole tekstowe 3">
+            <a:extLst>
+              <a:ext uri="{FF2B5EF4-FFF2-40B4-BE49-F238E27FC236}">
+                <a16:creationId xmlns:a16="http://schemas.microsoft.com/office/drawing/2014/main" xmlns="" id="{4B94137E-D04D-4FF0-B7F6-8A76FBE50F93}"/>
+              </a:ext>
+            </a:extLst>
+          </p:cNvPr>
+          <p:cNvSpPr txBox="1"/>
+          <p:nvPr/>
+        </p:nvSpPr>
+        <p:spPr>
+          <a:xfrm>
+            <a:off x="604007" y="662730"/>
+            <a:ext cx="7108008" cy="461665"/>
+          </a:xfrm>
+          <a:prstGeom prst="rect">
+            <a:avLst/>
+          </a:prstGeom>
+          <a:noFill/>
+        </p:spPr>
+        <p:txBody>
+          <a:bodyPr wrap="square" rtlCol="0">
+            <a:spAutoFit/>
+          </a:bodyPr>
+          <a:lstStyle/>
+          <a:p>
+            <a:pPr lvl="1" algn="just"/>
+            <a:r>
+              <a:rPr lang="pl-PL" sz="2400" b="1" dirty="0" err="1"/>
+              <a:t>Contoso</a:t>
+            </a:r>
+            <a:endParaRPr lang="pl-PL" sz="2400" b="1" dirty="0"/>
+          </a:p>
+        </p:txBody>
+      </p:sp>
+      <p:sp>
+        <p:nvSpPr>
+          <p:cNvPr id="5" name="Slide Number Placeholder 4"/>
+          <p:cNvSpPr>
+            <a:spLocks noGrp="1"/>
+          </p:cNvSpPr>
+          <p:nvPr>
+            <p:ph type="sldNum" sz="quarter" idx="12"/>
+          </p:nvPr>
+        </p:nvSpPr>
+        <p:spPr/>
+        <p:txBody>
+          <a:bodyPr/>
+          <a:lstStyle/>
+          <a:p>
+            <a:fld id="{4FAB73BC-B049-4115-A692-8D63A059BFB8}" type="slidenum">
+              <a:rPr lang="en-US" smtClean="0"/>
+              <a:t>16</a:t>
+            </a:fld>
+            <a:endParaRPr lang="en-US" dirty="0"/>
+          </a:p>
+        </p:txBody>
+      </p:sp>
+    </p:spTree>
+    <p:extLst>
+      <p:ext uri="{BB962C8B-B14F-4D97-AF65-F5344CB8AC3E}">
+        <p14:creationId xmlns:p14="http://schemas.microsoft.com/office/powerpoint/2010/main" val="770445582"/>
+      </p:ext>
+    </p:extLst>
+  </p:cSld>
+  <p:clrMapOvr>
+    <a:masterClrMapping/>
+  </p:clrMapOvr>
+</p:sld>
+</file>
+
+<file path=ppt/slides/slide17.xml><?xml version="1.0" encoding="utf-8"?>
+<p:sld xmlns:a="http://schemas.openxmlformats.org/drawingml/2006/main" xmlns:r="http://schemas.openxmlformats.org/officeDocument/2006/relationships" xmlns:p="http://schemas.openxmlformats.org/presentationml/2006/main">
+  <p:cSld>
+    <p:spTree>
+      <p:nvGrpSpPr>
+        <p:cNvPr id="1" name=""/>
+        <p:cNvGrpSpPr/>
+        <p:nvPr/>
+      </p:nvGrpSpPr>
+      <p:grpSpPr>
+        <a:xfrm>
+          <a:off x="0" y="0"/>
+          <a:ext cx="0" cy="0"/>
+          <a:chOff x="0" y="0"/>
+          <a:chExt cx="0" cy="0"/>
+        </a:xfrm>
+      </p:grpSpPr>
+      <p:sp>
+        <p:nvSpPr>
+          <p:cNvPr id="9" name="pole tekstowe 8"/>
+          <p:cNvSpPr txBox="1"/>
+          <p:nvPr/>
+        </p:nvSpPr>
+        <p:spPr>
+          <a:xfrm>
+            <a:off x="604007" y="662730"/>
+            <a:ext cx="7108008" cy="461665"/>
+          </a:xfrm>
+          <a:prstGeom prst="rect">
+            <a:avLst/>
+          </a:prstGeom>
+          <a:noFill/>
+        </p:spPr>
+        <p:txBody>
+          <a:bodyPr wrap="square" rtlCol="0">
+            <a:spAutoFit/>
+          </a:bodyPr>
+          <a:lstStyle/>
+          <a:p>
+            <a:pPr lvl="1" algn="just"/>
+            <a:r>
+              <a:rPr lang="pl-PL" sz="2400" b="1" dirty="0" err="1"/>
+              <a:t>Snowflake</a:t>
+            </a:r>
+            <a:r>
+              <a:rPr lang="pl-PL" sz="2400" b="1" dirty="0"/>
+              <a:t> </a:t>
+            </a:r>
+            <a:r>
+              <a:rPr lang="pl-PL" sz="2400" b="1" dirty="0" err="1"/>
+              <a:t>Schema</a:t>
+            </a:r>
+            <a:r>
+              <a:rPr lang="pl-PL" sz="2400" b="1" dirty="0"/>
+              <a:t> (PŁATEK ŚNIEGU)</a:t>
+            </a:r>
+          </a:p>
+        </p:txBody>
+      </p:sp>
+      <p:sp>
+        <p:nvSpPr>
+          <p:cNvPr id="3" name="Symbol zastępczy stopki 2"/>
+          <p:cNvSpPr>
+            <a:spLocks noGrp="1"/>
+          </p:cNvSpPr>
+          <p:nvPr>
+            <p:ph type="ftr" sz="quarter" idx="11"/>
+          </p:nvPr>
+        </p:nvSpPr>
+        <p:spPr/>
+        <p:txBody>
+          <a:bodyPr/>
+          <a:lstStyle/>
+          <a:p>
+            <a:r>
+              <a:rPr lang="en-US" smtClean="0"/>
+              <a:t>Developing SQL Databases</a:t>
+            </a:r>
+            <a:endParaRPr lang="en-US" dirty="0"/>
+          </a:p>
+        </p:txBody>
+      </p:sp>
+      <p:sp>
+        <p:nvSpPr>
+          <p:cNvPr id="2" name="Prostokąt 1">
+            <a:extLst>
+              <a:ext uri="{FF2B5EF4-FFF2-40B4-BE49-F238E27FC236}">
+                <a16:creationId xmlns:a16="http://schemas.microsoft.com/office/drawing/2014/main" xmlns="" id="{B9415C2C-66BC-4292-A3AE-CAE81E226E78}"/>
+              </a:ext>
+            </a:extLst>
+          </p:cNvPr>
+          <p:cNvSpPr/>
+          <p:nvPr/>
+        </p:nvSpPr>
+        <p:spPr>
+          <a:xfrm>
+            <a:off x="5201728" y="1759787"/>
+            <a:ext cx="1276709" cy="3424687"/>
+          </a:xfrm>
+          <a:prstGeom prst="rect">
+            <a:avLst/>
+          </a:prstGeom>
+        </p:spPr>
+        <p:style>
+          <a:lnRef idx="3">
+            <a:schemeClr val="lt1"/>
+          </a:lnRef>
+          <a:fillRef idx="1">
+            <a:schemeClr val="accent2"/>
+          </a:fillRef>
+          <a:effectRef idx="1">
+            <a:schemeClr val="accent2"/>
+          </a:effectRef>
+          <a:fontRef idx="minor">
+            <a:schemeClr val="lt1"/>
+          </a:fontRef>
+        </p:style>
+        <p:txBody>
+          <a:bodyPr rtlCol="0" anchor="ctr"/>
+          <a:lstStyle/>
+          <a:p>
+            <a:pPr algn="ctr"/>
+            <a:r>
+              <a:rPr lang="pl-PL" b="1" dirty="0">
+                <a:solidFill>
+                  <a:schemeClr val="tx1"/>
+                </a:solidFill>
+              </a:rPr>
+              <a:t>FACT</a:t>
+            </a:r>
+          </a:p>
+          <a:p>
+            <a:pPr algn="ctr"/>
+            <a:r>
+              <a:rPr lang="pl-PL" b="1" dirty="0">
+                <a:solidFill>
+                  <a:schemeClr val="tx1"/>
+                </a:solidFill>
+              </a:rPr>
+              <a:t>SALES</a:t>
+            </a:r>
+          </a:p>
+        </p:txBody>
+      </p:sp>
+      <p:sp>
+        <p:nvSpPr>
+          <p:cNvPr id="7" name="Schemat blokowy: proces 6">
+            <a:extLst>
+              <a:ext uri="{FF2B5EF4-FFF2-40B4-BE49-F238E27FC236}">
+                <a16:creationId xmlns:a16="http://schemas.microsoft.com/office/drawing/2014/main" xmlns="" id="{D71F0B4D-FFA5-4AB5-9D27-9E9D8151BEEB}"/>
+              </a:ext>
+            </a:extLst>
+          </p:cNvPr>
+          <p:cNvSpPr/>
+          <p:nvPr/>
+        </p:nvSpPr>
+        <p:spPr>
+          <a:xfrm>
+            <a:off x="7643004" y="1759787"/>
+            <a:ext cx="1371600" cy="1017917"/>
+          </a:xfrm>
+          <a:prstGeom prst="flowChartProcess">
+            <a:avLst/>
+          </a:prstGeom>
+        </p:spPr>
+        <p:style>
+          <a:lnRef idx="1">
+            <a:schemeClr val="accent1"/>
+          </a:lnRef>
+          <a:fillRef idx="3">
+            <a:schemeClr val="accent1"/>
+          </a:fillRef>
+          <a:effectRef idx="2">
+            <a:schemeClr val="accent1"/>
+          </a:effectRef>
+          <a:fontRef idx="minor">
+            <a:schemeClr val="lt1"/>
+          </a:fontRef>
+        </p:style>
+        <p:txBody>
+          <a:bodyPr rtlCol="0" anchor="ctr"/>
+          <a:lstStyle/>
+          <a:p>
+            <a:pPr algn="ctr"/>
+            <a:r>
+              <a:rPr lang="pl-PL" b="1" dirty="0" err="1"/>
+              <a:t>Dim</a:t>
+            </a:r>
+            <a:r>
+              <a:rPr lang="pl-PL" b="1" dirty="0"/>
+              <a:t> </a:t>
+            </a:r>
+            <a:r>
+              <a:rPr lang="pl-PL" b="1" dirty="0" err="1"/>
+              <a:t>Customer</a:t>
+            </a:r>
+            <a:endParaRPr lang="pl-PL" b="1" dirty="0"/>
+          </a:p>
+        </p:txBody>
+      </p:sp>
+      <p:sp>
+        <p:nvSpPr>
+          <p:cNvPr id="10" name="Schemat blokowy: proces 9">
+            <a:extLst>
+              <a:ext uri="{FF2B5EF4-FFF2-40B4-BE49-F238E27FC236}">
+                <a16:creationId xmlns:a16="http://schemas.microsoft.com/office/drawing/2014/main" xmlns="" id="{2895CB6C-0987-4E49-98EC-C23582A0E97A}"/>
+              </a:ext>
+            </a:extLst>
+          </p:cNvPr>
+          <p:cNvSpPr/>
+          <p:nvPr/>
+        </p:nvSpPr>
+        <p:spPr>
+          <a:xfrm>
+            <a:off x="7643004" y="4166556"/>
+            <a:ext cx="1371600" cy="1017917"/>
+          </a:xfrm>
+          <a:prstGeom prst="flowChartProcess">
+            <a:avLst/>
+          </a:prstGeom>
+        </p:spPr>
+        <p:style>
+          <a:lnRef idx="1">
+            <a:schemeClr val="accent1"/>
+          </a:lnRef>
+          <a:fillRef idx="3">
+            <a:schemeClr val="accent1"/>
+          </a:fillRef>
+          <a:effectRef idx="2">
+            <a:schemeClr val="accent1"/>
+          </a:effectRef>
+          <a:fontRef idx="minor">
+            <a:schemeClr val="lt1"/>
+          </a:fontRef>
+        </p:style>
+        <p:txBody>
+          <a:bodyPr rtlCol="0" anchor="ctr"/>
+          <a:lstStyle/>
+          <a:p>
+            <a:pPr algn="ctr"/>
+            <a:r>
+              <a:rPr lang="pl-PL" b="1" dirty="0" err="1"/>
+              <a:t>Dim</a:t>
+            </a:r>
+            <a:r>
+              <a:rPr lang="pl-PL" b="1" dirty="0"/>
+              <a:t> </a:t>
+            </a:r>
+            <a:r>
+              <a:rPr lang="pl-PL" b="1" dirty="0" err="1"/>
+              <a:t>Store</a:t>
+            </a:r>
+            <a:endParaRPr lang="pl-PL" b="1" dirty="0"/>
+          </a:p>
+        </p:txBody>
+      </p:sp>
+      <p:sp>
+        <p:nvSpPr>
+          <p:cNvPr id="11" name="Schemat blokowy: proces 10">
+            <a:extLst>
+              <a:ext uri="{FF2B5EF4-FFF2-40B4-BE49-F238E27FC236}">
+                <a16:creationId xmlns:a16="http://schemas.microsoft.com/office/drawing/2014/main" xmlns="" id="{560441EF-65A0-4C94-8A23-565F4FB1AEFE}"/>
+              </a:ext>
+            </a:extLst>
+          </p:cNvPr>
+          <p:cNvSpPr/>
+          <p:nvPr/>
+        </p:nvSpPr>
+        <p:spPr>
+          <a:xfrm>
+            <a:off x="2665561" y="1759787"/>
+            <a:ext cx="1371600" cy="1017917"/>
+          </a:xfrm>
+          <a:prstGeom prst="flowChartProcess">
+            <a:avLst/>
+          </a:prstGeom>
+        </p:spPr>
+        <p:style>
+          <a:lnRef idx="1">
+            <a:schemeClr val="accent1"/>
+          </a:lnRef>
+          <a:fillRef idx="3">
+            <a:schemeClr val="accent1"/>
+          </a:fillRef>
+          <a:effectRef idx="2">
+            <a:schemeClr val="accent1"/>
+          </a:effectRef>
+          <a:fontRef idx="minor">
+            <a:schemeClr val="lt1"/>
+          </a:fontRef>
+        </p:style>
+        <p:txBody>
+          <a:bodyPr rtlCol="0" anchor="ctr"/>
+          <a:lstStyle/>
+          <a:p>
+            <a:pPr algn="ctr"/>
+            <a:r>
+              <a:rPr lang="pl-PL" b="1" dirty="0" err="1"/>
+              <a:t>Dim</a:t>
+            </a:r>
+            <a:r>
+              <a:rPr lang="pl-PL" b="1" dirty="0"/>
+              <a:t> </a:t>
+            </a:r>
+            <a:r>
+              <a:rPr lang="pl-PL" b="1" dirty="0" err="1"/>
+              <a:t>Territory</a:t>
+            </a:r>
+            <a:endParaRPr lang="pl-PL" b="1" dirty="0"/>
+          </a:p>
+        </p:txBody>
+      </p:sp>
+      <p:sp>
+        <p:nvSpPr>
+          <p:cNvPr id="12" name="Schemat blokowy: proces 11">
+            <a:extLst>
+              <a:ext uri="{FF2B5EF4-FFF2-40B4-BE49-F238E27FC236}">
+                <a16:creationId xmlns:a16="http://schemas.microsoft.com/office/drawing/2014/main" xmlns="" id="{ABBA45D7-A102-4B66-B59A-2A392DF475AB}"/>
+              </a:ext>
+            </a:extLst>
+          </p:cNvPr>
+          <p:cNvSpPr/>
+          <p:nvPr/>
+        </p:nvSpPr>
+        <p:spPr>
+          <a:xfrm>
+            <a:off x="2665561" y="4166557"/>
+            <a:ext cx="1371600" cy="1017917"/>
+          </a:xfrm>
+          <a:prstGeom prst="flowChartProcess">
+            <a:avLst/>
+          </a:prstGeom>
+        </p:spPr>
+        <p:style>
+          <a:lnRef idx="1">
+            <a:schemeClr val="accent1"/>
+          </a:lnRef>
+          <a:fillRef idx="3">
+            <a:schemeClr val="accent1"/>
+          </a:fillRef>
+          <a:effectRef idx="2">
+            <a:schemeClr val="accent1"/>
+          </a:effectRef>
+          <a:fontRef idx="minor">
+            <a:schemeClr val="lt1"/>
+          </a:fontRef>
+        </p:style>
+        <p:txBody>
+          <a:bodyPr rtlCol="0" anchor="ctr"/>
+          <a:lstStyle/>
+          <a:p>
+            <a:pPr algn="ctr"/>
+            <a:r>
+              <a:rPr lang="pl-PL" b="1" dirty="0" err="1"/>
+              <a:t>Dim</a:t>
+            </a:r>
+            <a:r>
+              <a:rPr lang="pl-PL" b="1" dirty="0"/>
+              <a:t> Product</a:t>
+            </a:r>
+          </a:p>
+        </p:txBody>
+      </p:sp>
+      <p:cxnSp>
+        <p:nvCxnSpPr>
+          <p:cNvPr id="46" name="Łącznik prosty ze strzałką 45">
+            <a:extLst>
+              <a:ext uri="{FF2B5EF4-FFF2-40B4-BE49-F238E27FC236}">
+                <a16:creationId xmlns:a16="http://schemas.microsoft.com/office/drawing/2014/main" xmlns="" id="{EAFC3B48-6A40-4576-9AB5-CD53A0D253D1}"/>
+              </a:ext>
+            </a:extLst>
+          </p:cNvPr>
+          <p:cNvCxnSpPr>
+            <a:stCxn id="2" idx="3"/>
+            <a:endCxn id="7" idx="1"/>
+          </p:cNvCxnSpPr>
+          <p:nvPr/>
+        </p:nvCxnSpPr>
+        <p:spPr>
+          <a:xfrm flipV="1">
+            <a:off x="6478437" y="2268746"/>
+            <a:ext cx="1164567" cy="1203385"/>
+          </a:xfrm>
+          <a:prstGeom prst="straightConnector1">
+            <a:avLst/>
+          </a:prstGeom>
+          <a:ln>
+            <a:solidFill>
+              <a:schemeClr val="tx1"/>
+            </a:solidFill>
+            <a:tailEnd type="triangle"/>
+          </a:ln>
+        </p:spPr>
+        <p:style>
+          <a:lnRef idx="1">
+            <a:schemeClr val="accent1"/>
+          </a:lnRef>
+          <a:fillRef idx="0">
+            <a:schemeClr val="accent1"/>
+          </a:fillRef>
+          <a:effectRef idx="0">
+            <a:schemeClr val="accent1"/>
+          </a:effectRef>
+          <a:fontRef idx="minor">
+            <a:schemeClr val="tx1"/>
+          </a:fontRef>
+        </p:style>
+      </p:cxnSp>
+      <p:cxnSp>
+        <p:nvCxnSpPr>
+          <p:cNvPr id="48" name="Łącznik prosty ze strzałką 47">
+            <a:extLst>
+              <a:ext uri="{FF2B5EF4-FFF2-40B4-BE49-F238E27FC236}">
+                <a16:creationId xmlns:a16="http://schemas.microsoft.com/office/drawing/2014/main" xmlns="" id="{F3CFF45D-4F12-40D1-90E4-FB3569324561}"/>
+              </a:ext>
+            </a:extLst>
+          </p:cNvPr>
+          <p:cNvCxnSpPr>
+            <a:stCxn id="2" idx="3"/>
+            <a:endCxn id="10" idx="1"/>
+          </p:cNvCxnSpPr>
+          <p:nvPr/>
+        </p:nvCxnSpPr>
+        <p:spPr>
+          <a:xfrm>
+            <a:off x="6478437" y="3472131"/>
+            <a:ext cx="1164567" cy="1203384"/>
+          </a:xfrm>
+          <a:prstGeom prst="straightConnector1">
+            <a:avLst/>
+          </a:prstGeom>
+          <a:ln>
+            <a:solidFill>
+              <a:schemeClr val="tx1"/>
+            </a:solidFill>
+            <a:tailEnd type="triangle"/>
+          </a:ln>
+        </p:spPr>
+        <p:style>
+          <a:lnRef idx="1">
+            <a:schemeClr val="accent1"/>
+          </a:lnRef>
+          <a:fillRef idx="0">
+            <a:schemeClr val="accent1"/>
+          </a:fillRef>
+          <a:effectRef idx="0">
+            <a:schemeClr val="accent1"/>
+          </a:effectRef>
+          <a:fontRef idx="minor">
+            <a:schemeClr val="tx1"/>
+          </a:fontRef>
+        </p:style>
+      </p:cxnSp>
+      <p:cxnSp>
+        <p:nvCxnSpPr>
+          <p:cNvPr id="53" name="Łącznik prosty ze strzałką 52">
+            <a:extLst>
+              <a:ext uri="{FF2B5EF4-FFF2-40B4-BE49-F238E27FC236}">
+                <a16:creationId xmlns:a16="http://schemas.microsoft.com/office/drawing/2014/main" xmlns="" id="{67C0F67F-7493-4CF9-BE8E-B3791287F2D2}"/>
+              </a:ext>
+            </a:extLst>
+          </p:cNvPr>
+          <p:cNvCxnSpPr>
+            <a:stCxn id="2" idx="1"/>
+            <a:endCxn id="11" idx="3"/>
+          </p:cNvCxnSpPr>
+          <p:nvPr/>
+        </p:nvCxnSpPr>
+        <p:spPr>
+          <a:xfrm flipH="1" flipV="1">
+            <a:off x="4037161" y="2268746"/>
+            <a:ext cx="1164567" cy="1203385"/>
+          </a:xfrm>
+          <a:prstGeom prst="straightConnector1">
+            <a:avLst/>
+          </a:prstGeom>
+          <a:ln>
+            <a:solidFill>
+              <a:schemeClr val="tx1"/>
+            </a:solidFill>
+            <a:tailEnd type="triangle"/>
+          </a:ln>
+        </p:spPr>
+        <p:style>
+          <a:lnRef idx="1">
+            <a:schemeClr val="accent1"/>
+          </a:lnRef>
+          <a:fillRef idx="0">
+            <a:schemeClr val="accent1"/>
+          </a:fillRef>
+          <a:effectRef idx="0">
+            <a:schemeClr val="accent1"/>
+          </a:effectRef>
+          <a:fontRef idx="minor">
+            <a:schemeClr val="tx1"/>
+          </a:fontRef>
+        </p:style>
+      </p:cxnSp>
+      <p:cxnSp>
+        <p:nvCxnSpPr>
+          <p:cNvPr id="55" name="Łącznik prosty ze strzałką 54">
+            <a:extLst>
+              <a:ext uri="{FF2B5EF4-FFF2-40B4-BE49-F238E27FC236}">
+                <a16:creationId xmlns:a16="http://schemas.microsoft.com/office/drawing/2014/main" xmlns="" id="{B66CD44B-D233-4F97-B431-656E3B4E97F8}"/>
+              </a:ext>
+            </a:extLst>
+          </p:cNvPr>
+          <p:cNvCxnSpPr>
+            <a:stCxn id="2" idx="1"/>
+            <a:endCxn id="12" idx="3"/>
+          </p:cNvCxnSpPr>
+          <p:nvPr/>
+        </p:nvCxnSpPr>
+        <p:spPr>
+          <a:xfrm flipH="1">
+            <a:off x="4037161" y="3472131"/>
+            <a:ext cx="1164567" cy="1203385"/>
+          </a:xfrm>
+          <a:prstGeom prst="straightConnector1">
+            <a:avLst/>
+          </a:prstGeom>
+          <a:ln>
+            <a:solidFill>
+              <a:schemeClr val="tx1"/>
+            </a:solidFill>
+            <a:tailEnd type="triangle"/>
+          </a:ln>
+        </p:spPr>
+        <p:style>
+          <a:lnRef idx="1">
+            <a:schemeClr val="accent1"/>
+          </a:lnRef>
+          <a:fillRef idx="0">
+            <a:schemeClr val="accent1"/>
+          </a:fillRef>
+          <a:effectRef idx="0">
+            <a:schemeClr val="accent1"/>
+          </a:effectRef>
+          <a:fontRef idx="minor">
+            <a:schemeClr val="tx1"/>
+          </a:fontRef>
+        </p:style>
+      </p:cxnSp>
+      <p:sp>
+        <p:nvSpPr>
+          <p:cNvPr id="13" name="Schemat blokowy: proces 12">
+            <a:extLst>
+              <a:ext uri="{FF2B5EF4-FFF2-40B4-BE49-F238E27FC236}">
+                <a16:creationId xmlns:a16="http://schemas.microsoft.com/office/drawing/2014/main" xmlns="" id="{F5395130-0A45-498C-878F-5331F8E9A7C3}"/>
+              </a:ext>
+            </a:extLst>
+          </p:cNvPr>
+          <p:cNvSpPr/>
+          <p:nvPr/>
+        </p:nvSpPr>
+        <p:spPr>
+          <a:xfrm>
+            <a:off x="604007" y="4986066"/>
+            <a:ext cx="1371600" cy="1017917"/>
+          </a:xfrm>
+          <a:prstGeom prst="flowChartProcess">
+            <a:avLst/>
+          </a:prstGeom>
+        </p:spPr>
+        <p:style>
+          <a:lnRef idx="1">
+            <a:schemeClr val="accent1"/>
+          </a:lnRef>
+          <a:fillRef idx="3">
+            <a:schemeClr val="accent1"/>
+          </a:fillRef>
+          <a:effectRef idx="2">
+            <a:schemeClr val="accent1"/>
+          </a:effectRef>
+          <a:fontRef idx="minor">
+            <a:schemeClr val="lt1"/>
+          </a:fontRef>
+        </p:style>
+        <p:txBody>
+          <a:bodyPr rtlCol="0" anchor="ctr"/>
+          <a:lstStyle/>
+          <a:p>
+            <a:pPr algn="ctr"/>
+            <a:r>
+              <a:rPr lang="pl-PL" b="1" dirty="0" err="1"/>
+              <a:t>Dim</a:t>
+            </a:r>
+            <a:r>
+              <a:rPr lang="pl-PL" b="1" dirty="0"/>
+              <a:t> Product</a:t>
+            </a:r>
+          </a:p>
+          <a:p>
+            <a:pPr algn="ctr"/>
+            <a:r>
+              <a:rPr lang="pl-PL" b="1" dirty="0" err="1"/>
+              <a:t>Category</a:t>
+            </a:r>
+            <a:endParaRPr lang="pl-PL" b="1" dirty="0"/>
+          </a:p>
+        </p:txBody>
+      </p:sp>
+      <p:sp>
+        <p:nvSpPr>
+          <p:cNvPr id="14" name="Schemat blokowy: proces 13">
+            <a:extLst>
+              <a:ext uri="{FF2B5EF4-FFF2-40B4-BE49-F238E27FC236}">
+                <a16:creationId xmlns:a16="http://schemas.microsoft.com/office/drawing/2014/main" xmlns="" id="{C3BC9E72-1A89-41F5-94D2-534BDCAC5163}"/>
+              </a:ext>
+            </a:extLst>
+          </p:cNvPr>
+          <p:cNvSpPr/>
+          <p:nvPr/>
+        </p:nvSpPr>
+        <p:spPr>
+          <a:xfrm>
+            <a:off x="9647207" y="1117082"/>
+            <a:ext cx="1371600" cy="1017917"/>
+          </a:xfrm>
+          <a:prstGeom prst="flowChartProcess">
+            <a:avLst/>
+          </a:prstGeom>
+        </p:spPr>
+        <p:style>
+          <a:lnRef idx="1">
+            <a:schemeClr val="accent1"/>
+          </a:lnRef>
+          <a:fillRef idx="3">
+            <a:schemeClr val="accent1"/>
+          </a:fillRef>
+          <a:effectRef idx="2">
+            <a:schemeClr val="accent1"/>
+          </a:effectRef>
+          <a:fontRef idx="minor">
+            <a:schemeClr val="lt1"/>
+          </a:fontRef>
+        </p:style>
+        <p:txBody>
+          <a:bodyPr rtlCol="0" anchor="ctr"/>
+          <a:lstStyle/>
+          <a:p>
+            <a:pPr algn="ctr"/>
+            <a:r>
+              <a:rPr lang="pl-PL" b="1" dirty="0" err="1"/>
+              <a:t>Dim</a:t>
+            </a:r>
+            <a:r>
+              <a:rPr lang="pl-PL" b="1" dirty="0"/>
+              <a:t> Region</a:t>
+            </a:r>
+          </a:p>
+        </p:txBody>
+      </p:sp>
+      <p:cxnSp>
+        <p:nvCxnSpPr>
+          <p:cNvPr id="5" name="Łącznik prosty ze strzałką 4">
+            <a:extLst>
+              <a:ext uri="{FF2B5EF4-FFF2-40B4-BE49-F238E27FC236}">
+                <a16:creationId xmlns:a16="http://schemas.microsoft.com/office/drawing/2014/main" xmlns="" id="{A7103752-AF4F-4F61-A65C-975649E66A70}"/>
+              </a:ext>
+            </a:extLst>
+          </p:cNvPr>
+          <p:cNvCxnSpPr>
+            <a:cxnSpLocks/>
+            <a:stCxn id="7" idx="3"/>
+            <a:endCxn id="14" idx="1"/>
+          </p:cNvCxnSpPr>
+          <p:nvPr/>
+        </p:nvCxnSpPr>
+        <p:spPr>
+          <a:xfrm flipV="1">
+            <a:off x="9014604" y="1626041"/>
+            <a:ext cx="632603" cy="642705"/>
+          </a:xfrm>
+          <a:prstGeom prst="straightConnector1">
+            <a:avLst/>
+          </a:prstGeom>
+          <a:ln>
+            <a:solidFill>
+              <a:schemeClr val="tx1"/>
+            </a:solidFill>
+            <a:tailEnd type="triangle"/>
+          </a:ln>
+        </p:spPr>
+        <p:style>
+          <a:lnRef idx="1">
+            <a:schemeClr val="accent1"/>
+          </a:lnRef>
+          <a:fillRef idx="0">
+            <a:schemeClr val="accent1"/>
+          </a:fillRef>
+          <a:effectRef idx="0">
+            <a:schemeClr val="accent1"/>
+          </a:effectRef>
+          <a:fontRef idx="minor">
+            <a:schemeClr val="tx1"/>
+          </a:fontRef>
+        </p:style>
+      </p:cxnSp>
+      <p:cxnSp>
+        <p:nvCxnSpPr>
+          <p:cNvPr id="16" name="Łącznik prosty ze strzałką 15">
+            <a:extLst>
+              <a:ext uri="{FF2B5EF4-FFF2-40B4-BE49-F238E27FC236}">
+                <a16:creationId xmlns:a16="http://schemas.microsoft.com/office/drawing/2014/main" xmlns="" id="{32D3111C-47E8-408E-98BD-A6EA2387A4DD}"/>
+              </a:ext>
+            </a:extLst>
+          </p:cNvPr>
+          <p:cNvCxnSpPr>
+            <a:stCxn id="12" idx="1"/>
+            <a:endCxn id="13" idx="3"/>
+          </p:cNvCxnSpPr>
+          <p:nvPr/>
+        </p:nvCxnSpPr>
+        <p:spPr>
+          <a:xfrm flipH="1">
+            <a:off x="1975607" y="4675516"/>
+            <a:ext cx="689954" cy="819509"/>
+          </a:xfrm>
+          <a:prstGeom prst="straightConnector1">
+            <a:avLst/>
+          </a:prstGeom>
+          <a:ln>
+            <a:solidFill>
+              <a:schemeClr val="tx1"/>
+            </a:solidFill>
+            <a:tailEnd type="triangle"/>
+          </a:ln>
+        </p:spPr>
+        <p:style>
+          <a:lnRef idx="1">
+            <a:schemeClr val="accent1"/>
+          </a:lnRef>
+          <a:fillRef idx="0">
+            <a:schemeClr val="accent1"/>
+          </a:fillRef>
+          <a:effectRef idx="0">
+            <a:schemeClr val="accent1"/>
+          </a:effectRef>
+          <a:fontRef idx="minor">
+            <a:schemeClr val="tx1"/>
+          </a:fontRef>
+        </p:style>
+      </p:cxnSp>
+      <p:sp>
+        <p:nvSpPr>
+          <p:cNvPr id="21" name="Schemat blokowy: proces 20">
+            <a:extLst>
+              <a:ext uri="{FF2B5EF4-FFF2-40B4-BE49-F238E27FC236}">
+                <a16:creationId xmlns:a16="http://schemas.microsoft.com/office/drawing/2014/main" xmlns="" id="{7FD90938-A230-49AC-A718-922B81C46AAB}"/>
+              </a:ext>
+            </a:extLst>
+          </p:cNvPr>
+          <p:cNvSpPr/>
+          <p:nvPr/>
+        </p:nvSpPr>
+        <p:spPr>
+          <a:xfrm>
+            <a:off x="9780784" y="5184473"/>
+            <a:ext cx="1649215" cy="1017917"/>
+          </a:xfrm>
+          <a:prstGeom prst="flowChartProcess">
+            <a:avLst/>
+          </a:prstGeom>
+        </p:spPr>
+        <p:style>
+          <a:lnRef idx="1">
+            <a:schemeClr val="accent1"/>
+          </a:lnRef>
+          <a:fillRef idx="3">
+            <a:schemeClr val="accent1"/>
+          </a:fillRef>
+          <a:effectRef idx="2">
+            <a:schemeClr val="accent1"/>
+          </a:effectRef>
+          <a:fontRef idx="minor">
+            <a:schemeClr val="lt1"/>
+          </a:fontRef>
+        </p:style>
+        <p:txBody>
+          <a:bodyPr rtlCol="0" anchor="ctr"/>
+          <a:lstStyle/>
+          <a:p>
+            <a:pPr algn="ctr"/>
+            <a:r>
+              <a:rPr lang="pl-PL" b="1" dirty="0" err="1"/>
+              <a:t>Dim</a:t>
+            </a:r>
+            <a:r>
+              <a:rPr lang="pl-PL" b="1" dirty="0"/>
+              <a:t> Organization </a:t>
+            </a:r>
+            <a:r>
+              <a:rPr lang="pl-PL" b="1" dirty="0" err="1"/>
+              <a:t>Structure</a:t>
+            </a:r>
+            <a:endParaRPr lang="pl-PL" b="1" dirty="0"/>
+          </a:p>
+        </p:txBody>
+      </p:sp>
+      <p:cxnSp>
+        <p:nvCxnSpPr>
+          <p:cNvPr id="18" name="Łącznik prosty ze strzałką 17">
+            <a:extLst>
+              <a:ext uri="{FF2B5EF4-FFF2-40B4-BE49-F238E27FC236}">
+                <a16:creationId xmlns:a16="http://schemas.microsoft.com/office/drawing/2014/main" xmlns="" id="{6CFC7DA1-3098-40A3-9899-D3E26CCCF2AC}"/>
+              </a:ext>
+            </a:extLst>
+          </p:cNvPr>
+          <p:cNvCxnSpPr>
+            <a:cxnSpLocks/>
+            <a:stCxn id="10" idx="3"/>
+            <a:endCxn id="21" idx="1"/>
+          </p:cNvCxnSpPr>
+          <p:nvPr/>
+        </p:nvCxnSpPr>
+        <p:spPr>
+          <a:xfrm>
+            <a:off x="9014604" y="4675515"/>
+            <a:ext cx="766180" cy="1017917"/>
+          </a:xfrm>
+          <a:prstGeom prst="straightConnector1">
+            <a:avLst/>
+          </a:prstGeom>
+          <a:ln>
+            <a:solidFill>
+              <a:schemeClr val="tx1"/>
+            </a:solidFill>
+            <a:tailEnd type="triangle"/>
+          </a:ln>
+        </p:spPr>
+        <p:style>
+          <a:lnRef idx="1">
+            <a:schemeClr val="accent1"/>
+          </a:lnRef>
+          <a:fillRef idx="0">
+            <a:schemeClr val="accent1"/>
+          </a:fillRef>
+          <a:effectRef idx="0">
+            <a:schemeClr val="accent1"/>
+          </a:effectRef>
+          <a:fontRef idx="minor">
+            <a:schemeClr val="tx1"/>
+          </a:fontRef>
+        </p:style>
+      </p:cxnSp>
+      <p:sp>
+        <p:nvSpPr>
+          <p:cNvPr id="4" name="Slide Number Placeholder 3"/>
+          <p:cNvSpPr>
+            <a:spLocks noGrp="1"/>
+          </p:cNvSpPr>
+          <p:nvPr>
+            <p:ph type="sldNum" sz="quarter" idx="12"/>
+          </p:nvPr>
+        </p:nvSpPr>
+        <p:spPr/>
+        <p:txBody>
+          <a:bodyPr/>
+          <a:lstStyle/>
+          <a:p>
+            <a:fld id="{4FAB73BC-B049-4115-A692-8D63A059BFB8}" type="slidenum">
+              <a:rPr lang="en-US" smtClean="0"/>
+              <a:t>17</a:t>
+            </a:fld>
+            <a:endParaRPr lang="en-US" dirty="0"/>
+          </a:p>
+        </p:txBody>
+      </p:sp>
+    </p:spTree>
+    <p:extLst>
+      <p:ext uri="{BB962C8B-B14F-4D97-AF65-F5344CB8AC3E}">
+        <p14:creationId xmlns:p14="http://schemas.microsoft.com/office/powerpoint/2010/main" val="3714320483"/>
+      </p:ext>
+    </p:extLst>
+  </p:cSld>
+  <p:clrMapOvr>
+    <a:masterClrMapping/>
+  </p:clrMapOvr>
+</p:sld>
+</file>
+
+<file path=ppt/slides/slide18.xml><?xml version="1.0" encoding="utf-8"?>
+<p:sld xmlns:a="http://schemas.openxmlformats.org/drawingml/2006/main" xmlns:r="http://schemas.openxmlformats.org/officeDocument/2006/relationships" xmlns:p="http://schemas.openxmlformats.org/presentationml/2006/main">
+  <p:cSld>
+    <p:spTree>
+      <p:nvGrpSpPr>
+        <p:cNvPr id="1" name=""/>
+        <p:cNvGrpSpPr/>
+        <p:nvPr/>
+      </p:nvGrpSpPr>
+      <p:grpSpPr>
+        <a:xfrm>
+          <a:off x="0" y="0"/>
+          <a:ext cx="0" cy="0"/>
+          <a:chOff x="0" y="0"/>
+          <a:chExt cx="0" cy="0"/>
+        </a:xfrm>
+      </p:grpSpPr>
+      <p:sp>
+        <p:nvSpPr>
+          <p:cNvPr id="2" name="Symbol zastępczy stopki 1">
+            <a:extLst>
+              <a:ext uri="{FF2B5EF4-FFF2-40B4-BE49-F238E27FC236}">
+                <a16:creationId xmlns:a16="http://schemas.microsoft.com/office/drawing/2014/main" xmlns="" id="{513AF8A2-7BDF-4D84-A166-DE47FE52C117}"/>
+              </a:ext>
+            </a:extLst>
+          </p:cNvPr>
+          <p:cNvSpPr>
+            <a:spLocks noGrp="1"/>
+          </p:cNvSpPr>
+          <p:nvPr>
+            <p:ph type="ftr" sz="quarter" idx="11"/>
+          </p:nvPr>
+        </p:nvSpPr>
+        <p:spPr/>
+        <p:txBody>
+          <a:bodyPr/>
+          <a:lstStyle/>
+          <a:p>
+            <a:r>
+              <a:rPr lang="en-US" smtClean="0"/>
+              <a:t>Developing SQL Databases</a:t>
+            </a:r>
+            <a:endParaRPr lang="en-US" dirty="0"/>
+          </a:p>
+        </p:txBody>
+      </p:sp>
+      <p:pic>
+        <p:nvPicPr>
+          <p:cNvPr id="3" name="Obraz 2">
+            <a:extLst>
+              <a:ext uri="{FF2B5EF4-FFF2-40B4-BE49-F238E27FC236}">
+                <a16:creationId xmlns:a16="http://schemas.microsoft.com/office/drawing/2014/main" xmlns="" id="{FABAE51B-F71B-495E-89A0-B2125C1AA517}"/>
+              </a:ext>
+            </a:extLst>
+          </p:cNvPr>
+          <p:cNvPicPr>
+            <a:picLocks noChangeAspect="1"/>
+          </p:cNvPicPr>
+          <p:nvPr/>
+        </p:nvPicPr>
+        <p:blipFill>
+          <a:blip r:embed="rId2"/>
+          <a:stretch>
+            <a:fillRect/>
+          </a:stretch>
+        </p:blipFill>
+        <p:spPr>
+          <a:xfrm>
+            <a:off x="2414928" y="754529"/>
+            <a:ext cx="7362143" cy="5348942"/>
+          </a:xfrm>
+          <a:prstGeom prst="rect">
+            <a:avLst/>
+          </a:prstGeom>
+        </p:spPr>
+      </p:pic>
+      <p:sp>
+        <p:nvSpPr>
+          <p:cNvPr id="4" name="pole tekstowe 3">
+            <a:extLst>
+              <a:ext uri="{FF2B5EF4-FFF2-40B4-BE49-F238E27FC236}">
+                <a16:creationId xmlns:a16="http://schemas.microsoft.com/office/drawing/2014/main" xmlns="" id="{CF5DAB59-765A-4114-BAD4-56E2FE89E83E}"/>
+              </a:ext>
+            </a:extLst>
+          </p:cNvPr>
+          <p:cNvSpPr txBox="1"/>
+          <p:nvPr/>
+        </p:nvSpPr>
+        <p:spPr>
+          <a:xfrm>
+            <a:off x="604007" y="662730"/>
+            <a:ext cx="7108008" cy="461665"/>
+          </a:xfrm>
+          <a:prstGeom prst="rect">
+            <a:avLst/>
+          </a:prstGeom>
+          <a:noFill/>
+        </p:spPr>
+        <p:txBody>
+          <a:bodyPr wrap="square" rtlCol="0">
+            <a:spAutoFit/>
+          </a:bodyPr>
+          <a:lstStyle/>
+          <a:p>
+            <a:pPr lvl="1" algn="just"/>
+            <a:r>
+              <a:rPr lang="pl-PL" sz="2400" b="1" dirty="0"/>
+              <a:t>AW DW</a:t>
+            </a:r>
+          </a:p>
+        </p:txBody>
+      </p:sp>
+      <p:sp>
+        <p:nvSpPr>
+          <p:cNvPr id="5" name="Slide Number Placeholder 4"/>
+          <p:cNvSpPr>
+            <a:spLocks noGrp="1"/>
+          </p:cNvSpPr>
+          <p:nvPr>
+            <p:ph type="sldNum" sz="quarter" idx="12"/>
+          </p:nvPr>
+        </p:nvSpPr>
+        <p:spPr/>
+        <p:txBody>
+          <a:bodyPr/>
+          <a:lstStyle/>
+          <a:p>
+            <a:fld id="{4FAB73BC-B049-4115-A692-8D63A059BFB8}" type="slidenum">
+              <a:rPr lang="en-US" smtClean="0"/>
+              <a:t>18</a:t>
+            </a:fld>
+            <a:endParaRPr lang="en-US" dirty="0"/>
+          </a:p>
+        </p:txBody>
+      </p:sp>
+    </p:spTree>
+    <p:extLst>
+      <p:ext uri="{BB962C8B-B14F-4D97-AF65-F5344CB8AC3E}">
+        <p14:creationId xmlns:p14="http://schemas.microsoft.com/office/powerpoint/2010/main" val="2547655149"/>
       </p:ext>
     </p:extLst>
   </p:cSld>
@@ -7202,21 +10956,21 @@
                 <a:gridCol w="1066800">
                   <a:extLst>
                     <a:ext uri="{9D8B030D-6E8A-4147-A177-3AD203B41FA5}">
-                      <a16:colId xmlns:a16="http://schemas.microsoft.com/office/drawing/2014/main" val="502756373"/>
+                      <a16:colId xmlns:a16="http://schemas.microsoft.com/office/drawing/2014/main" xmlns="" val="502756373"/>
                     </a:ext>
                   </a:extLst>
                 </a:gridCol>
                 <a:gridCol w="1066800">
                   <a:extLst>
                     <a:ext uri="{9D8B030D-6E8A-4147-A177-3AD203B41FA5}">
-                      <a16:colId xmlns:a16="http://schemas.microsoft.com/office/drawing/2014/main" val="52073147"/>
+                      <a16:colId xmlns:a16="http://schemas.microsoft.com/office/drawing/2014/main" xmlns="" val="52073147"/>
                     </a:ext>
                   </a:extLst>
                 </a:gridCol>
                 <a:gridCol w="1066800">
                   <a:extLst>
                     <a:ext uri="{9D8B030D-6E8A-4147-A177-3AD203B41FA5}">
-                      <a16:colId xmlns:a16="http://schemas.microsoft.com/office/drawing/2014/main" val="592811013"/>
+                      <a16:colId xmlns:a16="http://schemas.microsoft.com/office/drawing/2014/main" xmlns="" val="592811013"/>
                     </a:ext>
                   </a:extLst>
                 </a:gridCol>
@@ -7317,7 +11071,7 @@
                 </a:tc>
                 <a:extLst>
                   <a:ext uri="{0D108BD9-81ED-4DB2-BD59-A6C34878D82A}">
-                    <a16:rowId xmlns:a16="http://schemas.microsoft.com/office/drawing/2014/main" val="10957453"/>
+                    <a16:rowId xmlns:a16="http://schemas.microsoft.com/office/drawing/2014/main" xmlns="" val="10957453"/>
                   </a:ext>
                 </a:extLst>
               </a:tr>
@@ -7396,7 +11150,7 @@
                 </a:tc>
                 <a:extLst>
                   <a:ext uri="{0D108BD9-81ED-4DB2-BD59-A6C34878D82A}">
-                    <a16:rowId xmlns:a16="http://schemas.microsoft.com/office/drawing/2014/main" val="3321398581"/>
+                    <a16:rowId xmlns:a16="http://schemas.microsoft.com/office/drawing/2014/main" xmlns="" val="3321398581"/>
                   </a:ext>
                 </a:extLst>
               </a:tr>
@@ -7475,7 +11229,7 @@
                 </a:tc>
                 <a:extLst>
                   <a:ext uri="{0D108BD9-81ED-4DB2-BD59-A6C34878D82A}">
-                    <a16:rowId xmlns:a16="http://schemas.microsoft.com/office/drawing/2014/main" val="1089067337"/>
+                    <a16:rowId xmlns:a16="http://schemas.microsoft.com/office/drawing/2014/main" xmlns="" val="1089067337"/>
                   </a:ext>
                 </a:extLst>
               </a:tr>
@@ -7554,7 +11308,7 @@
                 </a:tc>
                 <a:extLst>
                   <a:ext uri="{0D108BD9-81ED-4DB2-BD59-A6C34878D82A}">
-                    <a16:rowId xmlns:a16="http://schemas.microsoft.com/office/drawing/2014/main" val="4077447181"/>
+                    <a16:rowId xmlns:a16="http://schemas.microsoft.com/office/drawing/2014/main" xmlns="" val="4077447181"/>
                   </a:ext>
                 </a:extLst>
               </a:tr>
@@ -7633,7 +11387,7 @@
                 </a:tc>
                 <a:extLst>
                   <a:ext uri="{0D108BD9-81ED-4DB2-BD59-A6C34878D82A}">
-                    <a16:rowId xmlns:a16="http://schemas.microsoft.com/office/drawing/2014/main" val="1346830016"/>
+                    <a16:rowId xmlns:a16="http://schemas.microsoft.com/office/drawing/2014/main" xmlns="" val="1346830016"/>
                   </a:ext>
                 </a:extLst>
               </a:tr>
@@ -7712,7 +11466,7 @@
                 </a:tc>
                 <a:extLst>
                   <a:ext uri="{0D108BD9-81ED-4DB2-BD59-A6C34878D82A}">
-                    <a16:rowId xmlns:a16="http://schemas.microsoft.com/office/drawing/2014/main" val="2272854512"/>
+                    <a16:rowId xmlns:a16="http://schemas.microsoft.com/office/drawing/2014/main" xmlns="" val="2272854512"/>
                   </a:ext>
                 </a:extLst>
               </a:tr>
@@ -7791,7 +11545,7 @@
                 </a:tc>
                 <a:extLst>
                   <a:ext uri="{0D108BD9-81ED-4DB2-BD59-A6C34878D82A}">
-                    <a16:rowId xmlns:a16="http://schemas.microsoft.com/office/drawing/2014/main" val="3639625872"/>
+                    <a16:rowId xmlns:a16="http://schemas.microsoft.com/office/drawing/2014/main" xmlns="" val="3639625872"/>
                   </a:ext>
                 </a:extLst>
               </a:tr>
@@ -7823,21 +11577,21 @@
                 <a:gridCol w="1066800">
                   <a:extLst>
                     <a:ext uri="{9D8B030D-6E8A-4147-A177-3AD203B41FA5}">
-                      <a16:colId xmlns:a16="http://schemas.microsoft.com/office/drawing/2014/main" val="1572859559"/>
+                      <a16:colId xmlns:a16="http://schemas.microsoft.com/office/drawing/2014/main" xmlns="" val="1572859559"/>
                     </a:ext>
                   </a:extLst>
                 </a:gridCol>
                 <a:gridCol w="1066800">
                   <a:extLst>
                     <a:ext uri="{9D8B030D-6E8A-4147-A177-3AD203B41FA5}">
-                      <a16:colId xmlns:a16="http://schemas.microsoft.com/office/drawing/2014/main" val="1652298294"/>
+                      <a16:colId xmlns:a16="http://schemas.microsoft.com/office/drawing/2014/main" xmlns="" val="1652298294"/>
                     </a:ext>
                   </a:extLst>
                 </a:gridCol>
                 <a:gridCol w="1066800">
                   <a:extLst>
                     <a:ext uri="{9D8B030D-6E8A-4147-A177-3AD203B41FA5}">
-                      <a16:colId xmlns:a16="http://schemas.microsoft.com/office/drawing/2014/main" val="1607799015"/>
+                      <a16:colId xmlns:a16="http://schemas.microsoft.com/office/drawing/2014/main" xmlns="" val="1607799015"/>
                     </a:ext>
                   </a:extLst>
                 </a:gridCol>
@@ -7935,7 +11689,7 @@
                 </a:tc>
                 <a:extLst>
                   <a:ext uri="{0D108BD9-81ED-4DB2-BD59-A6C34878D82A}">
-                    <a16:rowId xmlns:a16="http://schemas.microsoft.com/office/drawing/2014/main" val="1479694412"/>
+                    <a16:rowId xmlns:a16="http://schemas.microsoft.com/office/drawing/2014/main" xmlns="" val="1479694412"/>
                   </a:ext>
                 </a:extLst>
               </a:tr>
@@ -8011,7 +11765,7 @@
                 </a:tc>
                 <a:extLst>
                   <a:ext uri="{0D108BD9-81ED-4DB2-BD59-A6C34878D82A}">
-                    <a16:rowId xmlns:a16="http://schemas.microsoft.com/office/drawing/2014/main" val="2725420769"/>
+                    <a16:rowId xmlns:a16="http://schemas.microsoft.com/office/drawing/2014/main" xmlns="" val="2725420769"/>
                   </a:ext>
                 </a:extLst>
               </a:tr>
@@ -8087,7 +11841,7 @@
                 </a:tc>
                 <a:extLst>
                   <a:ext uri="{0D108BD9-81ED-4DB2-BD59-A6C34878D82A}">
-                    <a16:rowId xmlns:a16="http://schemas.microsoft.com/office/drawing/2014/main" val="2601961725"/>
+                    <a16:rowId xmlns:a16="http://schemas.microsoft.com/office/drawing/2014/main" xmlns="" val="2601961725"/>
                   </a:ext>
                 </a:extLst>
               </a:tr>
@@ -8163,7 +11917,7 @@
                 </a:tc>
                 <a:extLst>
                   <a:ext uri="{0D108BD9-81ED-4DB2-BD59-A6C34878D82A}">
-                    <a16:rowId xmlns:a16="http://schemas.microsoft.com/office/drawing/2014/main" val="1581199139"/>
+                    <a16:rowId xmlns:a16="http://schemas.microsoft.com/office/drawing/2014/main" xmlns="" val="1581199139"/>
                   </a:ext>
                 </a:extLst>
               </a:tr>
@@ -8239,7 +11993,7 @@
                 </a:tc>
                 <a:extLst>
                   <a:ext uri="{0D108BD9-81ED-4DB2-BD59-A6C34878D82A}">
-                    <a16:rowId xmlns:a16="http://schemas.microsoft.com/office/drawing/2014/main" val="2850352408"/>
+                    <a16:rowId xmlns:a16="http://schemas.microsoft.com/office/drawing/2014/main" xmlns="" val="2850352408"/>
                   </a:ext>
                 </a:extLst>
               </a:tr>
@@ -8315,7 +12069,7 @@
                 </a:tc>
                 <a:extLst>
                   <a:ext uri="{0D108BD9-81ED-4DB2-BD59-A6C34878D82A}">
-                    <a16:rowId xmlns:a16="http://schemas.microsoft.com/office/drawing/2014/main" val="3792095379"/>
+                    <a16:rowId xmlns:a16="http://schemas.microsoft.com/office/drawing/2014/main" xmlns="" val="3792095379"/>
                   </a:ext>
                 </a:extLst>
               </a:tr>
@@ -8391,7 +12145,7 @@
                 </a:tc>
                 <a:extLst>
                   <a:ext uri="{0D108BD9-81ED-4DB2-BD59-A6C34878D82A}">
-                    <a16:rowId xmlns:a16="http://schemas.microsoft.com/office/drawing/2014/main" val="3459537390"/>
+                    <a16:rowId xmlns:a16="http://schemas.microsoft.com/office/drawing/2014/main" xmlns="" val="3459537390"/>
                   </a:ext>
                 </a:extLst>
               </a:tr>
@@ -8467,7 +12221,7 @@
                 </a:tc>
                 <a:extLst>
                   <a:ext uri="{0D108BD9-81ED-4DB2-BD59-A6C34878D82A}">
-                    <a16:rowId xmlns:a16="http://schemas.microsoft.com/office/drawing/2014/main" val="1586441893"/>
+                    <a16:rowId xmlns:a16="http://schemas.microsoft.com/office/drawing/2014/main" xmlns="" val="1586441893"/>
                   </a:ext>
                 </a:extLst>
               </a:tr>
@@ -8543,7 +12297,7 @@
                 </a:tc>
                 <a:extLst>
                   <a:ext uri="{0D108BD9-81ED-4DB2-BD59-A6C34878D82A}">
-                    <a16:rowId xmlns:a16="http://schemas.microsoft.com/office/drawing/2014/main" val="1235968592"/>
+                    <a16:rowId xmlns:a16="http://schemas.microsoft.com/office/drawing/2014/main" xmlns="" val="1235968592"/>
                   </a:ext>
                 </a:extLst>
               </a:tr>
@@ -8772,21 +12526,21 @@
                 <a:gridCol w="1066800">
                   <a:extLst>
                     <a:ext uri="{9D8B030D-6E8A-4147-A177-3AD203B41FA5}">
-                      <a16:colId xmlns:a16="http://schemas.microsoft.com/office/drawing/2014/main" val="1572859559"/>
+                      <a16:colId xmlns:a16="http://schemas.microsoft.com/office/drawing/2014/main" xmlns="" val="1572859559"/>
                     </a:ext>
                   </a:extLst>
                 </a:gridCol>
                 <a:gridCol w="1066800">
                   <a:extLst>
                     <a:ext uri="{9D8B030D-6E8A-4147-A177-3AD203B41FA5}">
-                      <a16:colId xmlns:a16="http://schemas.microsoft.com/office/drawing/2014/main" val="1652298294"/>
+                      <a16:colId xmlns:a16="http://schemas.microsoft.com/office/drawing/2014/main" xmlns="" val="1652298294"/>
                     </a:ext>
                   </a:extLst>
                 </a:gridCol>
                 <a:gridCol w="1066800">
                   <a:extLst>
                     <a:ext uri="{9D8B030D-6E8A-4147-A177-3AD203B41FA5}">
-                      <a16:colId xmlns:a16="http://schemas.microsoft.com/office/drawing/2014/main" val="1607799015"/>
+                      <a16:colId xmlns:a16="http://schemas.microsoft.com/office/drawing/2014/main" xmlns="" val="1607799015"/>
                     </a:ext>
                   </a:extLst>
                 </a:gridCol>
@@ -8884,7 +12638,7 @@
                 </a:tc>
                 <a:extLst>
                   <a:ext uri="{0D108BD9-81ED-4DB2-BD59-A6C34878D82A}">
-                    <a16:rowId xmlns:a16="http://schemas.microsoft.com/office/drawing/2014/main" val="1479694412"/>
+                    <a16:rowId xmlns:a16="http://schemas.microsoft.com/office/drawing/2014/main" xmlns="" val="1479694412"/>
                   </a:ext>
                 </a:extLst>
               </a:tr>
@@ -8960,7 +12714,7 @@
                 </a:tc>
                 <a:extLst>
                   <a:ext uri="{0D108BD9-81ED-4DB2-BD59-A6C34878D82A}">
-                    <a16:rowId xmlns:a16="http://schemas.microsoft.com/office/drawing/2014/main" val="2725420769"/>
+                    <a16:rowId xmlns:a16="http://schemas.microsoft.com/office/drawing/2014/main" xmlns="" val="2725420769"/>
                   </a:ext>
                 </a:extLst>
               </a:tr>
@@ -9036,7 +12790,7 @@
                 </a:tc>
                 <a:extLst>
                   <a:ext uri="{0D108BD9-81ED-4DB2-BD59-A6C34878D82A}">
-                    <a16:rowId xmlns:a16="http://schemas.microsoft.com/office/drawing/2014/main" val="2601961725"/>
+                    <a16:rowId xmlns:a16="http://schemas.microsoft.com/office/drawing/2014/main" xmlns="" val="2601961725"/>
                   </a:ext>
                 </a:extLst>
               </a:tr>
@@ -9112,7 +12866,7 @@
                 </a:tc>
                 <a:extLst>
                   <a:ext uri="{0D108BD9-81ED-4DB2-BD59-A6C34878D82A}">
-                    <a16:rowId xmlns:a16="http://schemas.microsoft.com/office/drawing/2014/main" val="1581199139"/>
+                    <a16:rowId xmlns:a16="http://schemas.microsoft.com/office/drawing/2014/main" xmlns="" val="1581199139"/>
                   </a:ext>
                 </a:extLst>
               </a:tr>
@@ -9188,7 +12942,7 @@
                 </a:tc>
                 <a:extLst>
                   <a:ext uri="{0D108BD9-81ED-4DB2-BD59-A6C34878D82A}">
-                    <a16:rowId xmlns:a16="http://schemas.microsoft.com/office/drawing/2014/main" val="2850352408"/>
+                    <a16:rowId xmlns:a16="http://schemas.microsoft.com/office/drawing/2014/main" xmlns="" val="2850352408"/>
                   </a:ext>
                 </a:extLst>
               </a:tr>
@@ -9264,7 +13018,7 @@
                 </a:tc>
                 <a:extLst>
                   <a:ext uri="{0D108BD9-81ED-4DB2-BD59-A6C34878D82A}">
-                    <a16:rowId xmlns:a16="http://schemas.microsoft.com/office/drawing/2014/main" val="3792095379"/>
+                    <a16:rowId xmlns:a16="http://schemas.microsoft.com/office/drawing/2014/main" xmlns="" val="3792095379"/>
                   </a:ext>
                 </a:extLst>
               </a:tr>
@@ -9340,7 +13094,7 @@
                 </a:tc>
                 <a:extLst>
                   <a:ext uri="{0D108BD9-81ED-4DB2-BD59-A6C34878D82A}">
-                    <a16:rowId xmlns:a16="http://schemas.microsoft.com/office/drawing/2014/main" val="3459537390"/>
+                    <a16:rowId xmlns:a16="http://schemas.microsoft.com/office/drawing/2014/main" xmlns="" val="3459537390"/>
                   </a:ext>
                 </a:extLst>
               </a:tr>
@@ -9416,7 +13170,7 @@
                 </a:tc>
                 <a:extLst>
                   <a:ext uri="{0D108BD9-81ED-4DB2-BD59-A6C34878D82A}">
-                    <a16:rowId xmlns:a16="http://schemas.microsoft.com/office/drawing/2014/main" val="1586441893"/>
+                    <a16:rowId xmlns:a16="http://schemas.microsoft.com/office/drawing/2014/main" xmlns="" val="1586441893"/>
                   </a:ext>
                 </a:extLst>
               </a:tr>
@@ -9492,7 +13246,7 @@
                 </a:tc>
                 <a:extLst>
                   <a:ext uri="{0D108BD9-81ED-4DB2-BD59-A6C34878D82A}">
-                    <a16:rowId xmlns:a16="http://schemas.microsoft.com/office/drawing/2014/main" val="1235968592"/>
+                    <a16:rowId xmlns:a16="http://schemas.microsoft.com/office/drawing/2014/main" xmlns="" val="1235968592"/>
                   </a:ext>
                 </a:extLst>
               </a:tr>
@@ -9564,14 +13318,14 @@
                 <a:gridCol w="1066800">
                   <a:extLst>
                     <a:ext uri="{9D8B030D-6E8A-4147-A177-3AD203B41FA5}">
-                      <a16:colId xmlns:a16="http://schemas.microsoft.com/office/drawing/2014/main" val="2468076638"/>
+                      <a16:colId xmlns:a16="http://schemas.microsoft.com/office/drawing/2014/main" xmlns="" val="2468076638"/>
                     </a:ext>
                   </a:extLst>
                 </a:gridCol>
                 <a:gridCol w="1066800">
                   <a:extLst>
                     <a:ext uri="{9D8B030D-6E8A-4147-A177-3AD203B41FA5}">
-                      <a16:colId xmlns:a16="http://schemas.microsoft.com/office/drawing/2014/main" val="2747047940"/>
+                      <a16:colId xmlns:a16="http://schemas.microsoft.com/office/drawing/2014/main" xmlns="" val="2747047940"/>
                     </a:ext>
                   </a:extLst>
                 </a:gridCol>
@@ -9639,7 +13393,7 @@
                 </a:tc>
                 <a:extLst>
                   <a:ext uri="{0D108BD9-81ED-4DB2-BD59-A6C34878D82A}">
-                    <a16:rowId xmlns:a16="http://schemas.microsoft.com/office/drawing/2014/main" val="825878341"/>
+                    <a16:rowId xmlns:a16="http://schemas.microsoft.com/office/drawing/2014/main" xmlns="" val="825878341"/>
                   </a:ext>
                 </a:extLst>
               </a:tr>
@@ -9692,7 +13446,7 @@
                 </a:tc>
                 <a:extLst>
                   <a:ext uri="{0D108BD9-81ED-4DB2-BD59-A6C34878D82A}">
-                    <a16:rowId xmlns:a16="http://schemas.microsoft.com/office/drawing/2014/main" val="3579500056"/>
+                    <a16:rowId xmlns:a16="http://schemas.microsoft.com/office/drawing/2014/main" xmlns="" val="3579500056"/>
                   </a:ext>
                 </a:extLst>
               </a:tr>
@@ -9745,7 +13499,7 @@
                 </a:tc>
                 <a:extLst>
                   <a:ext uri="{0D108BD9-81ED-4DB2-BD59-A6C34878D82A}">
-                    <a16:rowId xmlns:a16="http://schemas.microsoft.com/office/drawing/2014/main" val="2100633176"/>
+                    <a16:rowId xmlns:a16="http://schemas.microsoft.com/office/drawing/2014/main" xmlns="" val="2100633176"/>
                   </a:ext>
                 </a:extLst>
               </a:tr>
@@ -9798,7 +13552,7 @@
                 </a:tc>
                 <a:extLst>
                   <a:ext uri="{0D108BD9-81ED-4DB2-BD59-A6C34878D82A}">
-                    <a16:rowId xmlns:a16="http://schemas.microsoft.com/office/drawing/2014/main" val="119818947"/>
+                    <a16:rowId xmlns:a16="http://schemas.microsoft.com/office/drawing/2014/main" xmlns="" val="119818947"/>
                   </a:ext>
                 </a:extLst>
               </a:tr>
@@ -9851,7 +13605,7 @@
                 </a:tc>
                 <a:extLst>
                   <a:ext uri="{0D108BD9-81ED-4DB2-BD59-A6C34878D82A}">
-                    <a16:rowId xmlns:a16="http://schemas.microsoft.com/office/drawing/2014/main" val="3559076012"/>
+                    <a16:rowId xmlns:a16="http://schemas.microsoft.com/office/drawing/2014/main" xmlns="" val="3559076012"/>
                   </a:ext>
                 </a:extLst>
               </a:tr>
@@ -9904,7 +13658,7 @@
                 </a:tc>
                 <a:extLst>
                   <a:ext uri="{0D108BD9-81ED-4DB2-BD59-A6C34878D82A}">
-                    <a16:rowId xmlns:a16="http://schemas.microsoft.com/office/drawing/2014/main" val="2740319448"/>
+                    <a16:rowId xmlns:a16="http://schemas.microsoft.com/office/drawing/2014/main" xmlns="" val="2740319448"/>
                   </a:ext>
                 </a:extLst>
               </a:tr>
@@ -9957,7 +13711,7 @@
                 </a:tc>
                 <a:extLst>
                   <a:ext uri="{0D108BD9-81ED-4DB2-BD59-A6C34878D82A}">
-                    <a16:rowId xmlns:a16="http://schemas.microsoft.com/office/drawing/2014/main" val="2236148254"/>
+                    <a16:rowId xmlns:a16="http://schemas.microsoft.com/office/drawing/2014/main" xmlns="" val="2236148254"/>
                   </a:ext>
                 </a:extLst>
               </a:tr>
@@ -10010,7 +13764,7 @@
                 </a:tc>
                 <a:extLst>
                   <a:ext uri="{0D108BD9-81ED-4DB2-BD59-A6C34878D82A}">
-                    <a16:rowId xmlns:a16="http://schemas.microsoft.com/office/drawing/2014/main" val="570220084"/>
+                    <a16:rowId xmlns:a16="http://schemas.microsoft.com/office/drawing/2014/main" xmlns="" val="570220084"/>
                   </a:ext>
                 </a:extLst>
               </a:tr>
@@ -10063,7 +13817,7 @@
                 </a:tc>
                 <a:extLst>
                   <a:ext uri="{0D108BD9-81ED-4DB2-BD59-A6C34878D82A}">
-                    <a16:rowId xmlns:a16="http://schemas.microsoft.com/office/drawing/2014/main" val="2906774872"/>
+                    <a16:rowId xmlns:a16="http://schemas.microsoft.com/office/drawing/2014/main" xmlns="" val="2906774872"/>
                   </a:ext>
                 </a:extLst>
               </a:tr>
@@ -10095,14 +13849,14 @@
                 <a:gridCol w="1066800">
                   <a:extLst>
                     <a:ext uri="{9D8B030D-6E8A-4147-A177-3AD203B41FA5}">
-                      <a16:colId xmlns:a16="http://schemas.microsoft.com/office/drawing/2014/main" val="3937493629"/>
+                      <a16:colId xmlns:a16="http://schemas.microsoft.com/office/drawing/2014/main" xmlns="" val="3937493629"/>
                     </a:ext>
                   </a:extLst>
                 </a:gridCol>
                 <a:gridCol w="1066800">
                   <a:extLst>
                     <a:ext uri="{9D8B030D-6E8A-4147-A177-3AD203B41FA5}">
-                      <a16:colId xmlns:a16="http://schemas.microsoft.com/office/drawing/2014/main" val="3200567793"/>
+                      <a16:colId xmlns:a16="http://schemas.microsoft.com/office/drawing/2014/main" xmlns="" val="3200567793"/>
                     </a:ext>
                   </a:extLst>
                 </a:gridCol>
@@ -10170,7 +13924,7 @@
                 </a:tc>
                 <a:extLst>
                   <a:ext uri="{0D108BD9-81ED-4DB2-BD59-A6C34878D82A}">
-                    <a16:rowId xmlns:a16="http://schemas.microsoft.com/office/drawing/2014/main" val="1822343156"/>
+                    <a16:rowId xmlns:a16="http://schemas.microsoft.com/office/drawing/2014/main" xmlns="" val="1822343156"/>
                   </a:ext>
                 </a:extLst>
               </a:tr>
@@ -10223,7 +13977,7 @@
                 </a:tc>
                 <a:extLst>
                   <a:ext uri="{0D108BD9-81ED-4DB2-BD59-A6C34878D82A}">
-                    <a16:rowId xmlns:a16="http://schemas.microsoft.com/office/drawing/2014/main" val="3887081602"/>
+                    <a16:rowId xmlns:a16="http://schemas.microsoft.com/office/drawing/2014/main" xmlns="" val="3887081602"/>
                   </a:ext>
                 </a:extLst>
               </a:tr>
@@ -10276,7 +14030,7 @@
                 </a:tc>
                 <a:extLst>
                   <a:ext uri="{0D108BD9-81ED-4DB2-BD59-A6C34878D82A}">
-                    <a16:rowId xmlns:a16="http://schemas.microsoft.com/office/drawing/2014/main" val="2049205238"/>
+                    <a16:rowId xmlns:a16="http://schemas.microsoft.com/office/drawing/2014/main" xmlns="" val="2049205238"/>
                   </a:ext>
                 </a:extLst>
               </a:tr>
@@ -10329,7 +14083,7 @@
                 </a:tc>
                 <a:extLst>
                   <a:ext uri="{0D108BD9-81ED-4DB2-BD59-A6C34878D82A}">
-                    <a16:rowId xmlns:a16="http://schemas.microsoft.com/office/drawing/2014/main" val="1697070654"/>
+                    <a16:rowId xmlns:a16="http://schemas.microsoft.com/office/drawing/2014/main" xmlns="" val="1697070654"/>
                   </a:ext>
                 </a:extLst>
               </a:tr>
@@ -10382,7 +14136,7 @@
                 </a:tc>
                 <a:extLst>
                   <a:ext uri="{0D108BD9-81ED-4DB2-BD59-A6C34878D82A}">
-                    <a16:rowId xmlns:a16="http://schemas.microsoft.com/office/drawing/2014/main" val="859339723"/>
+                    <a16:rowId xmlns:a16="http://schemas.microsoft.com/office/drawing/2014/main" xmlns="" val="859339723"/>
                   </a:ext>
                 </a:extLst>
               </a:tr>
@@ -10435,7 +14189,7 @@
                 </a:tc>
                 <a:extLst>
                   <a:ext uri="{0D108BD9-81ED-4DB2-BD59-A6C34878D82A}">
-                    <a16:rowId xmlns:a16="http://schemas.microsoft.com/office/drawing/2014/main" val="19347109"/>
+                    <a16:rowId xmlns:a16="http://schemas.microsoft.com/office/drawing/2014/main" xmlns="" val="19347109"/>
                   </a:ext>
                 </a:extLst>
               </a:tr>
@@ -10488,7 +14242,7 @@
                 </a:tc>
                 <a:extLst>
                   <a:ext uri="{0D108BD9-81ED-4DB2-BD59-A6C34878D82A}">
-                    <a16:rowId xmlns:a16="http://schemas.microsoft.com/office/drawing/2014/main" val="2236821060"/>
+                    <a16:rowId xmlns:a16="http://schemas.microsoft.com/office/drawing/2014/main" xmlns="" val="2236821060"/>
                   </a:ext>
                 </a:extLst>
               </a:tr>
@@ -10880,14 +14634,14 @@
                 <a:gridCol w="1066800">
                   <a:extLst>
                     <a:ext uri="{9D8B030D-6E8A-4147-A177-3AD203B41FA5}">
-                      <a16:colId xmlns:a16="http://schemas.microsoft.com/office/drawing/2014/main" val="334869654"/>
+                      <a16:colId xmlns:a16="http://schemas.microsoft.com/office/drawing/2014/main" xmlns="" val="334869654"/>
                     </a:ext>
                   </a:extLst>
                 </a:gridCol>
                 <a:gridCol w="1066800">
                   <a:extLst>
                     <a:ext uri="{9D8B030D-6E8A-4147-A177-3AD203B41FA5}">
-                      <a16:colId xmlns:a16="http://schemas.microsoft.com/office/drawing/2014/main" val="2003004228"/>
+                      <a16:colId xmlns:a16="http://schemas.microsoft.com/office/drawing/2014/main" xmlns="" val="2003004228"/>
                     </a:ext>
                   </a:extLst>
                 </a:gridCol>
@@ -10955,7 +14709,7 @@
                 </a:tc>
                 <a:extLst>
                   <a:ext uri="{0D108BD9-81ED-4DB2-BD59-A6C34878D82A}">
-                    <a16:rowId xmlns:a16="http://schemas.microsoft.com/office/drawing/2014/main" val="916487971"/>
+                    <a16:rowId xmlns:a16="http://schemas.microsoft.com/office/drawing/2014/main" xmlns="" val="916487971"/>
                   </a:ext>
                 </a:extLst>
               </a:tr>
@@ -11008,7 +14762,7 @@
                 </a:tc>
                 <a:extLst>
                   <a:ext uri="{0D108BD9-81ED-4DB2-BD59-A6C34878D82A}">
-                    <a16:rowId xmlns:a16="http://schemas.microsoft.com/office/drawing/2014/main" val="128650761"/>
+                    <a16:rowId xmlns:a16="http://schemas.microsoft.com/office/drawing/2014/main" xmlns="" val="128650761"/>
                   </a:ext>
                 </a:extLst>
               </a:tr>
@@ -11061,7 +14815,7 @@
                 </a:tc>
                 <a:extLst>
                   <a:ext uri="{0D108BD9-81ED-4DB2-BD59-A6C34878D82A}">
-                    <a16:rowId xmlns:a16="http://schemas.microsoft.com/office/drawing/2014/main" val="1914734532"/>
+                    <a16:rowId xmlns:a16="http://schemas.microsoft.com/office/drawing/2014/main" xmlns="" val="1914734532"/>
                   </a:ext>
                 </a:extLst>
               </a:tr>
@@ -11114,7 +14868,7 @@
                 </a:tc>
                 <a:extLst>
                   <a:ext uri="{0D108BD9-81ED-4DB2-BD59-A6C34878D82A}">
-                    <a16:rowId xmlns:a16="http://schemas.microsoft.com/office/drawing/2014/main" val="3912239904"/>
+                    <a16:rowId xmlns:a16="http://schemas.microsoft.com/office/drawing/2014/main" xmlns="" val="3912239904"/>
                   </a:ext>
                 </a:extLst>
               </a:tr>
@@ -11167,7 +14921,7 @@
                 </a:tc>
                 <a:extLst>
                   <a:ext uri="{0D108BD9-81ED-4DB2-BD59-A6C34878D82A}">
-                    <a16:rowId xmlns:a16="http://schemas.microsoft.com/office/drawing/2014/main" val="4058870545"/>
+                    <a16:rowId xmlns:a16="http://schemas.microsoft.com/office/drawing/2014/main" xmlns="" val="4058870545"/>
                   </a:ext>
                 </a:extLst>
               </a:tr>
@@ -11220,7 +14974,7 @@
                 </a:tc>
                 <a:extLst>
                   <a:ext uri="{0D108BD9-81ED-4DB2-BD59-A6C34878D82A}">
-                    <a16:rowId xmlns:a16="http://schemas.microsoft.com/office/drawing/2014/main" val="406489611"/>
+                    <a16:rowId xmlns:a16="http://schemas.microsoft.com/office/drawing/2014/main" xmlns="" val="406489611"/>
                   </a:ext>
                 </a:extLst>
               </a:tr>
@@ -11273,7 +15027,7 @@
                 </a:tc>
                 <a:extLst>
                   <a:ext uri="{0D108BD9-81ED-4DB2-BD59-A6C34878D82A}">
-                    <a16:rowId xmlns:a16="http://schemas.microsoft.com/office/drawing/2014/main" val="3789918354"/>
+                    <a16:rowId xmlns:a16="http://schemas.microsoft.com/office/drawing/2014/main" xmlns="" val="3789918354"/>
                   </a:ext>
                 </a:extLst>
               </a:tr>
@@ -11305,14 +15059,14 @@
                 <a:gridCol w="1066800">
                   <a:extLst>
                     <a:ext uri="{9D8B030D-6E8A-4147-A177-3AD203B41FA5}">
-                      <a16:colId xmlns:a16="http://schemas.microsoft.com/office/drawing/2014/main" val="4198732319"/>
+                      <a16:colId xmlns:a16="http://schemas.microsoft.com/office/drawing/2014/main" xmlns="" val="4198732319"/>
                     </a:ext>
                   </a:extLst>
                 </a:gridCol>
                 <a:gridCol w="1066800">
                   <a:extLst>
                     <a:ext uri="{9D8B030D-6E8A-4147-A177-3AD203B41FA5}">
-                      <a16:colId xmlns:a16="http://schemas.microsoft.com/office/drawing/2014/main" val="3755506362"/>
+                      <a16:colId xmlns:a16="http://schemas.microsoft.com/office/drawing/2014/main" xmlns="" val="3755506362"/>
                     </a:ext>
                   </a:extLst>
                 </a:gridCol>
@@ -11380,7 +15134,7 @@
                 </a:tc>
                 <a:extLst>
                   <a:ext uri="{0D108BD9-81ED-4DB2-BD59-A6C34878D82A}">
-                    <a16:rowId xmlns:a16="http://schemas.microsoft.com/office/drawing/2014/main" val="2304610393"/>
+                    <a16:rowId xmlns:a16="http://schemas.microsoft.com/office/drawing/2014/main" xmlns="" val="2304610393"/>
                   </a:ext>
                 </a:extLst>
               </a:tr>
@@ -11433,7 +15187,7 @@
                 </a:tc>
                 <a:extLst>
                   <a:ext uri="{0D108BD9-81ED-4DB2-BD59-A6C34878D82A}">
-                    <a16:rowId xmlns:a16="http://schemas.microsoft.com/office/drawing/2014/main" val="3984376355"/>
+                    <a16:rowId xmlns:a16="http://schemas.microsoft.com/office/drawing/2014/main" xmlns="" val="3984376355"/>
                   </a:ext>
                 </a:extLst>
               </a:tr>
@@ -11486,7 +15240,7 @@
                 </a:tc>
                 <a:extLst>
                   <a:ext uri="{0D108BD9-81ED-4DB2-BD59-A6C34878D82A}">
-                    <a16:rowId xmlns:a16="http://schemas.microsoft.com/office/drawing/2014/main" val="3005757244"/>
+                    <a16:rowId xmlns:a16="http://schemas.microsoft.com/office/drawing/2014/main" xmlns="" val="3005757244"/>
                   </a:ext>
                 </a:extLst>
               </a:tr>
@@ -11539,7 +15293,7 @@
                 </a:tc>
                 <a:extLst>
                   <a:ext uri="{0D108BD9-81ED-4DB2-BD59-A6C34878D82A}">
-                    <a16:rowId xmlns:a16="http://schemas.microsoft.com/office/drawing/2014/main" val="1488501255"/>
+                    <a16:rowId xmlns:a16="http://schemas.microsoft.com/office/drawing/2014/main" xmlns="" val="1488501255"/>
                   </a:ext>
                 </a:extLst>
               </a:tr>
@@ -11592,7 +15346,7 @@
                 </a:tc>
                 <a:extLst>
                   <a:ext uri="{0D108BD9-81ED-4DB2-BD59-A6C34878D82A}">
-                    <a16:rowId xmlns:a16="http://schemas.microsoft.com/office/drawing/2014/main" val="2545151666"/>
+                    <a16:rowId xmlns:a16="http://schemas.microsoft.com/office/drawing/2014/main" xmlns="" val="2545151666"/>
                   </a:ext>
                 </a:extLst>
               </a:tr>
@@ -11645,7 +15399,7 @@
                 </a:tc>
                 <a:extLst>
                   <a:ext uri="{0D108BD9-81ED-4DB2-BD59-A6C34878D82A}">
-                    <a16:rowId xmlns:a16="http://schemas.microsoft.com/office/drawing/2014/main" val="1642949649"/>
+                    <a16:rowId xmlns:a16="http://schemas.microsoft.com/office/drawing/2014/main" xmlns="" val="1642949649"/>
                   </a:ext>
                 </a:extLst>
               </a:tr>
@@ -11698,7 +15452,7 @@
                 </a:tc>
                 <a:extLst>
                   <a:ext uri="{0D108BD9-81ED-4DB2-BD59-A6C34878D82A}">
-                    <a16:rowId xmlns:a16="http://schemas.microsoft.com/office/drawing/2014/main" val="2962424579"/>
+                    <a16:rowId xmlns:a16="http://schemas.microsoft.com/office/drawing/2014/main" xmlns="" val="2962424579"/>
                   </a:ext>
                 </a:extLst>
               </a:tr>
@@ -11730,21 +15484,21 @@
                 <a:gridCol w="1066800">
                   <a:extLst>
                     <a:ext uri="{9D8B030D-6E8A-4147-A177-3AD203B41FA5}">
-                      <a16:colId xmlns:a16="http://schemas.microsoft.com/office/drawing/2014/main" val="3464484875"/>
+                      <a16:colId xmlns:a16="http://schemas.microsoft.com/office/drawing/2014/main" xmlns="" val="3464484875"/>
                     </a:ext>
                   </a:extLst>
                 </a:gridCol>
                 <a:gridCol w="1066800">
                   <a:extLst>
                     <a:ext uri="{9D8B030D-6E8A-4147-A177-3AD203B41FA5}">
-                      <a16:colId xmlns:a16="http://schemas.microsoft.com/office/drawing/2014/main" val="73250371"/>
+                      <a16:colId xmlns:a16="http://schemas.microsoft.com/office/drawing/2014/main" xmlns="" val="73250371"/>
                     </a:ext>
                   </a:extLst>
                 </a:gridCol>
                 <a:gridCol w="1066800">
                   <a:extLst>
                     <a:ext uri="{9D8B030D-6E8A-4147-A177-3AD203B41FA5}">
-                      <a16:colId xmlns:a16="http://schemas.microsoft.com/office/drawing/2014/main" val="1289956361"/>
+                      <a16:colId xmlns:a16="http://schemas.microsoft.com/office/drawing/2014/main" xmlns="" val="1289956361"/>
                     </a:ext>
                   </a:extLst>
                 </a:gridCol>
@@ -11842,7 +15596,7 @@
                 </a:tc>
                 <a:extLst>
                   <a:ext uri="{0D108BD9-81ED-4DB2-BD59-A6C34878D82A}">
-                    <a16:rowId xmlns:a16="http://schemas.microsoft.com/office/drawing/2014/main" val="2880896956"/>
+                    <a16:rowId xmlns:a16="http://schemas.microsoft.com/office/drawing/2014/main" xmlns="" val="2880896956"/>
                   </a:ext>
                 </a:extLst>
               </a:tr>
@@ -11918,7 +15672,7 @@
                 </a:tc>
                 <a:extLst>
                   <a:ext uri="{0D108BD9-81ED-4DB2-BD59-A6C34878D82A}">
-                    <a16:rowId xmlns:a16="http://schemas.microsoft.com/office/drawing/2014/main" val="1334987509"/>
+                    <a16:rowId xmlns:a16="http://schemas.microsoft.com/office/drawing/2014/main" xmlns="" val="1334987509"/>
                   </a:ext>
                 </a:extLst>
               </a:tr>
@@ -11994,7 +15748,7 @@
                 </a:tc>
                 <a:extLst>
                   <a:ext uri="{0D108BD9-81ED-4DB2-BD59-A6C34878D82A}">
-                    <a16:rowId xmlns:a16="http://schemas.microsoft.com/office/drawing/2014/main" val="503962464"/>
+                    <a16:rowId xmlns:a16="http://schemas.microsoft.com/office/drawing/2014/main" xmlns="" val="503962464"/>
                   </a:ext>
                 </a:extLst>
               </a:tr>
@@ -12070,7 +15824,7 @@
                 </a:tc>
                 <a:extLst>
                   <a:ext uri="{0D108BD9-81ED-4DB2-BD59-A6C34878D82A}">
-                    <a16:rowId xmlns:a16="http://schemas.microsoft.com/office/drawing/2014/main" val="4272614088"/>
+                    <a16:rowId xmlns:a16="http://schemas.microsoft.com/office/drawing/2014/main" xmlns="" val="4272614088"/>
                   </a:ext>
                 </a:extLst>
               </a:tr>
@@ -12146,7 +15900,7 @@
                 </a:tc>
                 <a:extLst>
                   <a:ext uri="{0D108BD9-81ED-4DB2-BD59-A6C34878D82A}">
-                    <a16:rowId xmlns:a16="http://schemas.microsoft.com/office/drawing/2014/main" val="1348949014"/>
+                    <a16:rowId xmlns:a16="http://schemas.microsoft.com/office/drawing/2014/main" xmlns="" val="1348949014"/>
                   </a:ext>
                 </a:extLst>
               </a:tr>
@@ -12222,7 +15976,7 @@
                 </a:tc>
                 <a:extLst>
                   <a:ext uri="{0D108BD9-81ED-4DB2-BD59-A6C34878D82A}">
-                    <a16:rowId xmlns:a16="http://schemas.microsoft.com/office/drawing/2014/main" val="2579499784"/>
+                    <a16:rowId xmlns:a16="http://schemas.microsoft.com/office/drawing/2014/main" xmlns="" val="2579499784"/>
                   </a:ext>
                 </a:extLst>
               </a:tr>
@@ -12298,7 +16052,7 @@
                 </a:tc>
                 <a:extLst>
                   <a:ext uri="{0D108BD9-81ED-4DB2-BD59-A6C34878D82A}">
-                    <a16:rowId xmlns:a16="http://schemas.microsoft.com/office/drawing/2014/main" val="3977677627"/>
+                    <a16:rowId xmlns:a16="http://schemas.microsoft.com/office/drawing/2014/main" xmlns="" val="3977677627"/>
                   </a:ext>
                 </a:extLst>
               </a:tr>
@@ -12370,7 +16124,7 @@
                 <a:gridCol w="1485900">
                   <a:extLst>
                     <a:ext uri="{9D8B030D-6E8A-4147-A177-3AD203B41FA5}">
-                      <a16:colId xmlns:a16="http://schemas.microsoft.com/office/drawing/2014/main" val="2604093717"/>
+                      <a16:colId xmlns:a16="http://schemas.microsoft.com/office/drawing/2014/main" xmlns="" val="2604093717"/>
                     </a:ext>
                   </a:extLst>
                 </a:gridCol>
@@ -12401,7 +16155,7 @@
                 </a:tc>
                 <a:extLst>
                   <a:ext uri="{0D108BD9-81ED-4DB2-BD59-A6C34878D82A}">
-                    <a16:rowId xmlns:a16="http://schemas.microsoft.com/office/drawing/2014/main" val="283714993"/>
+                    <a16:rowId xmlns:a16="http://schemas.microsoft.com/office/drawing/2014/main" xmlns="" val="283714993"/>
                   </a:ext>
                 </a:extLst>
               </a:tr>
@@ -12431,7 +16185,7 @@
                 </a:tc>
                 <a:extLst>
                   <a:ext uri="{0D108BD9-81ED-4DB2-BD59-A6C34878D82A}">
-                    <a16:rowId xmlns:a16="http://schemas.microsoft.com/office/drawing/2014/main" val="2289860029"/>
+                    <a16:rowId xmlns:a16="http://schemas.microsoft.com/office/drawing/2014/main" xmlns="" val="2289860029"/>
                   </a:ext>
                 </a:extLst>
               </a:tr>
@@ -12461,7 +16215,7 @@
                 </a:tc>
                 <a:extLst>
                   <a:ext uri="{0D108BD9-81ED-4DB2-BD59-A6C34878D82A}">
-                    <a16:rowId xmlns:a16="http://schemas.microsoft.com/office/drawing/2014/main" val="226017581"/>
+                    <a16:rowId xmlns:a16="http://schemas.microsoft.com/office/drawing/2014/main" xmlns="" val="226017581"/>
                   </a:ext>
                 </a:extLst>
               </a:tr>
@@ -12491,7 +16245,7 @@
                 </a:tc>
                 <a:extLst>
                   <a:ext uri="{0D108BD9-81ED-4DB2-BD59-A6C34878D82A}">
-                    <a16:rowId xmlns:a16="http://schemas.microsoft.com/office/drawing/2014/main" val="2804770223"/>
+                    <a16:rowId xmlns:a16="http://schemas.microsoft.com/office/drawing/2014/main" xmlns="" val="2804770223"/>
                   </a:ext>
                 </a:extLst>
               </a:tr>
@@ -12521,7 +16275,7 @@
                 </a:tc>
                 <a:extLst>
                   <a:ext uri="{0D108BD9-81ED-4DB2-BD59-A6C34878D82A}">
-                    <a16:rowId xmlns:a16="http://schemas.microsoft.com/office/drawing/2014/main" val="2332319071"/>
+                    <a16:rowId xmlns:a16="http://schemas.microsoft.com/office/drawing/2014/main" xmlns="" val="2332319071"/>
                   </a:ext>
                 </a:extLst>
               </a:tr>
@@ -12553,7 +16307,7 @@
                 <a:gridCol w="1485900">
                   <a:extLst>
                     <a:ext uri="{9D8B030D-6E8A-4147-A177-3AD203B41FA5}">
-                      <a16:colId xmlns:a16="http://schemas.microsoft.com/office/drawing/2014/main" val="1143551969"/>
+                      <a16:colId xmlns:a16="http://schemas.microsoft.com/office/drawing/2014/main" xmlns="" val="1143551969"/>
                     </a:ext>
                   </a:extLst>
                 </a:gridCol>
@@ -12584,7 +16338,7 @@
                 </a:tc>
                 <a:extLst>
                   <a:ext uri="{0D108BD9-81ED-4DB2-BD59-A6C34878D82A}">
-                    <a16:rowId xmlns:a16="http://schemas.microsoft.com/office/drawing/2014/main" val="3351393972"/>
+                    <a16:rowId xmlns:a16="http://schemas.microsoft.com/office/drawing/2014/main" xmlns="" val="3351393972"/>
                   </a:ext>
                 </a:extLst>
               </a:tr>
@@ -12614,7 +16368,7 @@
                 </a:tc>
                 <a:extLst>
                   <a:ext uri="{0D108BD9-81ED-4DB2-BD59-A6C34878D82A}">
-                    <a16:rowId xmlns:a16="http://schemas.microsoft.com/office/drawing/2014/main" val="973715757"/>
+                    <a16:rowId xmlns:a16="http://schemas.microsoft.com/office/drawing/2014/main" xmlns="" val="973715757"/>
                   </a:ext>
                 </a:extLst>
               </a:tr>
@@ -12644,7 +16398,7 @@
                 </a:tc>
                 <a:extLst>
                   <a:ext uri="{0D108BD9-81ED-4DB2-BD59-A6C34878D82A}">
-                    <a16:rowId xmlns:a16="http://schemas.microsoft.com/office/drawing/2014/main" val="4038944799"/>
+                    <a16:rowId xmlns:a16="http://schemas.microsoft.com/office/drawing/2014/main" xmlns="" val="4038944799"/>
                   </a:ext>
                 </a:extLst>
               </a:tr>
@@ -12674,7 +16428,7 @@
                 </a:tc>
                 <a:extLst>
                   <a:ext uri="{0D108BD9-81ED-4DB2-BD59-A6C34878D82A}">
-                    <a16:rowId xmlns:a16="http://schemas.microsoft.com/office/drawing/2014/main" val="918870044"/>
+                    <a16:rowId xmlns:a16="http://schemas.microsoft.com/office/drawing/2014/main" xmlns="" val="918870044"/>
                   </a:ext>
                 </a:extLst>
               </a:tr>
@@ -12891,14 +16645,14 @@
                 <a:gridCol w="1320800">
                   <a:extLst>
                     <a:ext uri="{9D8B030D-6E8A-4147-A177-3AD203B41FA5}">
-                      <a16:colId xmlns:a16="http://schemas.microsoft.com/office/drawing/2014/main" val="1565292339"/>
+                      <a16:colId xmlns:a16="http://schemas.microsoft.com/office/drawing/2014/main" xmlns="" val="1565292339"/>
                     </a:ext>
                   </a:extLst>
                 </a:gridCol>
                 <a:gridCol w="1320800">
                   <a:extLst>
                     <a:ext uri="{9D8B030D-6E8A-4147-A177-3AD203B41FA5}">
-                      <a16:colId xmlns:a16="http://schemas.microsoft.com/office/drawing/2014/main" val="3321606729"/>
+                      <a16:colId xmlns:a16="http://schemas.microsoft.com/office/drawing/2014/main" xmlns="" val="3321606729"/>
                     </a:ext>
                   </a:extLst>
                 </a:gridCol>
@@ -12966,7 +16720,7 @@
                 </a:tc>
                 <a:extLst>
                   <a:ext uri="{0D108BD9-81ED-4DB2-BD59-A6C34878D82A}">
-                    <a16:rowId xmlns:a16="http://schemas.microsoft.com/office/drawing/2014/main" val="2342247419"/>
+                    <a16:rowId xmlns:a16="http://schemas.microsoft.com/office/drawing/2014/main" xmlns="" val="2342247419"/>
                   </a:ext>
                 </a:extLst>
               </a:tr>
@@ -13019,7 +16773,7 @@
                 </a:tc>
                 <a:extLst>
                   <a:ext uri="{0D108BD9-81ED-4DB2-BD59-A6C34878D82A}">
-                    <a16:rowId xmlns:a16="http://schemas.microsoft.com/office/drawing/2014/main" val="2023251863"/>
+                    <a16:rowId xmlns:a16="http://schemas.microsoft.com/office/drawing/2014/main" xmlns="" val="2023251863"/>
                   </a:ext>
                 </a:extLst>
               </a:tr>
@@ -13072,7 +16826,7 @@
                 </a:tc>
                 <a:extLst>
                   <a:ext uri="{0D108BD9-81ED-4DB2-BD59-A6C34878D82A}">
-                    <a16:rowId xmlns:a16="http://schemas.microsoft.com/office/drawing/2014/main" val="2203326787"/>
+                    <a16:rowId xmlns:a16="http://schemas.microsoft.com/office/drawing/2014/main" xmlns="" val="2203326787"/>
                   </a:ext>
                 </a:extLst>
               </a:tr>
@@ -13125,7 +16879,7 @@
                 </a:tc>
                 <a:extLst>
                   <a:ext uri="{0D108BD9-81ED-4DB2-BD59-A6C34878D82A}">
-                    <a16:rowId xmlns:a16="http://schemas.microsoft.com/office/drawing/2014/main" val="249115607"/>
+                    <a16:rowId xmlns:a16="http://schemas.microsoft.com/office/drawing/2014/main" xmlns="" val="249115607"/>
                   </a:ext>
                 </a:extLst>
               </a:tr>
@@ -13157,14 +16911,14 @@
                 <a:gridCol w="1320800">
                   <a:extLst>
                     <a:ext uri="{9D8B030D-6E8A-4147-A177-3AD203B41FA5}">
-                      <a16:colId xmlns:a16="http://schemas.microsoft.com/office/drawing/2014/main" val="4198482069"/>
+                      <a16:colId xmlns:a16="http://schemas.microsoft.com/office/drawing/2014/main" xmlns="" val="4198482069"/>
                     </a:ext>
                   </a:extLst>
                 </a:gridCol>
                 <a:gridCol w="1320800">
                   <a:extLst>
                     <a:ext uri="{9D8B030D-6E8A-4147-A177-3AD203B41FA5}">
-                      <a16:colId xmlns:a16="http://schemas.microsoft.com/office/drawing/2014/main" val="136508566"/>
+                      <a16:colId xmlns:a16="http://schemas.microsoft.com/office/drawing/2014/main" xmlns="" val="136508566"/>
                     </a:ext>
                   </a:extLst>
                 </a:gridCol>
@@ -13232,7 +16986,7 @@
                 </a:tc>
                 <a:extLst>
                   <a:ext uri="{0D108BD9-81ED-4DB2-BD59-A6C34878D82A}">
-                    <a16:rowId xmlns:a16="http://schemas.microsoft.com/office/drawing/2014/main" val="691206392"/>
+                    <a16:rowId xmlns:a16="http://schemas.microsoft.com/office/drawing/2014/main" xmlns="" val="691206392"/>
                   </a:ext>
                 </a:extLst>
               </a:tr>
@@ -13285,7 +17039,7 @@
                 </a:tc>
                 <a:extLst>
                   <a:ext uri="{0D108BD9-81ED-4DB2-BD59-A6C34878D82A}">
-                    <a16:rowId xmlns:a16="http://schemas.microsoft.com/office/drawing/2014/main" val="3787998262"/>
+                    <a16:rowId xmlns:a16="http://schemas.microsoft.com/office/drawing/2014/main" xmlns="" val="3787998262"/>
                   </a:ext>
                 </a:extLst>
               </a:tr>
@@ -13338,7 +17092,7 @@
                 </a:tc>
                 <a:extLst>
                   <a:ext uri="{0D108BD9-81ED-4DB2-BD59-A6C34878D82A}">
-                    <a16:rowId xmlns:a16="http://schemas.microsoft.com/office/drawing/2014/main" val="930082291"/>
+                    <a16:rowId xmlns:a16="http://schemas.microsoft.com/office/drawing/2014/main" xmlns="" val="930082291"/>
                   </a:ext>
                 </a:extLst>
               </a:tr>
@@ -13370,21 +17124,21 @@
                 <a:gridCol w="1320800">
                   <a:extLst>
                     <a:ext uri="{9D8B030D-6E8A-4147-A177-3AD203B41FA5}">
-                      <a16:colId xmlns:a16="http://schemas.microsoft.com/office/drawing/2014/main" val="1164574958"/>
+                      <a16:colId xmlns:a16="http://schemas.microsoft.com/office/drawing/2014/main" xmlns="" val="1164574958"/>
                     </a:ext>
                   </a:extLst>
                 </a:gridCol>
                 <a:gridCol w="1320800">
                   <a:extLst>
                     <a:ext uri="{9D8B030D-6E8A-4147-A177-3AD203B41FA5}">
-                      <a16:colId xmlns:a16="http://schemas.microsoft.com/office/drawing/2014/main" val="2226099516"/>
+                      <a16:colId xmlns:a16="http://schemas.microsoft.com/office/drawing/2014/main" xmlns="" val="2226099516"/>
                     </a:ext>
                   </a:extLst>
                 </a:gridCol>
                 <a:gridCol w="1320800">
                   <a:extLst>
                     <a:ext uri="{9D8B030D-6E8A-4147-A177-3AD203B41FA5}">
-                      <a16:colId xmlns:a16="http://schemas.microsoft.com/office/drawing/2014/main" val="1423447062"/>
+                      <a16:colId xmlns:a16="http://schemas.microsoft.com/office/drawing/2014/main" xmlns="" val="1423447062"/>
                     </a:ext>
                   </a:extLst>
                 </a:gridCol>
@@ -13482,7 +17236,7 @@
                 </a:tc>
                 <a:extLst>
                   <a:ext uri="{0D108BD9-81ED-4DB2-BD59-A6C34878D82A}">
-                    <a16:rowId xmlns:a16="http://schemas.microsoft.com/office/drawing/2014/main" val="789511574"/>
+                    <a16:rowId xmlns:a16="http://schemas.microsoft.com/office/drawing/2014/main" xmlns="" val="789511574"/>
                   </a:ext>
                 </a:extLst>
               </a:tr>
@@ -13558,7 +17312,7 @@
                 </a:tc>
                 <a:extLst>
                   <a:ext uri="{0D108BD9-81ED-4DB2-BD59-A6C34878D82A}">
-                    <a16:rowId xmlns:a16="http://schemas.microsoft.com/office/drawing/2014/main" val="2231122364"/>
+                    <a16:rowId xmlns:a16="http://schemas.microsoft.com/office/drawing/2014/main" xmlns="" val="2231122364"/>
                   </a:ext>
                 </a:extLst>
               </a:tr>
@@ -13634,7 +17388,7 @@
                 </a:tc>
                 <a:extLst>
                   <a:ext uri="{0D108BD9-81ED-4DB2-BD59-A6C34878D82A}">
-                    <a16:rowId xmlns:a16="http://schemas.microsoft.com/office/drawing/2014/main" val="1690571629"/>
+                    <a16:rowId xmlns:a16="http://schemas.microsoft.com/office/drawing/2014/main" xmlns="" val="1690571629"/>
                   </a:ext>
                 </a:extLst>
               </a:tr>
@@ -13710,7 +17464,7 @@
                 </a:tc>
                 <a:extLst>
                   <a:ext uri="{0D108BD9-81ED-4DB2-BD59-A6C34878D82A}">
-                    <a16:rowId xmlns:a16="http://schemas.microsoft.com/office/drawing/2014/main" val="3774895176"/>
+                    <a16:rowId xmlns:a16="http://schemas.microsoft.com/office/drawing/2014/main" xmlns="" val="3774895176"/>
                   </a:ext>
                 </a:extLst>
               </a:tr>
@@ -13786,7 +17540,7 @@
                 </a:tc>
                 <a:extLst>
                   <a:ext uri="{0D108BD9-81ED-4DB2-BD59-A6C34878D82A}">
-                    <a16:rowId xmlns:a16="http://schemas.microsoft.com/office/drawing/2014/main" val="2893555520"/>
+                    <a16:rowId xmlns:a16="http://schemas.microsoft.com/office/drawing/2014/main" xmlns="" val="2893555520"/>
                   </a:ext>
                 </a:extLst>
               </a:tr>
@@ -13862,7 +17616,7 @@
                 </a:tc>
                 <a:extLst>
                   <a:ext uri="{0D108BD9-81ED-4DB2-BD59-A6C34878D82A}">
-                    <a16:rowId xmlns:a16="http://schemas.microsoft.com/office/drawing/2014/main" val="106678420"/>
+                    <a16:rowId xmlns:a16="http://schemas.microsoft.com/office/drawing/2014/main" xmlns="" val="106678420"/>
                   </a:ext>
                 </a:extLst>
               </a:tr>
@@ -13938,7 +17692,7 @@
                 </a:tc>
                 <a:extLst>
                   <a:ext uri="{0D108BD9-81ED-4DB2-BD59-A6C34878D82A}">
-                    <a16:rowId xmlns:a16="http://schemas.microsoft.com/office/drawing/2014/main" val="900132847"/>
+                    <a16:rowId xmlns:a16="http://schemas.microsoft.com/office/drawing/2014/main" xmlns="" val="900132847"/>
                   </a:ext>
                 </a:extLst>
               </a:tr>
